--- a/papers/DRCPA/docs/PerfTest - Profiling via RPT.pptx
+++ b/papers/DRCPA/docs/PerfTest - Profiling via RPT.pptx
@@ -1,6 +1,6 @@
 
 <file path=ppt/presentation.xml><?xml version="1.0" encoding="utf-8"?>
-<p:presentation xmlns:a="http://schemas.openxmlformats.org/drawingml/2006/main" xmlns:r="http://schemas.openxmlformats.org/officeDocument/2006/relationships" xmlns:mc="http://schemas.openxmlformats.org/markup-compatibility/2006" xmlns:mv="urn:schemas-microsoft-com:mac:vml" xmlns:p="http://schemas.openxmlformats.org/presentationml/2006/main" mc:Ignorable="mv" mc:PreserveAttributes="mv:*" saveSubsetFonts="1">
+<p:presentation xmlns:a="http://schemas.openxmlformats.org/drawingml/2006/main" xmlns:r="http://schemas.openxmlformats.org/officeDocument/2006/relationships" xmlns:p="http://schemas.openxmlformats.org/presentationml/2006/main" saveSubsetFonts="1">
   <p:sldMasterIdLst>
     <p:sldMasterId id="2147483648" r:id="rId1"/>
   </p:sldMasterIdLst>
@@ -141,7 +141,7 @@
 </file>
 
 <file path=ppt/handoutMasters/handoutMaster1.xml><?xml version="1.0" encoding="utf-8"?>
-<p:handoutMaster xmlns:a="http://schemas.openxmlformats.org/drawingml/2006/main" xmlns:r="http://schemas.openxmlformats.org/officeDocument/2006/relationships" xmlns:mc="http://schemas.openxmlformats.org/markup-compatibility/2006" xmlns:mv="urn:schemas-microsoft-com:mac:vml" xmlns:p="http://schemas.openxmlformats.org/presentationml/2006/main" mc:Ignorable="mv" mc:PreserveAttributes="mv:*">
+<p:handoutMaster xmlns:a="http://schemas.openxmlformats.org/drawingml/2006/main" xmlns:r="http://schemas.openxmlformats.org/officeDocument/2006/relationships" xmlns:p="http://schemas.openxmlformats.org/presentationml/2006/main">
   <p:cSld>
     <p:bg>
       <p:bgRef idx="1001">
@@ -223,7 +223,7 @@
             <a:fld id="{C1876738-C24C-400B-BE8B-5F8C502DDA77}" type="datetimeFigureOut">
               <a:rPr lang="en-US" smtClean="0"/>
               <a:pPr/>
-              <a:t>9/22/09</a:t>
+              <a:t>9/24/2009</a:t>
             </a:fld>
             <a:endParaRPr lang="en-US"/>
           </a:p>
@@ -303,7 +303,7 @@
 </file>
 
 <file path=ppt/notesMasters/notesMaster1.xml><?xml version="1.0" encoding="utf-8"?>
-<p:notesMaster xmlns:a="http://schemas.openxmlformats.org/drawingml/2006/main" xmlns:r="http://schemas.openxmlformats.org/officeDocument/2006/relationships" xmlns:mc="http://schemas.openxmlformats.org/markup-compatibility/2006" xmlns:mv="urn:schemas-microsoft-com:mac:vml" xmlns:p="http://schemas.openxmlformats.org/presentationml/2006/main" mc:Ignorable="mv" mc:PreserveAttributes="mv:*">
+<p:notesMaster xmlns:a="http://schemas.openxmlformats.org/drawingml/2006/main" xmlns:r="http://schemas.openxmlformats.org/officeDocument/2006/relationships" xmlns:p="http://schemas.openxmlformats.org/presentationml/2006/main">
   <p:cSld>
     <p:bg>
       <p:bgRef idx="1001">
@@ -385,7 +385,7 @@
             <a:fld id="{23B74013-A8FD-4950-914A-947FD22947D7}" type="datetimeFigureOut">
               <a:rPr lang="en-US" smtClean="0"/>
               <a:pPr/>
-              <a:t>9/22/09</a:t>
+              <a:t>9/24/2009</a:t>
             </a:fld>
             <a:endParaRPr lang="en-US"/>
           </a:p>
@@ -652,7 +652,7 @@
 </file>
 
 <file path=ppt/notesSlides/notesSlide1.xml><?xml version="1.0" encoding="utf-8"?>
-<p:notes xmlns:a="http://schemas.openxmlformats.org/drawingml/2006/main" xmlns:r="http://schemas.openxmlformats.org/officeDocument/2006/relationships" xmlns:mc="http://schemas.openxmlformats.org/markup-compatibility/2006" xmlns:mv="urn:schemas-microsoft-com:mac:vml" xmlns:p="http://schemas.openxmlformats.org/presentationml/2006/main" mc:Ignorable="mv" mc:PreserveAttributes="mv:*">
+<p:notes xmlns:a="http://schemas.openxmlformats.org/drawingml/2006/main" xmlns:r="http://schemas.openxmlformats.org/officeDocument/2006/relationships" xmlns:p="http://schemas.openxmlformats.org/presentationml/2006/main">
   <p:cSld>
     <p:spTree>
       <p:nvGrpSpPr>
@@ -746,7 +746,7 @@
 </file>
 
 <file path=ppt/slideLayouts/slideLayout1.xml><?xml version="1.0" encoding="utf-8"?>
-<p:sldLayout xmlns:a="http://schemas.openxmlformats.org/drawingml/2006/main" xmlns:r="http://schemas.openxmlformats.org/officeDocument/2006/relationships" xmlns:mc="http://schemas.openxmlformats.org/markup-compatibility/2006" xmlns:mv="urn:schemas-microsoft-com:mac:vml" xmlns:p="http://schemas.openxmlformats.org/presentationml/2006/main" mc:Ignorable="mv" mc:PreserveAttributes="mv:*" type="title" preserve="1">
+<p:sldLayout xmlns:a="http://schemas.openxmlformats.org/drawingml/2006/main" xmlns:r="http://schemas.openxmlformats.org/officeDocument/2006/relationships" xmlns:p="http://schemas.openxmlformats.org/presentationml/2006/main" type="title" preserve="1">
   <p:cSld name="Title Slide">
     <p:bg>
       <p:bgRef idx="1002">
@@ -932,7 +932,7 @@
             <a:fld id="{C60591B3-B4ED-4C31-8AEF-63EEC6A32F51}" type="datetimeFigureOut">
               <a:rPr lang="en-US" smtClean="0"/>
               <a:pPr/>
-              <a:t>9/22/09</a:t>
+              <a:t>9/24/2009</a:t>
             </a:fld>
             <a:endParaRPr lang="en-US"/>
           </a:p>
@@ -990,7 +990,7 @@
 </file>
 
 <file path=ppt/slideLayouts/slideLayout10.xml><?xml version="1.0" encoding="utf-8"?>
-<p:sldLayout xmlns:a="http://schemas.openxmlformats.org/drawingml/2006/main" xmlns:r="http://schemas.openxmlformats.org/officeDocument/2006/relationships" xmlns:mc="http://schemas.openxmlformats.org/markup-compatibility/2006" xmlns:mv="urn:schemas-microsoft-com:mac:vml" xmlns:p="http://schemas.openxmlformats.org/presentationml/2006/main" mc:Ignorable="mv" mc:PreserveAttributes="mv:*" type="vertTx" preserve="1">
+<p:sldLayout xmlns:a="http://schemas.openxmlformats.org/drawingml/2006/main" xmlns:r="http://schemas.openxmlformats.org/officeDocument/2006/relationships" xmlns:p="http://schemas.openxmlformats.org/presentationml/2006/main" type="vertTx" preserve="1">
   <p:cSld name="Title and Vertical Text">
     <p:spTree>
       <p:nvGrpSpPr>
@@ -1099,7 +1099,7 @@
             <a:fld id="{C60591B3-B4ED-4C31-8AEF-63EEC6A32F51}" type="datetimeFigureOut">
               <a:rPr lang="en-US" smtClean="0"/>
               <a:pPr/>
-              <a:t>9/22/09</a:t>
+              <a:t>9/24/2009</a:t>
             </a:fld>
             <a:endParaRPr lang="en-US"/>
           </a:p>
@@ -1157,7 +1157,7 @@
 </file>
 
 <file path=ppt/slideLayouts/slideLayout11.xml><?xml version="1.0" encoding="utf-8"?>
-<p:sldLayout xmlns:a="http://schemas.openxmlformats.org/drawingml/2006/main" xmlns:r="http://schemas.openxmlformats.org/officeDocument/2006/relationships" xmlns:mc="http://schemas.openxmlformats.org/markup-compatibility/2006" xmlns:mv="urn:schemas-microsoft-com:mac:vml" xmlns:p="http://schemas.openxmlformats.org/presentationml/2006/main" mc:Ignorable="mv" mc:PreserveAttributes="mv:*" type="vertTitleAndTx" preserve="1">
+<p:sldLayout xmlns:a="http://schemas.openxmlformats.org/drawingml/2006/main" xmlns:r="http://schemas.openxmlformats.org/officeDocument/2006/relationships" xmlns:p="http://schemas.openxmlformats.org/presentationml/2006/main" type="vertTitleAndTx" preserve="1">
   <p:cSld name="Vertical Title and Text">
     <p:spTree>
       <p:nvGrpSpPr>
@@ -1276,7 +1276,7 @@
             <a:fld id="{C60591B3-B4ED-4C31-8AEF-63EEC6A32F51}" type="datetimeFigureOut">
               <a:rPr lang="en-US" smtClean="0"/>
               <a:pPr/>
-              <a:t>9/22/09</a:t>
+              <a:t>9/24/2009</a:t>
             </a:fld>
             <a:endParaRPr lang="en-US"/>
           </a:p>
@@ -1334,7 +1334,7 @@
 </file>
 
 <file path=ppt/slideLayouts/slideLayout2.xml><?xml version="1.0" encoding="utf-8"?>
-<p:sldLayout xmlns:a="http://schemas.openxmlformats.org/drawingml/2006/main" xmlns:r="http://schemas.openxmlformats.org/officeDocument/2006/relationships" xmlns:mc="http://schemas.openxmlformats.org/markup-compatibility/2006" xmlns:mv="urn:schemas-microsoft-com:mac:vml" xmlns:p="http://schemas.openxmlformats.org/presentationml/2006/main" mc:Ignorable="mv" mc:PreserveAttributes="mv:*" type="obj" preserve="1">
+<p:sldLayout xmlns:a="http://schemas.openxmlformats.org/drawingml/2006/main" xmlns:r="http://schemas.openxmlformats.org/officeDocument/2006/relationships" xmlns:p="http://schemas.openxmlformats.org/presentationml/2006/main" type="obj" preserve="1">
   <p:cSld name="Title and Content">
     <p:spTree>
       <p:nvGrpSpPr>
@@ -1443,7 +1443,7 @@
             <a:fld id="{C60591B3-B4ED-4C31-8AEF-63EEC6A32F51}" type="datetimeFigureOut">
               <a:rPr lang="en-US" smtClean="0"/>
               <a:pPr/>
-              <a:t>9/22/09</a:t>
+              <a:t>9/24/2009</a:t>
             </a:fld>
             <a:endParaRPr lang="en-US"/>
           </a:p>
@@ -1501,7 +1501,7 @@
 </file>
 
 <file path=ppt/slideLayouts/slideLayout3.xml><?xml version="1.0" encoding="utf-8"?>
-<p:sldLayout xmlns:a="http://schemas.openxmlformats.org/drawingml/2006/main" xmlns:r="http://schemas.openxmlformats.org/officeDocument/2006/relationships" xmlns:mc="http://schemas.openxmlformats.org/markup-compatibility/2006" xmlns:mv="urn:schemas-microsoft-com:mac:vml" xmlns:p="http://schemas.openxmlformats.org/presentationml/2006/main" mc:Ignorable="mv" mc:PreserveAttributes="mv:*" type="secHead" preserve="1">
+<p:sldLayout xmlns:a="http://schemas.openxmlformats.org/drawingml/2006/main" xmlns:r="http://schemas.openxmlformats.org/officeDocument/2006/relationships" xmlns:p="http://schemas.openxmlformats.org/presentationml/2006/main" type="secHead" preserve="1">
   <p:cSld name="Section Header">
     <p:bg>
       <p:bgRef idx="1002">
@@ -1691,7 +1691,7 @@
             <a:fld id="{C60591B3-B4ED-4C31-8AEF-63EEC6A32F51}" type="datetimeFigureOut">
               <a:rPr lang="en-US" smtClean="0"/>
               <a:pPr/>
-              <a:t>9/22/09</a:t>
+              <a:t>9/24/2009</a:t>
             </a:fld>
             <a:endParaRPr lang="en-US"/>
           </a:p>
@@ -1749,7 +1749,7 @@
 </file>
 
 <file path=ppt/slideLayouts/slideLayout4.xml><?xml version="1.0" encoding="utf-8"?>
-<p:sldLayout xmlns:a="http://schemas.openxmlformats.org/drawingml/2006/main" xmlns:r="http://schemas.openxmlformats.org/officeDocument/2006/relationships" xmlns:mc="http://schemas.openxmlformats.org/markup-compatibility/2006" xmlns:mv="urn:schemas-microsoft-com:mac:vml" xmlns:p="http://schemas.openxmlformats.org/presentationml/2006/main" mc:Ignorable="mv" mc:PreserveAttributes="mv:*" type="twoObj" preserve="1">
+<p:sldLayout xmlns:a="http://schemas.openxmlformats.org/drawingml/2006/main" xmlns:r="http://schemas.openxmlformats.org/officeDocument/2006/relationships" xmlns:p="http://schemas.openxmlformats.org/presentationml/2006/main" type="twoObj" preserve="1">
   <p:cSld name="Two Content">
     <p:spTree>
       <p:nvGrpSpPr>
@@ -1976,7 +1976,7 @@
             <a:fld id="{C60591B3-B4ED-4C31-8AEF-63EEC6A32F51}" type="datetimeFigureOut">
               <a:rPr lang="en-US" smtClean="0"/>
               <a:pPr/>
-              <a:t>9/22/09</a:t>
+              <a:t>9/24/2009</a:t>
             </a:fld>
             <a:endParaRPr lang="en-US"/>
           </a:p>
@@ -2034,7 +2034,7 @@
 </file>
 
 <file path=ppt/slideLayouts/slideLayout5.xml><?xml version="1.0" encoding="utf-8"?>
-<p:sldLayout xmlns:a="http://schemas.openxmlformats.org/drawingml/2006/main" xmlns:r="http://schemas.openxmlformats.org/officeDocument/2006/relationships" xmlns:mc="http://schemas.openxmlformats.org/markup-compatibility/2006" xmlns:mv="urn:schemas-microsoft-com:mac:vml" xmlns:p="http://schemas.openxmlformats.org/presentationml/2006/main" mc:Ignorable="mv" mc:PreserveAttributes="mv:*" type="twoTxTwoObj" preserve="1">
+<p:sldLayout xmlns:a="http://schemas.openxmlformats.org/drawingml/2006/main" xmlns:r="http://schemas.openxmlformats.org/officeDocument/2006/relationships" xmlns:p="http://schemas.openxmlformats.org/presentationml/2006/main" type="twoTxTwoObj" preserve="1">
   <p:cSld name="Comparison">
     <p:spTree>
       <p:nvGrpSpPr>
@@ -2395,7 +2395,7 @@
             <a:fld id="{C60591B3-B4ED-4C31-8AEF-63EEC6A32F51}" type="datetimeFigureOut">
               <a:rPr lang="en-US" smtClean="0"/>
               <a:pPr/>
-              <a:t>9/22/09</a:t>
+              <a:t>9/24/2009</a:t>
             </a:fld>
             <a:endParaRPr lang="en-US"/>
           </a:p>
@@ -2453,7 +2453,7 @@
 </file>
 
 <file path=ppt/slideLayouts/slideLayout6.xml><?xml version="1.0" encoding="utf-8"?>
-<p:sldLayout xmlns:a="http://schemas.openxmlformats.org/drawingml/2006/main" xmlns:r="http://schemas.openxmlformats.org/officeDocument/2006/relationships" xmlns:mc="http://schemas.openxmlformats.org/markup-compatibility/2006" xmlns:mv="urn:schemas-microsoft-com:mac:vml" xmlns:p="http://schemas.openxmlformats.org/presentationml/2006/main" mc:Ignorable="mv" mc:PreserveAttributes="mv:*" type="titleOnly" preserve="1">
+<p:sldLayout xmlns:a="http://schemas.openxmlformats.org/drawingml/2006/main" xmlns:r="http://schemas.openxmlformats.org/officeDocument/2006/relationships" xmlns:p="http://schemas.openxmlformats.org/presentationml/2006/main" type="titleOnly" preserve="1">
   <p:cSld name="Title Only">
     <p:spTree>
       <p:nvGrpSpPr>
@@ -2510,7 +2510,7 @@
             <a:fld id="{C60591B3-B4ED-4C31-8AEF-63EEC6A32F51}" type="datetimeFigureOut">
               <a:rPr lang="en-US" smtClean="0"/>
               <a:pPr/>
-              <a:t>9/22/09</a:t>
+              <a:t>9/24/2009</a:t>
             </a:fld>
             <a:endParaRPr lang="en-US"/>
           </a:p>
@@ -2568,7 +2568,7 @@
 </file>
 
 <file path=ppt/slideLayouts/slideLayout7.xml><?xml version="1.0" encoding="utf-8"?>
-<p:sldLayout xmlns:a="http://schemas.openxmlformats.org/drawingml/2006/main" xmlns:r="http://schemas.openxmlformats.org/officeDocument/2006/relationships" xmlns:mc="http://schemas.openxmlformats.org/markup-compatibility/2006" xmlns:mv="urn:schemas-microsoft-com:mac:vml" xmlns:p="http://schemas.openxmlformats.org/presentationml/2006/main" mc:Ignorable="mv" mc:PreserveAttributes="mv:*" type="blank" preserve="1">
+<p:sldLayout xmlns:a="http://schemas.openxmlformats.org/drawingml/2006/main" xmlns:r="http://schemas.openxmlformats.org/officeDocument/2006/relationships" xmlns:p="http://schemas.openxmlformats.org/presentationml/2006/main" type="blank" preserve="1">
   <p:cSld name="Blank">
     <p:spTree>
       <p:nvGrpSpPr>
@@ -2602,7 +2602,7 @@
             <a:fld id="{C60591B3-B4ED-4C31-8AEF-63EEC6A32F51}" type="datetimeFigureOut">
               <a:rPr lang="en-US" smtClean="0"/>
               <a:pPr/>
-              <a:t>9/22/09</a:t>
+              <a:t>9/24/2009</a:t>
             </a:fld>
             <a:endParaRPr lang="en-US"/>
           </a:p>
@@ -2660,7 +2660,7 @@
 </file>
 
 <file path=ppt/slideLayouts/slideLayout8.xml><?xml version="1.0" encoding="utf-8"?>
-<p:sldLayout xmlns:a="http://schemas.openxmlformats.org/drawingml/2006/main" xmlns:r="http://schemas.openxmlformats.org/officeDocument/2006/relationships" xmlns:mc="http://schemas.openxmlformats.org/markup-compatibility/2006" xmlns:mv="urn:schemas-microsoft-com:mac:vml" xmlns:p="http://schemas.openxmlformats.org/presentationml/2006/main" mc:Ignorable="mv" mc:PreserveAttributes="mv:*" type="objTx" preserve="1">
+<p:sldLayout xmlns:a="http://schemas.openxmlformats.org/drawingml/2006/main" xmlns:r="http://schemas.openxmlformats.org/officeDocument/2006/relationships" xmlns:p="http://schemas.openxmlformats.org/presentationml/2006/main" type="objTx" preserve="1">
   <p:cSld name="Content with Caption">
     <p:spTree>
       <p:nvGrpSpPr>
@@ -2876,7 +2876,7 @@
             <a:fld id="{C60591B3-B4ED-4C31-8AEF-63EEC6A32F51}" type="datetimeFigureOut">
               <a:rPr lang="en-US" smtClean="0"/>
               <a:pPr/>
-              <a:t>9/22/09</a:t>
+              <a:t>9/24/2009</a:t>
             </a:fld>
             <a:endParaRPr lang="en-US"/>
           </a:p>
@@ -2934,7 +2934,7 @@
 </file>
 
 <file path=ppt/slideLayouts/slideLayout9.xml><?xml version="1.0" encoding="utf-8"?>
-<p:sldLayout xmlns:a="http://schemas.openxmlformats.org/drawingml/2006/main" xmlns:r="http://schemas.openxmlformats.org/officeDocument/2006/relationships" xmlns:mc="http://schemas.openxmlformats.org/markup-compatibility/2006" xmlns:mv="urn:schemas-microsoft-com:mac:vml" xmlns:p="http://schemas.openxmlformats.org/presentationml/2006/main" mc:Ignorable="mv" mc:PreserveAttributes="mv:*" type="picTx" preserve="1">
+<p:sldLayout xmlns:a="http://schemas.openxmlformats.org/drawingml/2006/main" xmlns:r="http://schemas.openxmlformats.org/officeDocument/2006/relationships" xmlns:p="http://schemas.openxmlformats.org/presentationml/2006/main" type="picTx" preserve="1">
   <p:cSld name="Picture with Caption">
     <p:spTree>
       <p:nvGrpSpPr>
@@ -3126,7 +3126,7 @@
             <a:fld id="{C60591B3-B4ED-4C31-8AEF-63EEC6A32F51}" type="datetimeFigureOut">
               <a:rPr lang="en-US" smtClean="0"/>
               <a:pPr/>
-              <a:t>9/22/09</a:t>
+              <a:t>9/24/2009</a:t>
             </a:fld>
             <a:endParaRPr lang="en-US"/>
           </a:p>
@@ -3184,7 +3184,7 @@
 </file>
 
 <file path=ppt/slideMasters/slideMaster1.xml><?xml version="1.0" encoding="utf-8"?>
-<p:sldMaster xmlns:a="http://schemas.openxmlformats.org/drawingml/2006/main" xmlns:r="http://schemas.openxmlformats.org/officeDocument/2006/relationships" xmlns:mc="http://schemas.openxmlformats.org/markup-compatibility/2006" xmlns:mv="urn:schemas-microsoft-com:mac:vml" xmlns:p="http://schemas.openxmlformats.org/presentationml/2006/main" mc:Ignorable="mv" mc:PreserveAttributes="mv:*">
+<p:sldMaster xmlns:a="http://schemas.openxmlformats.org/drawingml/2006/main" xmlns:r="http://schemas.openxmlformats.org/officeDocument/2006/relationships" xmlns:p="http://schemas.openxmlformats.org/presentationml/2006/main">
   <p:cSld>
     <p:bg>
       <p:bgRef idx="1001">
@@ -3336,7 +3336,7 @@
             <a:fld id="{C60591B3-B4ED-4C31-8AEF-63EEC6A32F51}" type="datetimeFigureOut">
               <a:rPr lang="en-US" smtClean="0"/>
               <a:pPr/>
-              <a:t>9/22/09</a:t>
+              <a:t>9/24/2009</a:t>
             </a:fld>
             <a:endParaRPr lang="en-US"/>
           </a:p>
@@ -3691,7 +3691,7 @@
 </file>
 
 <file path=ppt/slides/slide1.xml><?xml version="1.0" encoding="utf-8"?>
-<p:sld xmlns:a="http://schemas.openxmlformats.org/drawingml/2006/main" xmlns:r="http://schemas.openxmlformats.org/officeDocument/2006/relationships" xmlns:mc="http://schemas.openxmlformats.org/markup-compatibility/2006" xmlns:mv="urn:schemas-microsoft-com:mac:vml" xmlns:p="http://schemas.openxmlformats.org/presentationml/2006/main" mc:Ignorable="mv" mc:PreserveAttributes="mv:*">
+<p:sld xmlns:a="http://schemas.openxmlformats.org/drawingml/2006/main" xmlns:r="http://schemas.openxmlformats.org/officeDocument/2006/relationships" xmlns:p="http://schemas.openxmlformats.org/presentationml/2006/main">
   <p:cSld>
     <p:spTree>
       <p:nvGrpSpPr>
@@ -3746,7 +3746,7 @@
         </p:spPr>
         <p:txBody>
           <a:bodyPr>
-            <a:normAutofit fontScale="90000"/>
+            <a:normAutofit/>
           </a:bodyPr>
           <a:lstStyle/>
           <a:p>
@@ -3756,22 +3756,7 @@
                   <a:srgbClr val="FFC000"/>
                 </a:solidFill>
               </a:rPr>
-              <a:t>Profiling Applications on</a:t>
-            </a:r>
-            <a:br>
-              <a:rPr lang="en-US" dirty="0" smtClean="0">
-                <a:solidFill>
-                  <a:srgbClr val="FFC000"/>
-                </a:solidFill>
-              </a:rPr>
-            </a:br>
-            <a:r>
-              <a:rPr lang="en-US" dirty="0" smtClean="0">
-                <a:solidFill>
-                  <a:srgbClr val="FFC000"/>
-                </a:solidFill>
-              </a:rPr>
-              <a:t>an ARM Instrumented Server via RPT</a:t>
+              <a:t>Profiling ARM-Instrumented Applications via RPT</a:t>
             </a:r>
             <a:endParaRPr lang="en-US" dirty="0">
               <a:solidFill>
@@ -3822,7 +3807,15 @@
           <a:p>
             <a:r>
               <a:rPr lang="en-US" dirty="0" smtClean="0"/>
-              <a:t>Last Updated: Sep. 22, 2009</a:t>
+              <a:t>Last </a:t>
+            </a:r>
+            <a:r>
+              <a:rPr lang="en-US" smtClean="0"/>
+              <a:t>Updated</a:t>
+            </a:r>
+            <a:r>
+              <a:rPr lang="en-US" smtClean="0"/>
+              <a:t>: 9/24/2009</a:t>
             </a:r>
             <a:endParaRPr lang="en-US" dirty="0"/>
           </a:p>
@@ -3844,7 +3837,7 @@
 </file>
 
 <file path=ppt/slides/slide10.xml><?xml version="1.0" encoding="utf-8"?>
-<p:sld xmlns:a="http://schemas.openxmlformats.org/drawingml/2006/main" xmlns:r="http://schemas.openxmlformats.org/officeDocument/2006/relationships" xmlns:mc="http://schemas.openxmlformats.org/markup-compatibility/2006" xmlns:mv="urn:schemas-microsoft-com:mac:vml" xmlns:p="http://schemas.openxmlformats.org/presentationml/2006/main" mc:Ignorable="mv" mc:PreserveAttributes="mv:*">
+<p:sld xmlns:a="http://schemas.openxmlformats.org/drawingml/2006/main" xmlns:r="http://schemas.openxmlformats.org/officeDocument/2006/relationships" xmlns:p="http://schemas.openxmlformats.org/presentationml/2006/main">
   <p:cSld>
     <p:spTree>
       <p:nvGrpSpPr>
@@ -4001,7 +3994,7 @@
 </file>
 
 <file path=ppt/slides/slide11.xml><?xml version="1.0" encoding="utf-8"?>
-<p:sld xmlns:a="http://schemas.openxmlformats.org/drawingml/2006/main" xmlns:r="http://schemas.openxmlformats.org/officeDocument/2006/relationships" xmlns:mc="http://schemas.openxmlformats.org/markup-compatibility/2006" xmlns:mv="urn:schemas-microsoft-com:mac:vml" xmlns:p="http://schemas.openxmlformats.org/presentationml/2006/main" mc:Ignorable="mv" mc:PreserveAttributes="mv:*">
+<p:sld xmlns:a="http://schemas.openxmlformats.org/drawingml/2006/main" xmlns:r="http://schemas.openxmlformats.org/officeDocument/2006/relationships" xmlns:p="http://schemas.openxmlformats.org/presentationml/2006/main">
   <p:cSld>
     <p:spTree>
       <p:nvGrpSpPr>
@@ -4142,7 +4135,7 @@
 </file>
 
 <file path=ppt/slides/slide12.xml><?xml version="1.0" encoding="utf-8"?>
-<p:sld xmlns:a="http://schemas.openxmlformats.org/drawingml/2006/main" xmlns:r="http://schemas.openxmlformats.org/officeDocument/2006/relationships" xmlns:mc="http://schemas.openxmlformats.org/markup-compatibility/2006" xmlns:mv="urn:schemas-microsoft-com:mac:vml" xmlns:p="http://schemas.openxmlformats.org/presentationml/2006/main" mc:Ignorable="mv" mc:PreserveAttributes="mv:*">
+<p:sld xmlns:a="http://schemas.openxmlformats.org/drawingml/2006/main" xmlns:r="http://schemas.openxmlformats.org/officeDocument/2006/relationships" xmlns:p="http://schemas.openxmlformats.org/presentationml/2006/main">
   <p:cSld>
     <p:spTree>
       <p:nvGrpSpPr>
@@ -4325,7 +4318,7 @@
 </file>
 
 <file path=ppt/slides/slide13.xml><?xml version="1.0" encoding="utf-8"?>
-<p:sld xmlns:a="http://schemas.openxmlformats.org/drawingml/2006/main" xmlns:r="http://schemas.openxmlformats.org/officeDocument/2006/relationships" xmlns:mc="http://schemas.openxmlformats.org/markup-compatibility/2006" xmlns:mv="urn:schemas-microsoft-com:mac:vml" xmlns:p="http://schemas.openxmlformats.org/presentationml/2006/main" mc:Ignorable="mv" mc:PreserveAttributes="mv:*">
+<p:sld xmlns:a="http://schemas.openxmlformats.org/drawingml/2006/main" xmlns:r="http://schemas.openxmlformats.org/officeDocument/2006/relationships" xmlns:p="http://schemas.openxmlformats.org/presentationml/2006/main">
   <p:cSld>
     <p:spTree>
       <p:nvGrpSpPr>
@@ -4522,7 +4515,7 @@
 </file>
 
 <file path=ppt/slides/slide14.xml><?xml version="1.0" encoding="utf-8"?>
-<p:sld xmlns:a="http://schemas.openxmlformats.org/drawingml/2006/main" xmlns:r="http://schemas.openxmlformats.org/officeDocument/2006/relationships" xmlns:mc="http://schemas.openxmlformats.org/markup-compatibility/2006" xmlns:mv="urn:schemas-microsoft-com:mac:vml" xmlns:p="http://schemas.openxmlformats.org/presentationml/2006/main" mc:Ignorable="mv" mc:PreserveAttributes="mv:*">
+<p:sld xmlns:a="http://schemas.openxmlformats.org/drawingml/2006/main" xmlns:r="http://schemas.openxmlformats.org/officeDocument/2006/relationships" xmlns:p="http://schemas.openxmlformats.org/presentationml/2006/main">
   <p:cSld>
     <p:spTree>
       <p:nvGrpSpPr>
@@ -4624,7 +4617,7 @@
 </file>
 
 <file path=ppt/slides/slide15.xml><?xml version="1.0" encoding="utf-8"?>
-<p:sld xmlns:a="http://schemas.openxmlformats.org/drawingml/2006/main" xmlns:r="http://schemas.openxmlformats.org/officeDocument/2006/relationships" xmlns:mc="http://schemas.openxmlformats.org/markup-compatibility/2006" xmlns:mv="urn:schemas-microsoft-com:mac:vml" xmlns:p="http://schemas.openxmlformats.org/presentationml/2006/main" mc:Ignorable="mv" mc:PreserveAttributes="mv:*">
+<p:sld xmlns:a="http://schemas.openxmlformats.org/drawingml/2006/main" xmlns:r="http://schemas.openxmlformats.org/officeDocument/2006/relationships" xmlns:p="http://schemas.openxmlformats.org/presentationml/2006/main">
   <p:cSld>
     <p:spTree>
       <p:nvGrpSpPr>
@@ -4691,7 +4684,7 @@
 </file>
 
 <file path=ppt/slides/slide16.xml><?xml version="1.0" encoding="utf-8"?>
-<p:sld xmlns:a="http://schemas.openxmlformats.org/drawingml/2006/main" xmlns:r="http://schemas.openxmlformats.org/officeDocument/2006/relationships" xmlns:mc="http://schemas.openxmlformats.org/markup-compatibility/2006" xmlns:mv="urn:schemas-microsoft-com:mac:vml" xmlns:p="http://schemas.openxmlformats.org/presentationml/2006/main" mc:Ignorable="mv" mc:PreserveAttributes="mv:*">
+<p:sld xmlns:a="http://schemas.openxmlformats.org/drawingml/2006/main" xmlns:r="http://schemas.openxmlformats.org/officeDocument/2006/relationships" xmlns:p="http://schemas.openxmlformats.org/presentationml/2006/main">
   <p:cSld>
     <p:spTree>
       <p:nvGrpSpPr>
@@ -4790,7 +4783,7 @@
 </file>
 
 <file path=ppt/slides/slide17.xml><?xml version="1.0" encoding="utf-8"?>
-<p:sld xmlns:a="http://schemas.openxmlformats.org/drawingml/2006/main" xmlns:r="http://schemas.openxmlformats.org/officeDocument/2006/relationships" xmlns:mc="http://schemas.openxmlformats.org/markup-compatibility/2006" xmlns:mv="urn:schemas-microsoft-com:mac:vml" xmlns:p="http://schemas.openxmlformats.org/presentationml/2006/main" mc:Ignorable="mv" mc:PreserveAttributes="mv:*">
+<p:sld xmlns:a="http://schemas.openxmlformats.org/drawingml/2006/main" xmlns:r="http://schemas.openxmlformats.org/officeDocument/2006/relationships" xmlns:p="http://schemas.openxmlformats.org/presentationml/2006/main">
   <p:cSld>
     <p:spTree>
       <p:nvGrpSpPr>
@@ -4889,7 +4882,7 @@
 </file>
 
 <file path=ppt/slides/slide18.xml><?xml version="1.0" encoding="utf-8"?>
-<p:sld xmlns:a="http://schemas.openxmlformats.org/drawingml/2006/main" xmlns:r="http://schemas.openxmlformats.org/officeDocument/2006/relationships" xmlns:mc="http://schemas.openxmlformats.org/markup-compatibility/2006" xmlns:mv="urn:schemas-microsoft-com:mac:vml" xmlns:p="http://schemas.openxmlformats.org/presentationml/2006/main" mc:Ignorable="mv" mc:PreserveAttributes="mv:*">
+<p:sld xmlns:a="http://schemas.openxmlformats.org/drawingml/2006/main" xmlns:r="http://schemas.openxmlformats.org/officeDocument/2006/relationships" xmlns:p="http://schemas.openxmlformats.org/presentationml/2006/main">
   <p:cSld>
     <p:spTree>
       <p:nvGrpSpPr>
@@ -4988,7 +4981,7 @@
 </file>
 
 <file path=ppt/slides/slide19.xml><?xml version="1.0" encoding="utf-8"?>
-<p:sld xmlns:a="http://schemas.openxmlformats.org/drawingml/2006/main" xmlns:r="http://schemas.openxmlformats.org/officeDocument/2006/relationships" xmlns:mc="http://schemas.openxmlformats.org/markup-compatibility/2006" xmlns:mv="urn:schemas-microsoft-com:mac:vml" xmlns:p="http://schemas.openxmlformats.org/presentationml/2006/main" mc:Ignorable="mv" mc:PreserveAttributes="mv:*">
+<p:sld xmlns:a="http://schemas.openxmlformats.org/drawingml/2006/main" xmlns:r="http://schemas.openxmlformats.org/officeDocument/2006/relationships" xmlns:p="http://schemas.openxmlformats.org/presentationml/2006/main">
   <p:cSld>
     <p:spTree>
       <p:nvGrpSpPr>
@@ -5055,7 +5048,7 @@
 </file>
 
 <file path=ppt/slides/slide2.xml><?xml version="1.0" encoding="utf-8"?>
-<p:sld xmlns:a="http://schemas.openxmlformats.org/drawingml/2006/main" xmlns:r="http://schemas.openxmlformats.org/officeDocument/2006/relationships" xmlns:mc="http://schemas.openxmlformats.org/markup-compatibility/2006" xmlns:mv="urn:schemas-microsoft-com:mac:vml" xmlns:p="http://schemas.openxmlformats.org/presentationml/2006/main" mc:Ignorable="mv" mc:PreserveAttributes="mv:*">
+<p:sld xmlns:a="http://schemas.openxmlformats.org/drawingml/2006/main" xmlns:r="http://schemas.openxmlformats.org/officeDocument/2006/relationships" xmlns:p="http://schemas.openxmlformats.org/presentationml/2006/main">
   <p:cSld>
     <p:spTree>
       <p:nvGrpSpPr>
@@ -5133,7 +5126,7 @@
 </file>
 
 <file path=ppt/slides/slide20.xml><?xml version="1.0" encoding="utf-8"?>
-<p:sld xmlns:a="http://schemas.openxmlformats.org/drawingml/2006/main" xmlns:r="http://schemas.openxmlformats.org/officeDocument/2006/relationships" xmlns:mc="http://schemas.openxmlformats.org/markup-compatibility/2006" xmlns:mv="urn:schemas-microsoft-com:mac:vml" xmlns:p="http://schemas.openxmlformats.org/presentationml/2006/main" mc:Ignorable="mv" mc:PreserveAttributes="mv:*">
+<p:sld xmlns:a="http://schemas.openxmlformats.org/drawingml/2006/main" xmlns:r="http://schemas.openxmlformats.org/officeDocument/2006/relationships" xmlns:p="http://schemas.openxmlformats.org/presentationml/2006/main">
   <p:cSld>
     <p:spTree>
       <p:nvGrpSpPr>
@@ -5240,7 +5233,7 @@
 </file>
 
 <file path=ppt/slides/slide21.xml><?xml version="1.0" encoding="utf-8"?>
-<p:sld xmlns:a="http://schemas.openxmlformats.org/drawingml/2006/main" xmlns:r="http://schemas.openxmlformats.org/officeDocument/2006/relationships" xmlns:mc="http://schemas.openxmlformats.org/markup-compatibility/2006" xmlns:mv="urn:schemas-microsoft-com:mac:vml" xmlns:p="http://schemas.openxmlformats.org/presentationml/2006/main" mc:Ignorable="mv" mc:PreserveAttributes="mv:*">
+<p:sld xmlns:a="http://schemas.openxmlformats.org/drawingml/2006/main" xmlns:r="http://schemas.openxmlformats.org/officeDocument/2006/relationships" xmlns:p="http://schemas.openxmlformats.org/presentationml/2006/main">
   <p:cSld>
     <p:spTree>
       <p:nvGrpSpPr>
@@ -5343,7 +5336,7 @@
 </file>
 
 <file path=ppt/slides/slide22.xml><?xml version="1.0" encoding="utf-8"?>
-<p:sld xmlns:a="http://schemas.openxmlformats.org/drawingml/2006/main" xmlns:r="http://schemas.openxmlformats.org/officeDocument/2006/relationships" xmlns:mc="http://schemas.openxmlformats.org/markup-compatibility/2006" xmlns:mv="urn:schemas-microsoft-com:mac:vml" xmlns:p="http://schemas.openxmlformats.org/presentationml/2006/main" mc:Ignorable="mv" mc:PreserveAttributes="mv:*">
+<p:sld xmlns:a="http://schemas.openxmlformats.org/drawingml/2006/main" xmlns:r="http://schemas.openxmlformats.org/officeDocument/2006/relationships" xmlns:p="http://schemas.openxmlformats.org/presentationml/2006/main">
   <p:cSld>
     <p:spTree>
       <p:nvGrpSpPr>
@@ -5442,7 +5435,7 @@
 </file>
 
 <file path=ppt/slides/slide23.xml><?xml version="1.0" encoding="utf-8"?>
-<p:sld xmlns:a="http://schemas.openxmlformats.org/drawingml/2006/main" xmlns:r="http://schemas.openxmlformats.org/officeDocument/2006/relationships" xmlns:mc="http://schemas.openxmlformats.org/markup-compatibility/2006" xmlns:mv="urn:schemas-microsoft-com:mac:vml" xmlns:p="http://schemas.openxmlformats.org/presentationml/2006/main" mc:Ignorable="mv" mc:PreserveAttributes="mv:*">
+<p:sld xmlns:a="http://schemas.openxmlformats.org/drawingml/2006/main" xmlns:r="http://schemas.openxmlformats.org/officeDocument/2006/relationships" xmlns:p="http://schemas.openxmlformats.org/presentationml/2006/main">
   <p:cSld>
     <p:spTree>
       <p:nvGrpSpPr>
@@ -5541,7 +5534,7 @@
 </file>
 
 <file path=ppt/slides/slide24.xml><?xml version="1.0" encoding="utf-8"?>
-<p:sld xmlns:a="http://schemas.openxmlformats.org/drawingml/2006/main" xmlns:r="http://schemas.openxmlformats.org/officeDocument/2006/relationships" xmlns:mc="http://schemas.openxmlformats.org/markup-compatibility/2006" xmlns:mv="urn:schemas-microsoft-com:mac:vml" xmlns:p="http://schemas.openxmlformats.org/presentationml/2006/main" mc:Ignorable="mv" mc:PreserveAttributes="mv:*">
+<p:sld xmlns:a="http://schemas.openxmlformats.org/drawingml/2006/main" xmlns:r="http://schemas.openxmlformats.org/officeDocument/2006/relationships" xmlns:p="http://schemas.openxmlformats.org/presentationml/2006/main">
   <p:cSld>
     <p:spTree>
       <p:nvGrpSpPr>
@@ -5640,7 +5633,7 @@
 </file>
 
 <file path=ppt/slides/slide25.xml><?xml version="1.0" encoding="utf-8"?>
-<p:sld xmlns:a="http://schemas.openxmlformats.org/drawingml/2006/main" xmlns:r="http://schemas.openxmlformats.org/officeDocument/2006/relationships" xmlns:mc="http://schemas.openxmlformats.org/markup-compatibility/2006" xmlns:mv="urn:schemas-microsoft-com:mac:vml" xmlns:p="http://schemas.openxmlformats.org/presentationml/2006/main" mc:Ignorable="mv" mc:PreserveAttributes="mv:*">
+<p:sld xmlns:a="http://schemas.openxmlformats.org/drawingml/2006/main" xmlns:r="http://schemas.openxmlformats.org/officeDocument/2006/relationships" xmlns:p="http://schemas.openxmlformats.org/presentationml/2006/main">
   <p:cSld>
     <p:spTree>
       <p:nvGrpSpPr>
@@ -5743,7 +5736,7 @@
 </file>
 
 <file path=ppt/slides/slide26.xml><?xml version="1.0" encoding="utf-8"?>
-<p:sld xmlns:a="http://schemas.openxmlformats.org/drawingml/2006/main" xmlns:r="http://schemas.openxmlformats.org/officeDocument/2006/relationships" xmlns:mc="http://schemas.openxmlformats.org/markup-compatibility/2006" xmlns:mv="urn:schemas-microsoft-com:mac:vml" xmlns:p="http://schemas.openxmlformats.org/presentationml/2006/main" mc:Ignorable="mv" mc:PreserveAttributes="mv:*">
+<p:sld xmlns:a="http://schemas.openxmlformats.org/drawingml/2006/main" xmlns:r="http://schemas.openxmlformats.org/officeDocument/2006/relationships" xmlns:p="http://schemas.openxmlformats.org/presentationml/2006/main">
   <p:cSld>
     <p:spTree>
       <p:nvGrpSpPr>
@@ -5816,7 +5809,7 @@
 </file>
 
 <file path=ppt/slides/slide27.xml><?xml version="1.0" encoding="utf-8"?>
-<p:sld xmlns:a="http://schemas.openxmlformats.org/drawingml/2006/main" xmlns:r="http://schemas.openxmlformats.org/officeDocument/2006/relationships" xmlns:mc="http://schemas.openxmlformats.org/markup-compatibility/2006" xmlns:mv="urn:schemas-microsoft-com:mac:vml" xmlns:p="http://schemas.openxmlformats.org/presentationml/2006/main" mc:Ignorable="mv" mc:PreserveAttributes="mv:*">
+<p:sld xmlns:a="http://schemas.openxmlformats.org/drawingml/2006/main" xmlns:r="http://schemas.openxmlformats.org/officeDocument/2006/relationships" xmlns:p="http://schemas.openxmlformats.org/presentationml/2006/main">
   <p:cSld>
     <p:spTree>
       <p:nvGrpSpPr>
@@ -5917,7 +5910,7 @@
 </file>
 
 <file path=ppt/slides/slide28.xml><?xml version="1.0" encoding="utf-8"?>
-<p:sld xmlns:a="http://schemas.openxmlformats.org/drawingml/2006/main" xmlns:r="http://schemas.openxmlformats.org/officeDocument/2006/relationships" xmlns:mc="http://schemas.openxmlformats.org/markup-compatibility/2006" xmlns:mv="urn:schemas-microsoft-com:mac:vml" xmlns:p="http://schemas.openxmlformats.org/presentationml/2006/main" mc:Ignorable="mv" mc:PreserveAttributes="mv:*">
+<p:sld xmlns:a="http://schemas.openxmlformats.org/drawingml/2006/main" xmlns:r="http://schemas.openxmlformats.org/officeDocument/2006/relationships" xmlns:p="http://schemas.openxmlformats.org/presentationml/2006/main">
   <p:cSld>
     <p:spTree>
       <p:nvGrpSpPr>
@@ -6032,7 +6025,7 @@
 </file>
 
 <file path=ppt/slides/slide3.xml><?xml version="1.0" encoding="utf-8"?>
-<p:sld xmlns:a="http://schemas.openxmlformats.org/drawingml/2006/main" xmlns:r="http://schemas.openxmlformats.org/officeDocument/2006/relationships" xmlns:mc="http://schemas.openxmlformats.org/markup-compatibility/2006" xmlns:mv="urn:schemas-microsoft-com:mac:vml" xmlns:p="http://schemas.openxmlformats.org/presentationml/2006/main" mc:Ignorable="mv" mc:PreserveAttributes="mv:*">
+<p:sld xmlns:a="http://schemas.openxmlformats.org/drawingml/2006/main" xmlns:r="http://schemas.openxmlformats.org/officeDocument/2006/relationships" xmlns:p="http://schemas.openxmlformats.org/presentationml/2006/main">
   <p:cSld>
     <p:spTree>
       <p:nvGrpSpPr>
@@ -6186,7 +6179,7 @@
 </file>
 
 <file path=ppt/slides/slide4.xml><?xml version="1.0" encoding="utf-8"?>
-<p:sld xmlns:a="http://schemas.openxmlformats.org/drawingml/2006/main" xmlns:r="http://schemas.openxmlformats.org/officeDocument/2006/relationships" xmlns:mc="http://schemas.openxmlformats.org/markup-compatibility/2006" xmlns:mv="urn:schemas-microsoft-com:mac:vml" xmlns:p="http://schemas.openxmlformats.org/presentationml/2006/main" mc:Ignorable="mv" mc:PreserveAttributes="mv:*">
+<p:sld xmlns:a="http://schemas.openxmlformats.org/drawingml/2006/main" xmlns:r="http://schemas.openxmlformats.org/officeDocument/2006/relationships" xmlns:p="http://schemas.openxmlformats.org/presentationml/2006/main">
   <p:cSld>
     <p:spTree>
       <p:nvGrpSpPr>
@@ -6559,7 +6552,7 @@
 </file>
 
 <file path=ppt/slides/slide5.xml><?xml version="1.0" encoding="utf-8"?>
-<p:sld xmlns:a="http://schemas.openxmlformats.org/drawingml/2006/main" xmlns:r="http://schemas.openxmlformats.org/officeDocument/2006/relationships" xmlns:mc="http://schemas.openxmlformats.org/markup-compatibility/2006" xmlns:mv="urn:schemas-microsoft-com:mac:vml" xmlns:p="http://schemas.openxmlformats.org/presentationml/2006/main" mc:Ignorable="mv" mc:PreserveAttributes="mv:*">
+<p:sld xmlns:a="http://schemas.openxmlformats.org/drawingml/2006/main" xmlns:r="http://schemas.openxmlformats.org/officeDocument/2006/relationships" xmlns:p="http://schemas.openxmlformats.org/presentationml/2006/main">
   <p:cSld>
     <p:spTree>
       <p:nvGrpSpPr>
@@ -6957,7 +6950,7 @@
 </file>
 
 <file path=ppt/slides/slide6.xml><?xml version="1.0" encoding="utf-8"?>
-<p:sld xmlns:a="http://schemas.openxmlformats.org/drawingml/2006/main" xmlns:r="http://schemas.openxmlformats.org/officeDocument/2006/relationships" xmlns:mc="http://schemas.openxmlformats.org/markup-compatibility/2006" xmlns:mv="urn:schemas-microsoft-com:mac:vml" xmlns:p="http://schemas.openxmlformats.org/presentationml/2006/main" mc:Ignorable="mv" mc:PreserveAttributes="mv:*">
+<p:sld xmlns:a="http://schemas.openxmlformats.org/drawingml/2006/main" xmlns:r="http://schemas.openxmlformats.org/officeDocument/2006/relationships" xmlns:p="http://schemas.openxmlformats.org/presentationml/2006/main">
   <p:cSld>
     <p:spTree>
       <p:nvGrpSpPr>
@@ -7031,7 +7024,7 @@
 </file>
 
 <file path=ppt/slides/slide7.xml><?xml version="1.0" encoding="utf-8"?>
-<p:sld xmlns:a="http://schemas.openxmlformats.org/drawingml/2006/main" xmlns:r="http://schemas.openxmlformats.org/officeDocument/2006/relationships" xmlns:mc="http://schemas.openxmlformats.org/markup-compatibility/2006" xmlns:mv="urn:schemas-microsoft-com:mac:vml" xmlns:p="http://schemas.openxmlformats.org/presentationml/2006/main" mc:Ignorable="mv" mc:PreserveAttributes="mv:*">
+<p:sld xmlns:a="http://schemas.openxmlformats.org/drawingml/2006/main" xmlns:r="http://schemas.openxmlformats.org/officeDocument/2006/relationships" xmlns:p="http://schemas.openxmlformats.org/presentationml/2006/main">
   <p:cSld>
     <p:spTree>
       <p:nvGrpSpPr>
@@ -7226,7 +7219,7 @@
 </file>
 
 <file path=ppt/slides/slide8.xml><?xml version="1.0" encoding="utf-8"?>
-<p:sld xmlns:a="http://schemas.openxmlformats.org/drawingml/2006/main" xmlns:r="http://schemas.openxmlformats.org/officeDocument/2006/relationships" xmlns:mc="http://schemas.openxmlformats.org/markup-compatibility/2006" xmlns:mv="urn:schemas-microsoft-com:mac:vml" xmlns:p="http://schemas.openxmlformats.org/presentationml/2006/main" mc:Ignorable="mv" mc:PreserveAttributes="mv:*">
+<p:sld xmlns:a="http://schemas.openxmlformats.org/drawingml/2006/main" xmlns:r="http://schemas.openxmlformats.org/officeDocument/2006/relationships" xmlns:p="http://schemas.openxmlformats.org/presentationml/2006/main">
   <p:cSld>
     <p:spTree>
       <p:nvGrpSpPr>
@@ -7421,7 +7414,7 @@
 </file>
 
 <file path=ppt/slides/slide9.xml><?xml version="1.0" encoding="utf-8"?>
-<p:sld xmlns:a="http://schemas.openxmlformats.org/drawingml/2006/main" xmlns:r="http://schemas.openxmlformats.org/officeDocument/2006/relationships" xmlns:mc="http://schemas.openxmlformats.org/markup-compatibility/2006" xmlns:mv="urn:schemas-microsoft-com:mac:vml" xmlns:p="http://schemas.openxmlformats.org/presentationml/2006/main" mc:Ignorable="mv" mc:PreserveAttributes="mv:*">
+<p:sld xmlns:a="http://schemas.openxmlformats.org/drawingml/2006/main" xmlns:r="http://schemas.openxmlformats.org/officeDocument/2006/relationships" xmlns:p="http://schemas.openxmlformats.org/presentationml/2006/main">
   <p:cSld>
     <p:spTree>
       <p:nvGrpSpPr>

--- a/papers/DRCPA/docs/PerfTest - Profiling via RPT.pptx
+++ b/papers/DRCPA/docs/PerfTest - Profiling via RPT.pptx
@@ -5,10 +5,10 @@
     <p:sldMasterId id="2147483648" r:id="rId1"/>
   </p:sldMasterIdLst>
   <p:notesMasterIdLst>
-    <p:notesMasterId r:id="rId30"/>
+    <p:notesMasterId r:id="rId44"/>
   </p:notesMasterIdLst>
   <p:handoutMasterIdLst>
-    <p:handoutMasterId r:id="rId31"/>
+    <p:handoutMasterId r:id="rId45"/>
   </p:handoutMasterIdLst>
   <p:sldIdLst>
     <p:sldId id="256" r:id="rId2"/>
@@ -19,26 +19,40 @@
     <p:sldId id="385" r:id="rId7"/>
     <p:sldId id="375" r:id="rId8"/>
     <p:sldId id="363" r:id="rId9"/>
-    <p:sldId id="340" r:id="rId10"/>
-    <p:sldId id="264" r:id="rId11"/>
-    <p:sldId id="352" r:id="rId12"/>
-    <p:sldId id="326" r:id="rId13"/>
-    <p:sldId id="350" r:id="rId14"/>
-    <p:sldId id="351" r:id="rId15"/>
-    <p:sldId id="386" r:id="rId16"/>
-    <p:sldId id="353" r:id="rId17"/>
-    <p:sldId id="354" r:id="rId18"/>
-    <p:sldId id="355" r:id="rId19"/>
-    <p:sldId id="367" r:id="rId20"/>
-    <p:sldId id="384" r:id="rId21"/>
-    <p:sldId id="359" r:id="rId22"/>
-    <p:sldId id="373" r:id="rId23"/>
-    <p:sldId id="361" r:id="rId24"/>
-    <p:sldId id="342" r:id="rId25"/>
-    <p:sldId id="356" r:id="rId26"/>
-    <p:sldId id="374" r:id="rId27"/>
-    <p:sldId id="267" r:id="rId28"/>
-    <p:sldId id="268" r:id="rId29"/>
+    <p:sldId id="264" r:id="rId10"/>
+    <p:sldId id="352" r:id="rId11"/>
+    <p:sldId id="326" r:id="rId12"/>
+    <p:sldId id="350" r:id="rId13"/>
+    <p:sldId id="351" r:id="rId14"/>
+    <p:sldId id="386" r:id="rId15"/>
+    <p:sldId id="353" r:id="rId16"/>
+    <p:sldId id="354" r:id="rId17"/>
+    <p:sldId id="355" r:id="rId18"/>
+    <p:sldId id="367" r:id="rId19"/>
+    <p:sldId id="384" r:id="rId20"/>
+    <p:sldId id="359" r:id="rId21"/>
+    <p:sldId id="373" r:id="rId22"/>
+    <p:sldId id="361" r:id="rId23"/>
+    <p:sldId id="342" r:id="rId24"/>
+    <p:sldId id="356" r:id="rId25"/>
+    <p:sldId id="374" r:id="rId26"/>
+    <p:sldId id="267" r:id="rId27"/>
+    <p:sldId id="268" r:id="rId28"/>
+    <p:sldId id="387" r:id="rId29"/>
+    <p:sldId id="396" r:id="rId30"/>
+    <p:sldId id="340" r:id="rId31"/>
+    <p:sldId id="397" r:id="rId32"/>
+    <p:sldId id="388" r:id="rId33"/>
+    <p:sldId id="389" r:id="rId34"/>
+    <p:sldId id="398" r:id="rId35"/>
+    <p:sldId id="391" r:id="rId36"/>
+    <p:sldId id="392" r:id="rId37"/>
+    <p:sldId id="393" r:id="rId38"/>
+    <p:sldId id="400" r:id="rId39"/>
+    <p:sldId id="401" r:id="rId40"/>
+    <p:sldId id="402" r:id="rId41"/>
+    <p:sldId id="399" r:id="rId42"/>
+    <p:sldId id="394" r:id="rId43"/>
   </p:sldIdLst>
   <p:sldSz cx="9144000" cy="6858000" type="screen4x3"/>
   <p:notesSz cx="6858000" cy="9144000"/>
@@ -223,7 +237,7 @@
             <a:fld id="{C1876738-C24C-400B-BE8B-5F8C502DDA77}" type="datetimeFigureOut">
               <a:rPr lang="en-US" smtClean="0"/>
               <a:pPr/>
-              <a:t>9/24/2009</a:t>
+              <a:t>10/8/2009</a:t>
             </a:fld>
             <a:endParaRPr lang="en-US"/>
           </a:p>
@@ -385,7 +399,7 @@
             <a:fld id="{23B74013-A8FD-4950-914A-947FD22947D7}" type="datetimeFigureOut">
               <a:rPr lang="en-US" smtClean="0"/>
               <a:pPr/>
-              <a:t>9/24/2009</a:t>
+              <a:t>10/8/2009</a:t>
             </a:fld>
             <a:endParaRPr lang="en-US"/>
           </a:p>
@@ -932,7 +946,7 @@
             <a:fld id="{C60591B3-B4ED-4C31-8AEF-63EEC6A32F51}" type="datetimeFigureOut">
               <a:rPr lang="en-US" smtClean="0"/>
               <a:pPr/>
-              <a:t>9/24/2009</a:t>
+              <a:t>10/8/2009</a:t>
             </a:fld>
             <a:endParaRPr lang="en-US"/>
           </a:p>
@@ -1099,7 +1113,7 @@
             <a:fld id="{C60591B3-B4ED-4C31-8AEF-63EEC6A32F51}" type="datetimeFigureOut">
               <a:rPr lang="en-US" smtClean="0"/>
               <a:pPr/>
-              <a:t>9/24/2009</a:t>
+              <a:t>10/8/2009</a:t>
             </a:fld>
             <a:endParaRPr lang="en-US"/>
           </a:p>
@@ -1276,7 +1290,7 @@
             <a:fld id="{C60591B3-B4ED-4C31-8AEF-63EEC6A32F51}" type="datetimeFigureOut">
               <a:rPr lang="en-US" smtClean="0"/>
               <a:pPr/>
-              <a:t>9/24/2009</a:t>
+              <a:t>10/8/2009</a:t>
             </a:fld>
             <a:endParaRPr lang="en-US"/>
           </a:p>
@@ -1443,7 +1457,7 @@
             <a:fld id="{C60591B3-B4ED-4C31-8AEF-63EEC6A32F51}" type="datetimeFigureOut">
               <a:rPr lang="en-US" smtClean="0"/>
               <a:pPr/>
-              <a:t>9/24/2009</a:t>
+              <a:t>10/8/2009</a:t>
             </a:fld>
             <a:endParaRPr lang="en-US"/>
           </a:p>
@@ -1691,7 +1705,7 @@
             <a:fld id="{C60591B3-B4ED-4C31-8AEF-63EEC6A32F51}" type="datetimeFigureOut">
               <a:rPr lang="en-US" smtClean="0"/>
               <a:pPr/>
-              <a:t>9/24/2009</a:t>
+              <a:t>10/8/2009</a:t>
             </a:fld>
             <a:endParaRPr lang="en-US"/>
           </a:p>
@@ -1976,7 +1990,7 @@
             <a:fld id="{C60591B3-B4ED-4C31-8AEF-63EEC6A32F51}" type="datetimeFigureOut">
               <a:rPr lang="en-US" smtClean="0"/>
               <a:pPr/>
-              <a:t>9/24/2009</a:t>
+              <a:t>10/8/2009</a:t>
             </a:fld>
             <a:endParaRPr lang="en-US"/>
           </a:p>
@@ -2395,7 +2409,7 @@
             <a:fld id="{C60591B3-B4ED-4C31-8AEF-63EEC6A32F51}" type="datetimeFigureOut">
               <a:rPr lang="en-US" smtClean="0"/>
               <a:pPr/>
-              <a:t>9/24/2009</a:t>
+              <a:t>10/8/2009</a:t>
             </a:fld>
             <a:endParaRPr lang="en-US"/>
           </a:p>
@@ -2510,7 +2524,7 @@
             <a:fld id="{C60591B3-B4ED-4C31-8AEF-63EEC6A32F51}" type="datetimeFigureOut">
               <a:rPr lang="en-US" smtClean="0"/>
               <a:pPr/>
-              <a:t>9/24/2009</a:t>
+              <a:t>10/8/2009</a:t>
             </a:fld>
             <a:endParaRPr lang="en-US"/>
           </a:p>
@@ -2602,7 +2616,7 @@
             <a:fld id="{C60591B3-B4ED-4C31-8AEF-63EEC6A32F51}" type="datetimeFigureOut">
               <a:rPr lang="en-US" smtClean="0"/>
               <a:pPr/>
-              <a:t>9/24/2009</a:t>
+              <a:t>10/8/2009</a:t>
             </a:fld>
             <a:endParaRPr lang="en-US"/>
           </a:p>
@@ -2876,7 +2890,7 @@
             <a:fld id="{C60591B3-B4ED-4C31-8AEF-63EEC6A32F51}" type="datetimeFigureOut">
               <a:rPr lang="en-US" smtClean="0"/>
               <a:pPr/>
-              <a:t>9/24/2009</a:t>
+              <a:t>10/8/2009</a:t>
             </a:fld>
             <a:endParaRPr lang="en-US"/>
           </a:p>
@@ -3126,7 +3140,7 @@
             <a:fld id="{C60591B3-B4ED-4C31-8AEF-63EEC6A32F51}" type="datetimeFigureOut">
               <a:rPr lang="en-US" smtClean="0"/>
               <a:pPr/>
-              <a:t>9/24/2009</a:t>
+              <a:t>10/8/2009</a:t>
             </a:fld>
             <a:endParaRPr lang="en-US"/>
           </a:p>
@@ -3336,7 +3350,7 @@
             <a:fld id="{C60591B3-B4ED-4C31-8AEF-63EEC6A32F51}" type="datetimeFigureOut">
               <a:rPr lang="en-US" smtClean="0"/>
               <a:pPr/>
-              <a:t>9/24/2009</a:t>
+              <a:t>10/8/2009</a:t>
             </a:fld>
             <a:endParaRPr lang="en-US"/>
           </a:p>
@@ -3811,11 +3825,7 @@
             </a:r>
             <a:r>
               <a:rPr lang="en-US" smtClean="0"/>
-              <a:t>Updated</a:t>
-            </a:r>
-            <a:r>
-              <a:rPr lang="en-US" smtClean="0"/>
-              <a:t>: 9/24/2009</a:t>
+              <a:t>Updated: 9/24/2009</a:t>
             </a:r>
             <a:endParaRPr lang="en-US" dirty="0"/>
           </a:p>
@@ -3837,163 +3847,6 @@
 </file>
 
 <file path=ppt/slides/slide10.xml><?xml version="1.0" encoding="utf-8"?>
-<p:sld xmlns:a="http://schemas.openxmlformats.org/drawingml/2006/main" xmlns:r="http://schemas.openxmlformats.org/officeDocument/2006/relationships" xmlns:p="http://schemas.openxmlformats.org/presentationml/2006/main">
-  <p:cSld>
-    <p:spTree>
-      <p:nvGrpSpPr>
-        <p:cNvPr id="1" name=""/>
-        <p:cNvGrpSpPr/>
-        <p:nvPr/>
-      </p:nvGrpSpPr>
-      <p:grpSpPr>
-        <a:xfrm>
-          <a:off x="0" y="0"/>
-          <a:ext cx="0" cy="0"/>
-          <a:chOff x="0" y="0"/>
-          <a:chExt cx="0" cy="0"/>
-        </a:xfrm>
-      </p:grpSpPr>
-      <p:sp>
-        <p:nvSpPr>
-          <p:cNvPr id="2" name="Title 1"/>
-          <p:cNvSpPr>
-            <a:spLocks noGrp="1"/>
-          </p:cNvSpPr>
-          <p:nvPr>
-            <p:ph type="title"/>
-          </p:nvPr>
-        </p:nvSpPr>
-        <p:spPr/>
-        <p:txBody>
-          <a:bodyPr>
-            <a:normAutofit fontScale="90000"/>
-          </a:bodyPr>
-          <a:lstStyle/>
-          <a:p>
-            <a:r>
-              <a:rPr lang="en-US" dirty="0" smtClean="0"/>
-              <a:t>Application Server </a:t>
-            </a:r>
-            <a:r>
-              <a:rPr lang="en-US" dirty="0" err="1" smtClean="0"/>
-              <a:t>Instrumenter</a:t>
-            </a:r>
-            <a:r>
-              <a:rPr lang="en-US" dirty="0" smtClean="0"/>
-              <a:t> (ASI)</a:t>
-            </a:r>
-            <a:endParaRPr lang="en-US" dirty="0"/>
-          </a:p>
-        </p:txBody>
-      </p:sp>
-      <p:sp>
-        <p:nvSpPr>
-          <p:cNvPr id="3" name="Content Placeholder 2"/>
-          <p:cNvSpPr>
-            <a:spLocks noGrp="1"/>
-          </p:cNvSpPr>
-          <p:nvPr>
-            <p:ph idx="1"/>
-          </p:nvPr>
-        </p:nvSpPr>
-        <p:spPr/>
-        <p:txBody>
-          <a:bodyPr/>
-          <a:lstStyle/>
-          <a:p>
-            <a:endParaRPr lang="en-US"/>
-          </a:p>
-        </p:txBody>
-      </p:sp>
-      <p:pic>
-        <p:nvPicPr>
-          <p:cNvPr id="4098" name="Picture 2"/>
-          <p:cNvPicPr>
-            <a:picLocks noChangeAspect="1" noChangeArrowheads="1"/>
-          </p:cNvPicPr>
-          <p:nvPr/>
-        </p:nvPicPr>
-        <p:blipFill>
-          <a:blip r:embed="rId2" cstate="print"/>
-          <a:srcRect/>
-          <a:stretch>
-            <a:fillRect/>
-          </a:stretch>
-        </p:blipFill>
-        <p:spPr bwMode="auto">
-          <a:xfrm>
-            <a:off x="1143000" y="1676400"/>
-            <a:ext cx="5715000" cy="3810000"/>
-          </a:xfrm>
-          <a:prstGeom prst="rect">
-            <a:avLst/>
-          </a:prstGeom>
-          <a:noFill/>
-          <a:ln w="9525">
-            <a:noFill/>
-            <a:miter lim="800000"/>
-            <a:headEnd/>
-            <a:tailEnd/>
-          </a:ln>
-        </p:spPr>
-      </p:pic>
-      <p:sp>
-        <p:nvSpPr>
-          <p:cNvPr id="5" name="Rounded Rectangle 4"/>
-          <p:cNvSpPr/>
-          <p:nvPr/>
-        </p:nvSpPr>
-        <p:spPr>
-          <a:xfrm>
-            <a:off x="5791200" y="2514600"/>
-            <a:ext cx="914400" cy="228600"/>
-          </a:xfrm>
-          <a:prstGeom prst="roundRect">
-            <a:avLst>
-              <a:gd name="adj" fmla="val 21467"/>
-            </a:avLst>
-          </a:prstGeom>
-          <a:noFill/>
-          <a:ln w="38100">
-            <a:solidFill>
-              <a:srgbClr val="FF0000"/>
-            </a:solidFill>
-          </a:ln>
-        </p:spPr>
-        <p:style>
-          <a:lnRef idx="2">
-            <a:schemeClr val="accent1">
-              <a:shade val="50000"/>
-            </a:schemeClr>
-          </a:lnRef>
-          <a:fillRef idx="1">
-            <a:schemeClr val="accent1"/>
-          </a:fillRef>
-          <a:effectRef idx="0">
-            <a:schemeClr val="accent1"/>
-          </a:effectRef>
-          <a:fontRef idx="minor">
-            <a:schemeClr val="lt1"/>
-          </a:fontRef>
-        </p:style>
-        <p:txBody>
-          <a:bodyPr rtlCol="0" anchor="ctr"/>
-          <a:lstStyle/>
-          <a:p>
-            <a:pPr algn="ctr"/>
-            <a:endParaRPr lang="en-US"/>
-          </a:p>
-        </p:txBody>
-      </p:sp>
-    </p:spTree>
-  </p:cSld>
-  <p:clrMapOvr>
-    <a:masterClrMapping/>
-  </p:clrMapOvr>
-</p:sld>
-</file>
-
-<file path=ppt/slides/slide11.xml><?xml version="1.0" encoding="utf-8"?>
 <p:sld xmlns:a="http://schemas.openxmlformats.org/drawingml/2006/main" xmlns:r="http://schemas.openxmlformats.org/officeDocument/2006/relationships" xmlns:p="http://schemas.openxmlformats.org/presentationml/2006/main">
   <p:cSld>
     <p:spTree>
@@ -4134,6 +3987,189 @@
 </p:sld>
 </file>
 
+<file path=ppt/slides/slide11.xml><?xml version="1.0" encoding="utf-8"?>
+<p:sld xmlns:a="http://schemas.openxmlformats.org/drawingml/2006/main" xmlns:r="http://schemas.openxmlformats.org/officeDocument/2006/relationships" xmlns:p="http://schemas.openxmlformats.org/presentationml/2006/main">
+  <p:cSld>
+    <p:spTree>
+      <p:nvGrpSpPr>
+        <p:cNvPr id="1" name=""/>
+        <p:cNvGrpSpPr/>
+        <p:nvPr/>
+      </p:nvGrpSpPr>
+      <p:grpSpPr>
+        <a:xfrm>
+          <a:off x="0" y="0"/>
+          <a:ext cx="0" cy="0"/>
+          <a:chOff x="0" y="0"/>
+          <a:chExt cx="0" cy="0"/>
+        </a:xfrm>
+      </p:grpSpPr>
+      <p:sp>
+        <p:nvSpPr>
+          <p:cNvPr id="2" name="Title 1"/>
+          <p:cNvSpPr>
+            <a:spLocks noGrp="1"/>
+          </p:cNvSpPr>
+          <p:nvPr>
+            <p:ph type="title"/>
+          </p:nvPr>
+        </p:nvSpPr>
+        <p:spPr/>
+        <p:txBody>
+          <a:bodyPr>
+            <a:normAutofit fontScale="90000"/>
+          </a:bodyPr>
+          <a:lstStyle/>
+          <a:p>
+            <a:r>
+              <a:rPr lang="en-US" dirty="0" smtClean="0"/>
+              <a:t>Application Server </a:t>
+            </a:r>
+            <a:r>
+              <a:rPr lang="en-US" dirty="0" err="1" smtClean="0"/>
+              <a:t>Instrumenter</a:t>
+            </a:r>
+            <a:r>
+              <a:rPr lang="en-US" dirty="0" smtClean="0"/>
+              <a:t> (ASI)</a:t>
+            </a:r>
+            <a:endParaRPr lang="en-US" dirty="0"/>
+          </a:p>
+        </p:txBody>
+      </p:sp>
+      <p:sp>
+        <p:nvSpPr>
+          <p:cNvPr id="3" name="Content Placeholder 2"/>
+          <p:cNvSpPr>
+            <a:spLocks noGrp="1"/>
+          </p:cNvSpPr>
+          <p:nvPr>
+            <p:ph idx="1"/>
+          </p:nvPr>
+        </p:nvSpPr>
+        <p:spPr/>
+        <p:txBody>
+          <a:bodyPr>
+            <a:normAutofit fontScale="85000" lnSpcReduction="20000"/>
+          </a:bodyPr>
+          <a:lstStyle/>
+          <a:p>
+            <a:r>
+              <a:rPr lang="en-US" dirty="0" smtClean="0"/>
+              <a:t>Application Server Tab</a:t>
+            </a:r>
+          </a:p>
+          <a:p>
+            <a:pPr lvl="1"/>
+            <a:r>
+              <a:rPr lang="en-US" dirty="0" smtClean="0"/>
+              <a:t>Type: IBM WebSphere Application Server v6.x</a:t>
+            </a:r>
+          </a:p>
+          <a:p>
+            <a:pPr lvl="1"/>
+            <a:r>
+              <a:rPr lang="en-US" dirty="0" smtClean="0"/>
+              <a:t>Profile name: AppSrv01</a:t>
+            </a:r>
+          </a:p>
+          <a:p>
+            <a:pPr lvl="1"/>
+            <a:r>
+              <a:rPr lang="en-US" dirty="0" smtClean="0"/>
+              <a:t>Server name: eb2-2241-grd03.csc.ncsu.edu</a:t>
+            </a:r>
+          </a:p>
+          <a:p>
+            <a:pPr lvl="1"/>
+            <a:r>
+              <a:rPr lang="en-US" dirty="0" smtClean="0"/>
+              <a:t>Server home: /opt/IBM/WebSphere/</a:t>
+            </a:r>
+            <a:r>
+              <a:rPr lang="en-US" dirty="0" err="1" smtClean="0"/>
+              <a:t>AppServer</a:t>
+            </a:r>
+            <a:endParaRPr lang="en-US" dirty="0" smtClean="0"/>
+          </a:p>
+          <a:p>
+            <a:pPr lvl="1"/>
+            <a:r>
+              <a:rPr lang="en-US" dirty="0" smtClean="0"/>
+              <a:t>User: </a:t>
+            </a:r>
+            <a:r>
+              <a:rPr lang="en-US" dirty="0" err="1" smtClean="0"/>
+              <a:t>perftest</a:t>
+            </a:r>
+            <a:endParaRPr lang="en-US" dirty="0" smtClean="0"/>
+          </a:p>
+          <a:p>
+            <a:pPr lvl="1"/>
+            <a:r>
+              <a:rPr lang="en-US" dirty="0" smtClean="0"/>
+              <a:t>Password: </a:t>
+            </a:r>
+            <a:r>
+              <a:rPr lang="en-US" dirty="0" err="1" smtClean="0"/>
+              <a:t>perftest</a:t>
+            </a:r>
+            <a:endParaRPr lang="en-US" dirty="0" smtClean="0"/>
+          </a:p>
+          <a:p>
+            <a:r>
+              <a:rPr lang="en-US" dirty="0" smtClean="0"/>
+              <a:t>Connection Tab</a:t>
+            </a:r>
+          </a:p>
+          <a:p>
+            <a:pPr lvl="1"/>
+            <a:r>
+              <a:rPr lang="en-US" dirty="0" smtClean="0"/>
+              <a:t>Host: eb2-2241-grd03.csc.ncsu.edu or ldap.ncsu.edu (?)</a:t>
+            </a:r>
+          </a:p>
+          <a:p>
+            <a:pPr lvl="1"/>
+            <a:r>
+              <a:rPr lang="en-US" dirty="0" smtClean="0"/>
+              <a:t>User: ysong2</a:t>
+            </a:r>
+          </a:p>
+          <a:p>
+            <a:pPr lvl="1"/>
+            <a:r>
+              <a:rPr lang="en-US" dirty="0" smtClean="0"/>
+              <a:t>Password: </a:t>
+            </a:r>
+            <a:r>
+              <a:rPr lang="en-US" i="1" dirty="0" smtClean="0">
+                <a:solidFill>
+                  <a:schemeClr val="bg1">
+                    <a:lumMod val="75000"/>
+                  </a:schemeClr>
+                </a:solidFill>
+              </a:rPr>
+              <a:t>&lt;?&gt;</a:t>
+            </a:r>
+            <a:endParaRPr lang="en-US" i="1" dirty="0">
+              <a:solidFill>
+                <a:schemeClr val="bg1">
+                  <a:lumMod val="75000"/>
+                </a:schemeClr>
+              </a:solidFill>
+            </a:endParaRPr>
+          </a:p>
+        </p:txBody>
+      </p:sp>
+    </p:spTree>
+  </p:cSld>
+  <p:clrMapOvr>
+    <a:masterClrMapping/>
+  </p:clrMapOvr>
+</p:sld>
+</file>
+
 <file path=ppt/slides/slide12.xml><?xml version="1.0" encoding="utf-8"?>
 <p:sld xmlns:a="http://schemas.openxmlformats.org/drawingml/2006/main" xmlns:r="http://schemas.openxmlformats.org/officeDocument/2006/relationships" xmlns:p="http://schemas.openxmlformats.org/presentationml/2006/main">
   <p:cSld>
@@ -4170,142 +4206,156 @@
           <a:p>
             <a:r>
               <a:rPr lang="en-US" dirty="0" smtClean="0"/>
-              <a:t>Application Server </a:t>
+              <a:t>Three Important Configuration Files</a:t>
+            </a:r>
+            <a:endParaRPr lang="en-US" dirty="0"/>
+          </a:p>
+        </p:txBody>
+      </p:sp>
+      <p:sp>
+        <p:nvSpPr>
+          <p:cNvPr id="3" name="Content Placeholder 2"/>
+          <p:cNvSpPr>
+            <a:spLocks noGrp="1"/>
+          </p:cNvSpPr>
+          <p:nvPr>
+            <p:ph idx="1"/>
+          </p:nvPr>
+        </p:nvSpPr>
+        <p:spPr/>
+        <p:txBody>
+          <a:bodyPr>
+            <a:normAutofit fontScale="92500" lnSpcReduction="10000"/>
+          </a:bodyPr>
+          <a:lstStyle/>
+          <a:p>
+            <a:r>
+              <a:rPr lang="en-US" i="1" dirty="0" smtClean="0"/>
+              <a:t>{WAS_PROFILE_HOME}</a:t>
+            </a:r>
+            <a:r>
+              <a:rPr lang="en-US" dirty="0" smtClean="0"/>
+              <a:t>/</a:t>
             </a:r>
             <a:r>
               <a:rPr lang="en-US" dirty="0" err="1" smtClean="0"/>
-              <a:t>Instrumenter</a:t>
-            </a:r>
-            <a:r>
-              <a:rPr lang="en-US" dirty="0" smtClean="0"/>
-              <a:t> (ASI)</a:t>
-            </a:r>
-            <a:endParaRPr lang="en-US" dirty="0"/>
-          </a:p>
-        </p:txBody>
-      </p:sp>
-      <p:sp>
-        <p:nvSpPr>
-          <p:cNvPr id="3" name="Content Placeholder 2"/>
-          <p:cNvSpPr>
-            <a:spLocks noGrp="1"/>
-          </p:cNvSpPr>
-          <p:nvPr>
-            <p:ph idx="1"/>
-          </p:nvPr>
-        </p:nvSpPr>
-        <p:spPr/>
-        <p:txBody>
-          <a:bodyPr>
-            <a:normAutofit fontScale="85000" lnSpcReduction="20000"/>
-          </a:bodyPr>
-          <a:lstStyle/>
-          <a:p>
-            <a:r>
-              <a:rPr lang="en-US" dirty="0" smtClean="0"/>
-              <a:t>Application Server Tab</a:t>
+              <a:t>config</a:t>
+            </a:r>
+            <a:r>
+              <a:rPr lang="en-US" dirty="0" smtClean="0"/>
+              <a:t>/cells/</a:t>
+            </a:r>
+            <a:r>
+              <a:rPr lang="en-US" i="1" dirty="0" smtClean="0"/>
+              <a:t>{</a:t>
+            </a:r>
+            <a:r>
+              <a:rPr lang="en-US" i="1" dirty="0" err="1" smtClean="0"/>
+              <a:t>cell_name</a:t>
+            </a:r>
+            <a:r>
+              <a:rPr lang="en-US" i="1" dirty="0" smtClean="0"/>
+              <a:t>}</a:t>
+            </a:r>
+            <a:r>
+              <a:rPr lang="en-US" dirty="0" smtClean="0"/>
+              <a:t>/nodes/</a:t>
+            </a:r>
+            <a:r>
+              <a:rPr lang="en-US" i="1" dirty="0" smtClean="0"/>
+              <a:t>{</a:t>
+            </a:r>
+            <a:r>
+              <a:rPr lang="en-US" i="1" dirty="0" err="1" smtClean="0"/>
+              <a:t>node_name</a:t>
+            </a:r>
+            <a:r>
+              <a:rPr lang="en-US" i="1" dirty="0" smtClean="0"/>
+              <a:t>}</a:t>
+            </a:r>
+            <a:r>
+              <a:rPr lang="en-US" dirty="0" smtClean="0"/>
+              <a:t>/servers/</a:t>
+            </a:r>
+            <a:r>
+              <a:rPr lang="en-US" i="1" dirty="0" smtClean="0"/>
+              <a:t>{</a:t>
+            </a:r>
+            <a:r>
+              <a:rPr lang="en-US" i="1" dirty="0" err="1" smtClean="0"/>
+              <a:t>server_name</a:t>
+            </a:r>
+            <a:r>
+              <a:rPr lang="en-US" i="1" dirty="0" smtClean="0"/>
+              <a:t>}</a:t>
             </a:r>
           </a:p>
           <a:p>
             <a:pPr lvl="1"/>
             <a:r>
               <a:rPr lang="en-US" dirty="0" smtClean="0"/>
-              <a:t>Type: IBM WebSphere Application Server v6.x</a:t>
-            </a:r>
-          </a:p>
-          <a:p>
-            <a:pPr lvl="1"/>
-            <a:r>
-              <a:rPr lang="en-US" dirty="0" smtClean="0"/>
-              <a:t>Profile name: AppSrv01</a:t>
-            </a:r>
-          </a:p>
-          <a:p>
-            <a:pPr lvl="1"/>
-            <a:r>
-              <a:rPr lang="en-US" dirty="0" smtClean="0"/>
-              <a:t>Server name: eb2-2241-grd03.csc.ncsu.edu</a:t>
-            </a:r>
-          </a:p>
-          <a:p>
-            <a:pPr lvl="1"/>
-            <a:r>
-              <a:rPr lang="en-US" dirty="0" smtClean="0"/>
-              <a:t>Server home: /opt/IBM/WebSphere/</a:t>
-            </a:r>
-            <a:r>
-              <a:rPr lang="en-US" dirty="0" err="1" smtClean="0"/>
-              <a:t>AppServer</a:t>
-            </a:r>
-            <a:endParaRPr lang="en-US" dirty="0" smtClean="0"/>
-          </a:p>
-          <a:p>
-            <a:pPr lvl="1"/>
-            <a:r>
-              <a:rPr lang="en-US" dirty="0" smtClean="0"/>
-              <a:t>User: </a:t>
-            </a:r>
-            <a:r>
-              <a:rPr lang="en-US" dirty="0" err="1" smtClean="0"/>
-              <a:t>perftest</a:t>
-            </a:r>
-            <a:endParaRPr lang="en-US" dirty="0" smtClean="0"/>
-          </a:p>
-          <a:p>
-            <a:pPr lvl="1"/>
-            <a:r>
-              <a:rPr lang="en-US" dirty="0" smtClean="0"/>
-              <a:t>Password: </a:t>
-            </a:r>
-            <a:r>
-              <a:rPr lang="en-US" dirty="0" err="1" smtClean="0"/>
-              <a:t>perftest</a:t>
-            </a:r>
-            <a:endParaRPr lang="en-US" dirty="0" smtClean="0"/>
-          </a:p>
-          <a:p>
-            <a:r>
-              <a:rPr lang="en-US" dirty="0" smtClean="0"/>
-              <a:t>Connection Tab</a:t>
-            </a:r>
-          </a:p>
-          <a:p>
-            <a:pPr lvl="1"/>
-            <a:r>
-              <a:rPr lang="en-US" dirty="0" smtClean="0"/>
-              <a:t>Host: eb2-2241-grd03.csc.ncsu.edu or ldap.ncsu.edu (?)</a:t>
-            </a:r>
-          </a:p>
-          <a:p>
-            <a:pPr lvl="1"/>
-            <a:r>
-              <a:rPr lang="en-US" dirty="0" smtClean="0"/>
-              <a:t>User: ysong2</a:t>
-            </a:r>
-          </a:p>
-          <a:p>
-            <a:pPr lvl="1"/>
-            <a:r>
-              <a:rPr lang="en-US" dirty="0" smtClean="0"/>
-              <a:t>Password: </a:t>
-            </a:r>
-            <a:r>
-              <a:rPr lang="en-US" i="1" dirty="0" smtClean="0">
+              <a:t>/opt/IBM/WebSphere/AppServer/profiles/AppSrv01/config/cells/eb2-2241-grd03Node01Cell/nodes/eb2-2241-grd03Node01/servers/server1/</a:t>
+            </a:r>
+            <a:r>
+              <a:rPr lang="en-US" dirty="0" smtClean="0">
                 <a:solidFill>
-                  <a:schemeClr val="bg1">
-                    <a:lumMod val="75000"/>
-                  </a:schemeClr>
+                  <a:srgbClr val="00B0F0"/>
                 </a:solidFill>
               </a:rPr>
-              <a:t>&lt;?&gt;</a:t>
-            </a:r>
-            <a:endParaRPr lang="en-US" i="1" dirty="0">
-              <a:solidFill>
-                <a:schemeClr val="bg1">
-                  <a:lumMod val="75000"/>
-                </a:schemeClr>
-              </a:solidFill>
-            </a:endParaRPr>
+              <a:t>server.xml</a:t>
+            </a:r>
+          </a:p>
+          <a:p>
+            <a:pPr lvl="1"/>
+            <a:r>
+              <a:rPr lang="en-US" dirty="0" smtClean="0"/>
+              <a:t>/opt/IBM/WebSphere/AppServer/profiles/AppSrv01/config/cells/eb2-2241-grd03Node01Cell/nodes/eb2-2241-grd03Node01/servers/server1/</a:t>
+            </a:r>
+            <a:r>
+              <a:rPr lang="en-US" dirty="0" smtClean="0">
+                <a:solidFill>
+                  <a:srgbClr val="00B0F0"/>
+                </a:solidFill>
+              </a:rPr>
+              <a:t>variables.xml</a:t>
+            </a:r>
+          </a:p>
+          <a:p>
+            <a:r>
+              <a:rPr lang="en-US" dirty="0" smtClean="0"/>
+              <a:t>{WAS_PROFILE_HOME}/</a:t>
+            </a:r>
+            <a:r>
+              <a:rPr lang="en-US" dirty="0" err="1" smtClean="0"/>
+              <a:t>config</a:t>
+            </a:r>
+            <a:r>
+              <a:rPr lang="en-US" dirty="0" smtClean="0"/>
+              <a:t>/cells/{</a:t>
+            </a:r>
+            <a:r>
+              <a:rPr lang="en-US" dirty="0" err="1" smtClean="0"/>
+              <a:t>cell_name</a:t>
+            </a:r>
+            <a:r>
+              <a:rPr lang="en-US" dirty="0" smtClean="0"/>
+              <a:t>}</a:t>
+            </a:r>
+          </a:p>
+          <a:p>
+            <a:pPr lvl="1"/>
+            <a:r>
+              <a:rPr lang="en-US" dirty="0" smtClean="0"/>
+              <a:t>/opt/IBM/WebSphere/AppServer/profiles/AppSrv01/config/cells/eb2-2241-grd03Node01Cell/</a:t>
+            </a:r>
+            <a:r>
+              <a:rPr lang="en-US" dirty="0" smtClean="0">
+                <a:solidFill>
+                  <a:srgbClr val="00B0F0"/>
+                </a:solidFill>
+              </a:rPr>
+              <a:t>pmirm.xml</a:t>
+            </a:r>
           </a:p>
         </p:txBody>
       </p:sp>
@@ -4346,14 +4396,12 @@
         </p:nvSpPr>
         <p:spPr/>
         <p:txBody>
-          <a:bodyPr>
-            <a:normAutofit fontScale="90000"/>
-          </a:bodyPr>
-          <a:lstStyle/>
-          <a:p>
-            <a:r>
-              <a:rPr lang="en-US" dirty="0" smtClean="0"/>
-              <a:t>Three Important Configuration Files</a:t>
+          <a:bodyPr/>
+          <a:lstStyle/>
+          <a:p>
+            <a:r>
+              <a:rPr lang="en-US" dirty="0" smtClean="0"/>
+              <a:t>…</a:t>
             </a:r>
             <a:endParaRPr lang="en-US" dirty="0"/>
           </a:p>
@@ -4371,138 +4419,45 @@
         </p:nvSpPr>
         <p:spPr/>
         <p:txBody>
-          <a:bodyPr>
-            <a:normAutofit fontScale="92500" lnSpcReduction="10000"/>
-          </a:bodyPr>
-          <a:lstStyle/>
-          <a:p>
-            <a:r>
-              <a:rPr lang="en-US" i="1" dirty="0" smtClean="0"/>
-              <a:t>{WAS_PROFILE_HOME}</a:t>
+          <a:bodyPr/>
+          <a:lstStyle/>
+          <a:p>
+            <a:r>
+              <a:rPr lang="en-US" dirty="0" smtClean="0"/>
+              <a:t>/opt/IBM/SDP/DCI/</a:t>
+            </a:r>
+            <a:r>
+              <a:rPr lang="en-US" dirty="0" err="1" smtClean="0"/>
+              <a:t>rpa_prod</a:t>
             </a:r>
             <a:r>
               <a:rPr lang="en-US" dirty="0" smtClean="0"/>
               <a:t>/</a:t>
+            </a:r>
+            <a:r>
+              <a:rPr lang="en-US" dirty="0" err="1" smtClean="0"/>
+              <a:t>tivoli_comp</a:t>
+            </a:r>
+            <a:r>
+              <a:rPr lang="en-US" dirty="0" smtClean="0"/>
+              <a:t>/app/instrument/6.103.0000/</a:t>
+            </a:r>
+            <a:r>
+              <a:rPr lang="en-US" dirty="0" err="1" smtClean="0"/>
+              <a:t>appServers</a:t>
+            </a:r>
+            <a:r>
+              <a:rPr lang="en-US" dirty="0" smtClean="0"/>
+              <a:t>/server1_101/</a:t>
             </a:r>
             <a:r>
               <a:rPr lang="en-US" dirty="0" err="1" smtClean="0"/>
               <a:t>config</a:t>
             </a:r>
-            <a:r>
-              <a:rPr lang="en-US" dirty="0" smtClean="0"/>
-              <a:t>/cells/</a:t>
-            </a:r>
-            <a:r>
-              <a:rPr lang="en-US" i="1" dirty="0" smtClean="0"/>
-              <a:t>{</a:t>
-            </a:r>
-            <a:r>
-              <a:rPr lang="en-US" i="1" dirty="0" err="1" smtClean="0"/>
-              <a:t>cell_name</a:t>
-            </a:r>
-            <a:r>
-              <a:rPr lang="en-US" i="1" dirty="0" smtClean="0"/>
-              <a:t>}</a:t>
-            </a:r>
-            <a:r>
-              <a:rPr lang="en-US" dirty="0" smtClean="0"/>
-              <a:t>/nodes/</a:t>
-            </a:r>
-            <a:r>
-              <a:rPr lang="en-US" i="1" dirty="0" smtClean="0"/>
-              <a:t>{</a:t>
-            </a:r>
-            <a:r>
-              <a:rPr lang="en-US" i="1" dirty="0" err="1" smtClean="0"/>
-              <a:t>node_name</a:t>
-            </a:r>
-            <a:r>
-              <a:rPr lang="en-US" i="1" dirty="0" smtClean="0"/>
-              <a:t>}</a:t>
-            </a:r>
-            <a:r>
-              <a:rPr lang="en-US" dirty="0" smtClean="0"/>
-              <a:t>/servers/</a:t>
-            </a:r>
-            <a:r>
-              <a:rPr lang="en-US" i="1" dirty="0" smtClean="0"/>
-              <a:t>{</a:t>
-            </a:r>
-            <a:r>
-              <a:rPr lang="en-US" i="1" dirty="0" err="1" smtClean="0"/>
-              <a:t>server_name</a:t>
-            </a:r>
-            <a:r>
-              <a:rPr lang="en-US" i="1" dirty="0" smtClean="0"/>
-              <a:t>}</a:t>
-            </a:r>
-          </a:p>
-          <a:p>
-            <a:pPr lvl="1"/>
-            <a:r>
-              <a:rPr lang="en-US" dirty="0" smtClean="0"/>
-              <a:t>/opt/IBM/WebSphere/AppServer/profiles/AppSrv01/config/cells/eb2-2241-grd03Node01Cell/nodes/eb2-2241-grd03Node01/servers/server1/</a:t>
-            </a:r>
-            <a:r>
-              <a:rPr lang="en-US" dirty="0" smtClean="0">
-                <a:solidFill>
-                  <a:srgbClr val="00B0F0"/>
-                </a:solidFill>
-              </a:rPr>
-              <a:t>server.xml</a:t>
-            </a:r>
-          </a:p>
-          <a:p>
-            <a:pPr lvl="1"/>
-            <a:r>
-              <a:rPr lang="en-US" dirty="0" smtClean="0"/>
-              <a:t>/opt/IBM/WebSphere/AppServer/profiles/AppSrv01/config/cells/eb2-2241-grd03Node01Cell/nodes/eb2-2241-grd03Node01/servers/server1/</a:t>
-            </a:r>
-            <a:r>
-              <a:rPr lang="en-US" dirty="0" smtClean="0">
-                <a:solidFill>
-                  <a:srgbClr val="00B0F0"/>
-                </a:solidFill>
-              </a:rPr>
-              <a:t>variables.xml</a:t>
-            </a:r>
-          </a:p>
-          <a:p>
-            <a:r>
-              <a:rPr lang="en-US" dirty="0" smtClean="0"/>
-              <a:t>{WAS_PROFILE_HOME}/</a:t>
-            </a:r>
-            <a:r>
-              <a:rPr lang="en-US" dirty="0" err="1" smtClean="0"/>
-              <a:t>config</a:t>
-            </a:r>
-            <a:r>
-              <a:rPr lang="en-US" dirty="0" smtClean="0"/>
-              <a:t>/cells/{</a:t>
-            </a:r>
-            <a:r>
-              <a:rPr lang="en-US" dirty="0" err="1" smtClean="0"/>
-              <a:t>cell_name</a:t>
-            </a:r>
-            <a:r>
-              <a:rPr lang="en-US" dirty="0" smtClean="0"/>
-              <a:t>}</a:t>
-            </a:r>
-          </a:p>
-          <a:p>
-            <a:pPr lvl="1"/>
-            <a:r>
-              <a:rPr lang="en-US" dirty="0" smtClean="0"/>
-              <a:t>/opt/IBM/WebSphere/AppServer/profiles/AppSrv01/config/cells/eb2-2241-grd03Node01Cell/</a:t>
-            </a:r>
-            <a:r>
-              <a:rPr lang="en-US" dirty="0" smtClean="0">
-                <a:solidFill>
-                  <a:srgbClr val="00B0F0"/>
-                </a:solidFill>
-              </a:rPr>
-              <a:t>pmirm.xml</a:t>
-            </a:r>
+            <a:endParaRPr lang="en-US" dirty="0" smtClean="0"/>
+          </a:p>
+          <a:p>
+            <a:endParaRPr lang="en-US" dirty="0"/>
           </a:p>
         </p:txBody>
       </p:sp>
@@ -4533,7 +4488,7 @@
       </p:grpSpPr>
       <p:sp>
         <p:nvSpPr>
-          <p:cNvPr id="2" name="Title 1"/>
+          <p:cNvPr id="4" name="Title 3"/>
           <p:cNvSpPr>
             <a:spLocks noGrp="1"/>
           </p:cNvSpPr>
@@ -4548,7 +4503,7 @@
           <a:p>
             <a:r>
               <a:rPr lang="en-US" dirty="0" smtClean="0"/>
-              <a:t>…</a:t>
+              <a:t>Profile Configuration on RPT</a:t>
             </a:r>
             <a:endParaRPr lang="en-US" dirty="0"/>
           </a:p>
@@ -4556,12 +4511,12 @@
       </p:sp>
       <p:sp>
         <p:nvSpPr>
-          <p:cNvPr id="3" name="Content Placeholder 2"/>
-          <p:cNvSpPr>
-            <a:spLocks noGrp="1"/>
-          </p:cNvSpPr>
-          <p:nvPr>
-            <p:ph idx="1"/>
+          <p:cNvPr id="5" name="Text Placeholder 4"/>
+          <p:cNvSpPr>
+            <a:spLocks noGrp="1"/>
+          </p:cNvSpPr>
+          <p:nvPr>
+            <p:ph type="body" idx="1"/>
           </p:nvPr>
         </p:nvSpPr>
         <p:spPr/>
@@ -4569,42 +4524,7 @@
           <a:bodyPr/>
           <a:lstStyle/>
           <a:p>
-            <a:r>
-              <a:rPr lang="en-US" dirty="0" smtClean="0"/>
-              <a:t>/opt/IBM/SDP/DCI/</a:t>
-            </a:r>
-            <a:r>
-              <a:rPr lang="en-US" dirty="0" err="1" smtClean="0"/>
-              <a:t>rpa_prod</a:t>
-            </a:r>
-            <a:r>
-              <a:rPr lang="en-US" dirty="0" smtClean="0"/>
-              <a:t>/</a:t>
-            </a:r>
-            <a:r>
-              <a:rPr lang="en-US" dirty="0" err="1" smtClean="0"/>
-              <a:t>tivoli_comp</a:t>
-            </a:r>
-            <a:r>
-              <a:rPr lang="en-US" dirty="0" smtClean="0"/>
-              <a:t>/app/instrument/6.103.0000/</a:t>
-            </a:r>
-            <a:r>
-              <a:rPr lang="en-US" dirty="0" err="1" smtClean="0"/>
-              <a:t>appServers</a:t>
-            </a:r>
-            <a:r>
-              <a:rPr lang="en-US" dirty="0" smtClean="0"/>
-              <a:t>/server1_101/</a:t>
-            </a:r>
-            <a:r>
-              <a:rPr lang="en-US" dirty="0" err="1" smtClean="0"/>
-              <a:t>config</a:t>
-            </a:r>
-            <a:endParaRPr lang="en-US" dirty="0" smtClean="0"/>
-          </a:p>
-          <a:p>
-            <a:endParaRPr lang="en-US" dirty="0"/>
+            <a:endParaRPr lang="en-US"/>
           </a:p>
         </p:txBody>
       </p:sp>
@@ -4635,7 +4555,7 @@
       </p:grpSpPr>
       <p:sp>
         <p:nvSpPr>
-          <p:cNvPr id="4" name="Title 3"/>
+          <p:cNvPr id="2" name="Title 1"/>
           <p:cNvSpPr>
             <a:spLocks noGrp="1"/>
           </p:cNvSpPr>
@@ -4650,7 +4570,7 @@
           <a:p>
             <a:r>
               <a:rPr lang="en-US" dirty="0" smtClean="0"/>
-              <a:t>Profile Configuration on RPT</a:t>
+              <a:t>Profile Configurations</a:t>
             </a:r>
             <a:endParaRPr lang="en-US" dirty="0"/>
           </a:p>
@@ -4658,12 +4578,12 @@
       </p:sp>
       <p:sp>
         <p:nvSpPr>
-          <p:cNvPr id="5" name="Text Placeholder 4"/>
-          <p:cNvSpPr>
-            <a:spLocks noGrp="1"/>
-          </p:cNvSpPr>
-          <p:nvPr>
-            <p:ph type="body" idx="1"/>
+          <p:cNvPr id="3" name="Content Placeholder 2"/>
+          <p:cNvSpPr>
+            <a:spLocks noGrp="1"/>
+          </p:cNvSpPr>
+          <p:nvPr>
+            <p:ph idx="1"/>
           </p:nvPr>
         </p:nvSpPr>
         <p:spPr/>
@@ -4675,6 +4595,38 @@
           </a:p>
         </p:txBody>
       </p:sp>
+      <p:pic>
+        <p:nvPicPr>
+          <p:cNvPr id="1026" name="Picture 2"/>
+          <p:cNvPicPr>
+            <a:picLocks noChangeAspect="1" noChangeArrowheads="1"/>
+          </p:cNvPicPr>
+          <p:nvPr/>
+        </p:nvPicPr>
+        <p:blipFill>
+          <a:blip r:embed="rId2" cstate="print"/>
+          <a:srcRect/>
+          <a:stretch>
+            <a:fillRect/>
+          </a:stretch>
+        </p:blipFill>
+        <p:spPr bwMode="auto">
+          <a:xfrm>
+            <a:off x="990600" y="1600200"/>
+            <a:ext cx="7134225" cy="4714875"/>
+          </a:xfrm>
+          <a:prstGeom prst="rect">
+            <a:avLst/>
+          </a:prstGeom>
+          <a:noFill/>
+          <a:ln w="9525">
+            <a:noFill/>
+            <a:miter lim="800000"/>
+            <a:headEnd/>
+            <a:tailEnd/>
+          </a:ln>
+        </p:spPr>
+      </p:pic>
     </p:spTree>
   </p:cSld>
   <p:clrMapOvr>
@@ -4717,7 +4669,7 @@
           <a:p>
             <a:r>
               <a:rPr lang="en-US" dirty="0" smtClean="0"/>
-              <a:t>Profile Configurations</a:t>
+              <a:t>Profile Configurations (Cont’d)</a:t>
             </a:r>
             <a:endParaRPr lang="en-US" dirty="0"/>
           </a:p>
@@ -4744,7 +4696,7 @@
       </p:sp>
       <p:pic>
         <p:nvPicPr>
-          <p:cNvPr id="1026" name="Picture 2"/>
+          <p:cNvPr id="2050" name="Picture 2"/>
           <p:cNvPicPr>
             <a:picLocks noChangeAspect="1" noChangeArrowheads="1"/>
           </p:cNvPicPr>
@@ -4843,7 +4795,7 @@
       </p:sp>
       <p:pic>
         <p:nvPicPr>
-          <p:cNvPr id="2050" name="Picture 2"/>
+          <p:cNvPr id="3074" name="Picture 2"/>
           <p:cNvPicPr>
             <a:picLocks noChangeAspect="1" noChangeArrowheads="1"/>
           </p:cNvPicPr>
@@ -4900,7 +4852,7 @@
       </p:grpSpPr>
       <p:sp>
         <p:nvSpPr>
-          <p:cNvPr id="2" name="Title 1"/>
+          <p:cNvPr id="4" name="Title 3"/>
           <p:cNvSpPr>
             <a:spLocks noGrp="1"/>
           </p:cNvSpPr>
@@ -4915,7 +4867,7 @@
           <a:p>
             <a:r>
               <a:rPr lang="en-US" dirty="0" smtClean="0"/>
-              <a:t>Profile Configurations (Cont’d)</a:t>
+              <a:t>Trouble Shooting</a:t>
             </a:r>
             <a:endParaRPr lang="en-US" dirty="0"/>
           </a:p>
@@ -4923,12 +4875,12 @@
       </p:sp>
       <p:sp>
         <p:nvSpPr>
-          <p:cNvPr id="3" name="Content Placeholder 2"/>
-          <p:cNvSpPr>
-            <a:spLocks noGrp="1"/>
-          </p:cNvSpPr>
-          <p:nvPr>
-            <p:ph idx="1"/>
+          <p:cNvPr id="5" name="Text Placeholder 4"/>
+          <p:cNvSpPr>
+            <a:spLocks noGrp="1"/>
+          </p:cNvSpPr>
+          <p:nvPr>
+            <p:ph type="body" idx="1"/>
           </p:nvPr>
         </p:nvSpPr>
         <p:spPr/>
@@ -4940,38 +4892,6 @@
           </a:p>
         </p:txBody>
       </p:sp>
-      <p:pic>
-        <p:nvPicPr>
-          <p:cNvPr id="3074" name="Picture 2"/>
-          <p:cNvPicPr>
-            <a:picLocks noChangeAspect="1" noChangeArrowheads="1"/>
-          </p:cNvPicPr>
-          <p:nvPr/>
-        </p:nvPicPr>
-        <p:blipFill>
-          <a:blip r:embed="rId2" cstate="print"/>
-          <a:srcRect/>
-          <a:stretch>
-            <a:fillRect/>
-          </a:stretch>
-        </p:blipFill>
-        <p:spPr bwMode="auto">
-          <a:xfrm>
-            <a:off x="990600" y="1600200"/>
-            <a:ext cx="7134225" cy="4714875"/>
-          </a:xfrm>
-          <a:prstGeom prst="rect">
-            <a:avLst/>
-          </a:prstGeom>
-          <a:noFill/>
-          <a:ln w="9525">
-            <a:noFill/>
-            <a:miter lim="800000"/>
-            <a:headEnd/>
-            <a:tailEnd/>
-          </a:ln>
-        </p:spPr>
-      </p:pic>
     </p:spTree>
   </p:cSld>
   <p:clrMapOvr>
@@ -4981,151 +4901,6 @@
 </file>
 
 <file path=ppt/slides/slide19.xml><?xml version="1.0" encoding="utf-8"?>
-<p:sld xmlns:a="http://schemas.openxmlformats.org/drawingml/2006/main" xmlns:r="http://schemas.openxmlformats.org/officeDocument/2006/relationships" xmlns:p="http://schemas.openxmlformats.org/presentationml/2006/main">
-  <p:cSld>
-    <p:spTree>
-      <p:nvGrpSpPr>
-        <p:cNvPr id="1" name=""/>
-        <p:cNvGrpSpPr/>
-        <p:nvPr/>
-      </p:nvGrpSpPr>
-      <p:grpSpPr>
-        <a:xfrm>
-          <a:off x="0" y="0"/>
-          <a:ext cx="0" cy="0"/>
-          <a:chOff x="0" y="0"/>
-          <a:chExt cx="0" cy="0"/>
-        </a:xfrm>
-      </p:grpSpPr>
-      <p:sp>
-        <p:nvSpPr>
-          <p:cNvPr id="4" name="Title 3"/>
-          <p:cNvSpPr>
-            <a:spLocks noGrp="1"/>
-          </p:cNvSpPr>
-          <p:nvPr>
-            <p:ph type="title"/>
-          </p:nvPr>
-        </p:nvSpPr>
-        <p:spPr/>
-        <p:txBody>
-          <a:bodyPr/>
-          <a:lstStyle/>
-          <a:p>
-            <a:r>
-              <a:rPr lang="en-US" dirty="0" smtClean="0"/>
-              <a:t>Trouble Shooting</a:t>
-            </a:r>
-            <a:endParaRPr lang="en-US" dirty="0"/>
-          </a:p>
-        </p:txBody>
-      </p:sp>
-      <p:sp>
-        <p:nvSpPr>
-          <p:cNvPr id="5" name="Text Placeholder 4"/>
-          <p:cNvSpPr>
-            <a:spLocks noGrp="1"/>
-          </p:cNvSpPr>
-          <p:nvPr>
-            <p:ph type="body" idx="1"/>
-          </p:nvPr>
-        </p:nvSpPr>
-        <p:spPr/>
-        <p:txBody>
-          <a:bodyPr/>
-          <a:lstStyle/>
-          <a:p>
-            <a:endParaRPr lang="en-US"/>
-          </a:p>
-        </p:txBody>
-      </p:sp>
-    </p:spTree>
-  </p:cSld>
-  <p:clrMapOvr>
-    <a:masterClrMapping/>
-  </p:clrMapOvr>
-</p:sld>
-</file>
-
-<file path=ppt/slides/slide2.xml><?xml version="1.0" encoding="utf-8"?>
-<p:sld xmlns:a="http://schemas.openxmlformats.org/drawingml/2006/main" xmlns:r="http://schemas.openxmlformats.org/officeDocument/2006/relationships" xmlns:p="http://schemas.openxmlformats.org/presentationml/2006/main">
-  <p:cSld>
-    <p:spTree>
-      <p:nvGrpSpPr>
-        <p:cNvPr id="1" name=""/>
-        <p:cNvGrpSpPr/>
-        <p:nvPr/>
-      </p:nvGrpSpPr>
-      <p:grpSpPr>
-        <a:xfrm>
-          <a:off x="0" y="0"/>
-          <a:ext cx="0" cy="0"/>
-          <a:chOff x="0" y="0"/>
-          <a:chExt cx="0" cy="0"/>
-        </a:xfrm>
-      </p:grpSpPr>
-      <p:sp>
-        <p:nvSpPr>
-          <p:cNvPr id="2" name="Title 1"/>
-          <p:cNvSpPr>
-            <a:spLocks noGrp="1"/>
-          </p:cNvSpPr>
-          <p:nvPr>
-            <p:ph type="title"/>
-          </p:nvPr>
-        </p:nvSpPr>
-        <p:spPr/>
-        <p:txBody>
-          <a:bodyPr/>
-          <a:lstStyle/>
-          <a:p>
-            <a:r>
-              <a:rPr lang="en-US" dirty="0" smtClean="0"/>
-              <a:t>Prerequisites</a:t>
-            </a:r>
-            <a:endParaRPr lang="en-US" dirty="0"/>
-          </a:p>
-        </p:txBody>
-      </p:sp>
-      <p:sp>
-        <p:nvSpPr>
-          <p:cNvPr id="3" name="Text Placeholder 2"/>
-          <p:cNvSpPr>
-            <a:spLocks noGrp="1"/>
-          </p:cNvSpPr>
-          <p:nvPr>
-            <p:ph type="body" idx="1"/>
-          </p:nvPr>
-        </p:nvSpPr>
-        <p:spPr/>
-        <p:txBody>
-          <a:bodyPr/>
-          <a:lstStyle/>
-          <a:p>
-            <a:r>
-              <a:rPr lang="en-US" dirty="0" smtClean="0"/>
-              <a:t>Part I</a:t>
-            </a:r>
-            <a:endParaRPr lang="en-US" dirty="0"/>
-          </a:p>
-        </p:txBody>
-      </p:sp>
-    </p:spTree>
-  </p:cSld>
-  <p:clrMapOvr>
-    <a:masterClrMapping/>
-  </p:clrMapOvr>
-  <p:timing>
-    <p:tnLst>
-      <p:par>
-        <p:cTn id="1" dur="indefinite" restart="never" nodeType="tmRoot"/>
-      </p:par>
-    </p:tnLst>
-  </p:timing>
-</p:sld>
-</file>
-
-<file path=ppt/slides/slide20.xml><?xml version="1.0" encoding="utf-8"?>
 <p:sld xmlns:a="http://schemas.openxmlformats.org/drawingml/2006/main" xmlns:r="http://schemas.openxmlformats.org/officeDocument/2006/relationships" xmlns:p="http://schemas.openxmlformats.org/presentationml/2006/main">
   <p:cSld>
     <p:spTree>
@@ -5232,7 +5007,85 @@
 </p:sld>
 </file>
 
-<file path=ppt/slides/slide21.xml><?xml version="1.0" encoding="utf-8"?>
+<file path=ppt/slides/slide2.xml><?xml version="1.0" encoding="utf-8"?>
+<p:sld xmlns:a="http://schemas.openxmlformats.org/drawingml/2006/main" xmlns:r="http://schemas.openxmlformats.org/officeDocument/2006/relationships" xmlns:p="http://schemas.openxmlformats.org/presentationml/2006/main">
+  <p:cSld>
+    <p:spTree>
+      <p:nvGrpSpPr>
+        <p:cNvPr id="1" name=""/>
+        <p:cNvGrpSpPr/>
+        <p:nvPr/>
+      </p:nvGrpSpPr>
+      <p:grpSpPr>
+        <a:xfrm>
+          <a:off x="0" y="0"/>
+          <a:ext cx="0" cy="0"/>
+          <a:chOff x="0" y="0"/>
+          <a:chExt cx="0" cy="0"/>
+        </a:xfrm>
+      </p:grpSpPr>
+      <p:sp>
+        <p:nvSpPr>
+          <p:cNvPr id="2" name="Title 1"/>
+          <p:cNvSpPr>
+            <a:spLocks noGrp="1"/>
+          </p:cNvSpPr>
+          <p:nvPr>
+            <p:ph type="title"/>
+          </p:nvPr>
+        </p:nvSpPr>
+        <p:spPr/>
+        <p:txBody>
+          <a:bodyPr/>
+          <a:lstStyle/>
+          <a:p>
+            <a:r>
+              <a:rPr lang="en-US" dirty="0" smtClean="0"/>
+              <a:t>Prerequisites</a:t>
+            </a:r>
+            <a:endParaRPr lang="en-US" dirty="0"/>
+          </a:p>
+        </p:txBody>
+      </p:sp>
+      <p:sp>
+        <p:nvSpPr>
+          <p:cNvPr id="3" name="Text Placeholder 2"/>
+          <p:cNvSpPr>
+            <a:spLocks noGrp="1"/>
+          </p:cNvSpPr>
+          <p:nvPr>
+            <p:ph type="body" idx="1"/>
+          </p:nvPr>
+        </p:nvSpPr>
+        <p:spPr/>
+        <p:txBody>
+          <a:bodyPr/>
+          <a:lstStyle/>
+          <a:p>
+            <a:r>
+              <a:rPr lang="en-US" dirty="0" smtClean="0"/>
+              <a:t>Part I</a:t>
+            </a:r>
+            <a:endParaRPr lang="en-US" dirty="0"/>
+          </a:p>
+        </p:txBody>
+      </p:sp>
+    </p:spTree>
+  </p:cSld>
+  <p:clrMapOvr>
+    <a:masterClrMapping/>
+  </p:clrMapOvr>
+  <p:timing>
+    <p:tnLst>
+      <p:par>
+        <p:cTn id="1" dur="indefinite" restart="never" nodeType="tmRoot"/>
+      </p:par>
+    </p:tnLst>
+  </p:timing>
+</p:sld>
+</file>
+
+<file path=ppt/slides/slide20.xml><?xml version="1.0" encoding="utf-8"?>
 <p:sld xmlns:a="http://schemas.openxmlformats.org/drawingml/2006/main" xmlns:r="http://schemas.openxmlformats.org/officeDocument/2006/relationships" xmlns:p="http://schemas.openxmlformats.org/presentationml/2006/main">
   <p:cSld>
     <p:spTree>
@@ -5335,7 +5188,7 @@
 </p:sld>
 </file>
 
-<file path=ppt/slides/slide22.xml><?xml version="1.0" encoding="utf-8"?>
+<file path=ppt/slides/slide21.xml><?xml version="1.0" encoding="utf-8"?>
 <p:sld xmlns:a="http://schemas.openxmlformats.org/drawingml/2006/main" xmlns:r="http://schemas.openxmlformats.org/officeDocument/2006/relationships" xmlns:p="http://schemas.openxmlformats.org/presentationml/2006/main">
   <p:cSld>
     <p:spTree>
@@ -5434,7 +5287,7 @@
 </p:sld>
 </file>
 
-<file path=ppt/slides/slide23.xml><?xml version="1.0" encoding="utf-8"?>
+<file path=ppt/slides/slide22.xml><?xml version="1.0" encoding="utf-8"?>
 <p:sld xmlns:a="http://schemas.openxmlformats.org/drawingml/2006/main" xmlns:r="http://schemas.openxmlformats.org/officeDocument/2006/relationships" xmlns:p="http://schemas.openxmlformats.org/presentationml/2006/main">
   <p:cSld>
     <p:spTree>
@@ -5533,7 +5386,7 @@
 </p:sld>
 </file>
 
-<file path=ppt/slides/slide24.xml><?xml version="1.0" encoding="utf-8"?>
+<file path=ppt/slides/slide23.xml><?xml version="1.0" encoding="utf-8"?>
 <p:sld xmlns:a="http://schemas.openxmlformats.org/drawingml/2006/main" xmlns:r="http://schemas.openxmlformats.org/officeDocument/2006/relationships" xmlns:p="http://schemas.openxmlformats.org/presentationml/2006/main">
   <p:cSld>
     <p:spTree>
@@ -5632,7 +5485,7 @@
 </p:sld>
 </file>
 
-<file path=ppt/slides/slide25.xml><?xml version="1.0" encoding="utf-8"?>
+<file path=ppt/slides/slide24.xml><?xml version="1.0" encoding="utf-8"?>
 <p:sld xmlns:a="http://schemas.openxmlformats.org/drawingml/2006/main" xmlns:r="http://schemas.openxmlformats.org/officeDocument/2006/relationships" xmlns:p="http://schemas.openxmlformats.org/presentationml/2006/main">
   <p:cSld>
     <p:spTree>
@@ -5735,6 +5588,79 @@
 </p:sld>
 </file>
 
+<file path=ppt/slides/slide25.xml><?xml version="1.0" encoding="utf-8"?>
+<p:sld xmlns:a="http://schemas.openxmlformats.org/drawingml/2006/main" xmlns:r="http://schemas.openxmlformats.org/officeDocument/2006/relationships" xmlns:p="http://schemas.openxmlformats.org/presentationml/2006/main">
+  <p:cSld>
+    <p:spTree>
+      <p:nvGrpSpPr>
+        <p:cNvPr id="1" name=""/>
+        <p:cNvGrpSpPr/>
+        <p:nvPr/>
+      </p:nvGrpSpPr>
+      <p:grpSpPr>
+        <a:xfrm>
+          <a:off x="0" y="0"/>
+          <a:ext cx="0" cy="0"/>
+          <a:chOff x="0" y="0"/>
+          <a:chExt cx="0" cy="0"/>
+        </a:xfrm>
+      </p:grpSpPr>
+      <p:sp>
+        <p:nvSpPr>
+          <p:cNvPr id="2" name="Title 1"/>
+          <p:cNvSpPr>
+            <a:spLocks noGrp="1"/>
+          </p:cNvSpPr>
+          <p:nvPr>
+            <p:ph type="title"/>
+          </p:nvPr>
+        </p:nvSpPr>
+        <p:spPr/>
+        <p:txBody>
+          <a:bodyPr>
+            <a:normAutofit fontScale="90000"/>
+          </a:bodyPr>
+          <a:lstStyle/>
+          <a:p>
+            <a:r>
+              <a:rPr lang="en-US" dirty="0" smtClean="0"/>
+              <a:t>Hang “Connecting to the JVMPI agent”</a:t>
+            </a:r>
+            <a:endParaRPr lang="en-US" dirty="0"/>
+          </a:p>
+        </p:txBody>
+      </p:sp>
+      <p:sp>
+        <p:nvSpPr>
+          <p:cNvPr id="3" name="Content Placeholder 2"/>
+          <p:cNvSpPr>
+            <a:spLocks noGrp="1"/>
+          </p:cNvSpPr>
+          <p:nvPr>
+            <p:ph idx="1"/>
+          </p:nvPr>
+        </p:nvSpPr>
+        <p:spPr/>
+        <p:txBody>
+          <a:bodyPr/>
+          <a:lstStyle/>
+          <a:p>
+            <a:r>
+              <a:rPr lang="en-US" dirty="0" smtClean="0"/>
+              <a:t>My guess is that JVMTI (1.6) cannot deal with multi-threaded applications</a:t>
+            </a:r>
+            <a:endParaRPr lang="en-US" dirty="0"/>
+          </a:p>
+        </p:txBody>
+      </p:sp>
+    </p:spTree>
+  </p:cSld>
+  <p:clrMapOvr>
+    <a:masterClrMapping/>
+  </p:clrMapOvr>
+</p:sld>
+</file>
+
 <file path=ppt/slides/slide26.xml><?xml version="1.0" encoding="utf-8"?>
 <p:sld xmlns:a="http://schemas.openxmlformats.org/drawingml/2006/main" xmlns:r="http://schemas.openxmlformats.org/officeDocument/2006/relationships" xmlns:p="http://schemas.openxmlformats.org/presentationml/2006/main">
   <p:cSld>
@@ -5765,13 +5691,13 @@
         <p:spPr/>
         <p:txBody>
           <a:bodyPr>
-            <a:normAutofit fontScale="90000"/>
+            <a:normAutofit/>
           </a:bodyPr>
           <a:lstStyle/>
           <a:p>
             <a:r>
               <a:rPr lang="en-US" dirty="0" smtClean="0"/>
-              <a:t>Hang “Connecting to the JVMPI agent”</a:t>
+              <a:t>References</a:t>
             </a:r>
             <a:endParaRPr lang="en-US" dirty="0"/>
           </a:p>
@@ -5789,14 +5715,42 @@
         </p:nvSpPr>
         <p:spPr/>
         <p:txBody>
-          <a:bodyPr/>
-          <a:lstStyle/>
-          <a:p>
-            <a:r>
-              <a:rPr lang="en-US" dirty="0" smtClean="0"/>
-              <a:t>My guess is that JVMTI (1.6) cannot deal with multi-threaded applications</a:t>
-            </a:r>
-            <a:endParaRPr lang="en-US" dirty="0"/>
+          <a:bodyPr>
+            <a:normAutofit/>
+          </a:bodyPr>
+          <a:lstStyle/>
+          <a:p>
+            <a:r>
+              <a:rPr lang="en-US" sz="2800" dirty="0" smtClean="0"/>
+              <a:t>Install WebSphere Application Server V6.0 for Linux on POWER (</a:t>
+            </a:r>
+            <a:r>
+              <a:rPr lang="en-US" sz="2800" dirty="0" smtClean="0">
+                <a:hlinkClick r:id="rId2"/>
+              </a:rPr>
+              <a:t>http://www.ibm.com/developerworks/systems/library/es-webapp/index.html</a:t>
+            </a:r>
+            <a:r>
+              <a:rPr lang="en-US" sz="2800" dirty="0" smtClean="0"/>
+              <a:t>)</a:t>
+            </a:r>
+          </a:p>
+          <a:p>
+            <a:r>
+              <a:rPr lang="en-US" sz="2800" dirty="0" smtClean="0"/>
+              <a:t>WebSphere Application Server 6.1 Headless Install (</a:t>
+            </a:r>
+            <a:r>
+              <a:rPr lang="en-US" sz="2800" dirty="0" smtClean="0">
+                <a:hlinkClick r:id="rId3"/>
+              </a:rPr>
+              <a:t>http://bishop.camp.clarkson.edu/wiki/en/WebSphere_Application_Server_6.1_Headless_Install</a:t>
+            </a:r>
+            <a:r>
+              <a:rPr lang="en-US" sz="2800" dirty="0" smtClean="0"/>
+              <a:t>)</a:t>
+            </a:r>
+            <a:endParaRPr lang="en-US" sz="2800" dirty="0"/>
           </a:p>
         </p:txBody>
       </p:sp>
@@ -5837,67 +5791,81 @@
         </p:nvSpPr>
         <p:spPr/>
         <p:txBody>
+          <a:bodyPr/>
+          <a:lstStyle/>
+          <a:p>
+            <a:r>
+              <a:rPr lang="en-US" dirty="0" smtClean="0"/>
+              <a:t>References</a:t>
+            </a:r>
+            <a:endParaRPr lang="en-US" dirty="0"/>
+          </a:p>
+        </p:txBody>
+      </p:sp>
+      <p:sp>
+        <p:nvSpPr>
+          <p:cNvPr id="3" name="Content Placeholder 2"/>
+          <p:cNvSpPr>
+            <a:spLocks noGrp="1"/>
+          </p:cNvSpPr>
+          <p:nvPr>
+            <p:ph idx="1"/>
+          </p:nvPr>
+        </p:nvSpPr>
+        <p:spPr/>
+        <p:txBody>
           <a:bodyPr>
-            <a:normAutofit/>
+            <a:normAutofit fontScale="77500" lnSpcReduction="20000"/>
           </a:bodyPr>
           <a:lstStyle/>
           <a:p>
             <a:r>
               <a:rPr lang="en-US" dirty="0" smtClean="0"/>
-              <a:t>References</a:t>
-            </a:r>
-            <a:endParaRPr lang="en-US" dirty="0"/>
-          </a:p>
-        </p:txBody>
-      </p:sp>
-      <p:sp>
-        <p:nvSpPr>
-          <p:cNvPr id="3" name="Content Placeholder 2"/>
-          <p:cNvSpPr>
-            <a:spLocks noGrp="1"/>
-          </p:cNvSpPr>
-          <p:nvPr>
-            <p:ph idx="1"/>
-          </p:nvPr>
-        </p:nvSpPr>
-        <p:spPr/>
-        <p:txBody>
-          <a:bodyPr>
-            <a:normAutofit/>
-          </a:bodyPr>
-          <a:lstStyle/>
-          <a:p>
-            <a:r>
-              <a:rPr lang="en-US" sz="2800" dirty="0" smtClean="0"/>
-              <a:t>Install WebSphere Application Server V6.0 for Linux on POWER (</a:t>
-            </a:r>
-            <a:r>
-              <a:rPr lang="en-US" sz="2800" dirty="0" smtClean="0">
+              <a:t>Using IBM Rational Performance Tester: Application Monitoring Part 1, Configuring your environment (</a:t>
+            </a:r>
+            <a:r>
+              <a:rPr lang="en-US" dirty="0" smtClean="0">
                 <a:hlinkClick r:id="rId2"/>
               </a:rPr>
-              <a:t>http://www.ibm.com/developerworks/systems/library/es-webapp/index.html</a:t>
-            </a:r>
-            <a:r>
-              <a:rPr lang="en-US" sz="2800" dirty="0" smtClean="0"/>
+              <a:t>http://www.ibm.com/developerworks/rational/library/07/0515_patel/index.html</a:t>
+            </a:r>
+            <a:r>
+              <a:rPr lang="en-US" dirty="0" smtClean="0"/>
               <a:t>)</a:t>
             </a:r>
           </a:p>
           <a:p>
             <a:r>
-              <a:rPr lang="en-US" sz="2800" dirty="0" smtClean="0"/>
-              <a:t>WebSphere Application Server 6.1 Headless Install (</a:t>
-            </a:r>
-            <a:r>
-              <a:rPr lang="en-US" sz="2800" dirty="0" smtClean="0">
+              <a:rPr lang="en-US" dirty="0" smtClean="0"/>
+              <a:t>Using IBM Rational Performance Tester: Application Monitoring Part 2, Enabling real-time monitoring (</a:t>
+            </a:r>
+            <a:r>
+              <a:rPr lang="en-US" dirty="0" smtClean="0">
                 <a:hlinkClick r:id="rId3"/>
               </a:rPr>
-              <a:t>http://bishop.camp.clarkson.edu/wiki/en/WebSphere_Application_Server_6.1_Headless_Install</a:t>
-            </a:r>
-            <a:r>
-              <a:rPr lang="en-US" sz="2800" dirty="0" smtClean="0"/>
+              <a:t>http://www.ibm.com/developerworks/rational/library/07/0515_patel2/index.html</a:t>
+            </a:r>
+            <a:r>
+              <a:rPr lang="en-US" dirty="0" smtClean="0"/>
               <a:t>)</a:t>
             </a:r>
-            <a:endParaRPr lang="en-US" sz="2800" dirty="0"/>
+          </a:p>
+          <a:p>
+            <a:r>
+              <a:rPr lang="en-US" dirty="0" smtClean="0"/>
+              <a:t>Using IBM Rational Performance Tester: Application monitoring, Part 3: Importing data from IBM Tivoli database products (</a:t>
+            </a:r>
+            <a:r>
+              <a:rPr lang="en-US" dirty="0" smtClean="0">
+                <a:hlinkClick r:id="rId4"/>
+              </a:rPr>
+              <a:t>http://www.ibm.com/developerworks/rational/library/07/0605_patel/index.html</a:t>
+            </a:r>
+            <a:r>
+              <a:rPr lang="en-US" dirty="0" smtClean="0"/>
+              <a:t>)</a:t>
+            </a:r>
+            <a:endParaRPr lang="en-US" dirty="0"/>
           </a:p>
         </p:txBody>
       </p:sp>
@@ -5928,7 +5896,7 @@
       </p:grpSpPr>
       <p:sp>
         <p:nvSpPr>
-          <p:cNvPr id="2" name="Title 1"/>
+          <p:cNvPr id="4" name="Title 3"/>
           <p:cNvSpPr>
             <a:spLocks noGrp="1"/>
           </p:cNvSpPr>
@@ -5943,7 +5911,7 @@
           <a:p>
             <a:r>
               <a:rPr lang="en-US" dirty="0" smtClean="0"/>
-              <a:t>References</a:t>
+              <a:t>Experiments</a:t>
             </a:r>
             <a:endParaRPr lang="en-US" dirty="0"/>
           </a:p>
@@ -5951,7 +5919,74 @@
       </p:sp>
       <p:sp>
         <p:nvSpPr>
-          <p:cNvPr id="3" name="Content Placeholder 2"/>
+          <p:cNvPr id="5" name="Text Placeholder 4"/>
+          <p:cNvSpPr>
+            <a:spLocks noGrp="1"/>
+          </p:cNvSpPr>
+          <p:nvPr>
+            <p:ph type="body" idx="1"/>
+          </p:nvPr>
+        </p:nvSpPr>
+        <p:spPr/>
+        <p:txBody>
+          <a:bodyPr/>
+          <a:lstStyle/>
+          <a:p>
+            <a:endParaRPr lang="en-US"/>
+          </a:p>
+        </p:txBody>
+      </p:sp>
+    </p:spTree>
+  </p:cSld>
+  <p:clrMapOvr>
+    <a:masterClrMapping/>
+  </p:clrMapOvr>
+</p:sld>
+</file>
+
+<file path=ppt/slides/slide29.xml><?xml version="1.0" encoding="utf-8"?>
+<p:sld xmlns:a="http://schemas.openxmlformats.org/drawingml/2006/main" xmlns:r="http://schemas.openxmlformats.org/officeDocument/2006/relationships" xmlns:p="http://schemas.openxmlformats.org/presentationml/2006/main">
+  <p:cSld>
+    <p:spTree>
+      <p:nvGrpSpPr>
+        <p:cNvPr id="1" name=""/>
+        <p:cNvGrpSpPr/>
+        <p:nvPr/>
+      </p:nvGrpSpPr>
+      <p:grpSpPr>
+        <a:xfrm>
+          <a:off x="0" y="0"/>
+          <a:ext cx="0" cy="0"/>
+          <a:chOff x="0" y="0"/>
+          <a:chExt cx="0" cy="0"/>
+        </a:xfrm>
+      </p:grpSpPr>
+      <p:sp>
+        <p:nvSpPr>
+          <p:cNvPr id="4" name="Title 3"/>
+          <p:cNvSpPr>
+            <a:spLocks noGrp="1"/>
+          </p:cNvSpPr>
+          <p:nvPr>
+            <p:ph type="title"/>
+          </p:nvPr>
+        </p:nvSpPr>
+        <p:spPr/>
+        <p:txBody>
+          <a:bodyPr/>
+          <a:lstStyle/>
+          <a:p>
+            <a:r>
+              <a:rPr lang="en-US" dirty="0" smtClean="0"/>
+              <a:t>Best Practices</a:t>
+            </a:r>
+            <a:endParaRPr lang="en-US" dirty="0"/>
+          </a:p>
+        </p:txBody>
+      </p:sp>
+      <p:sp>
+        <p:nvSpPr>
+          <p:cNvPr id="5" name="Content Placeholder 4"/>
           <p:cNvSpPr>
             <a:spLocks noGrp="1"/>
           </p:cNvSpPr>
@@ -5961,58 +5996,278 @@
         </p:nvSpPr>
         <p:spPr/>
         <p:txBody>
-          <a:bodyPr>
-            <a:normAutofit fontScale="77500" lnSpcReduction="20000"/>
-          </a:bodyPr>
-          <a:lstStyle/>
-          <a:p>
-            <a:r>
-              <a:rPr lang="en-US" dirty="0" smtClean="0"/>
-              <a:t>Using IBM Rational Performance Tester: Application Monitoring Part 1, Configuring your environment (</a:t>
-            </a:r>
-            <a:r>
-              <a:rPr lang="en-US" dirty="0" smtClean="0">
-                <a:hlinkClick r:id="rId2"/>
+          <a:bodyPr/>
+          <a:lstStyle/>
+          <a:p>
+            <a:r>
+              <a:rPr lang="en-US" dirty="0" smtClean="0"/>
+              <a:t>Reboot the client (My desktop)</a:t>
+            </a:r>
+          </a:p>
+          <a:p>
+            <a:r>
+              <a:rPr lang="en-US" dirty="0" smtClean="0"/>
+              <a:t>Start RPT</a:t>
+            </a:r>
+          </a:p>
+          <a:p>
+            <a:pPr lvl="1"/>
+            <a:r>
+              <a:rPr lang="en-US" dirty="0" smtClean="0"/>
+              <a:t>Check whether ACWinService.exe is running</a:t>
+            </a:r>
+          </a:p>
+          <a:p>
+            <a:pPr lvl="1"/>
+            <a:endParaRPr lang="en-US" dirty="0" smtClean="0"/>
+          </a:p>
+          <a:p>
+            <a:r>
+              <a:rPr lang="en-US" dirty="0" smtClean="0"/>
+              <a:t>Start DCI</a:t>
+            </a:r>
+            <a:endParaRPr lang="en-US" dirty="0"/>
+          </a:p>
+        </p:txBody>
+      </p:sp>
+      <p:pic>
+        <p:nvPicPr>
+          <p:cNvPr id="1027" name="Picture 3"/>
+          <p:cNvPicPr>
+            <a:picLocks noChangeAspect="1" noChangeArrowheads="1"/>
+          </p:cNvPicPr>
+          <p:nvPr/>
+        </p:nvPicPr>
+        <p:blipFill>
+          <a:blip r:embed="rId2" cstate="print"/>
+          <a:srcRect/>
+          <a:stretch>
+            <a:fillRect/>
+          </a:stretch>
+        </p:blipFill>
+        <p:spPr bwMode="auto">
+          <a:xfrm>
+            <a:off x="500063" y="3271838"/>
+            <a:ext cx="8143875" cy="314325"/>
+          </a:xfrm>
+          <a:prstGeom prst="rect">
+            <a:avLst/>
+          </a:prstGeom>
+          <a:noFill/>
+          <a:ln w="9525">
+            <a:noFill/>
+            <a:miter lim="800000"/>
+            <a:headEnd/>
+            <a:tailEnd/>
+          </a:ln>
+        </p:spPr>
+      </p:pic>
+      <p:pic>
+        <p:nvPicPr>
+          <p:cNvPr id="1028" name="Picture 4"/>
+          <p:cNvPicPr>
+            <a:picLocks noChangeAspect="1" noChangeArrowheads="1"/>
+          </p:cNvPicPr>
+          <p:nvPr/>
+        </p:nvPicPr>
+        <p:blipFill>
+          <a:blip r:embed="rId3" cstate="print"/>
+          <a:srcRect/>
+          <a:stretch>
+            <a:fillRect/>
+          </a:stretch>
+        </p:blipFill>
+        <p:spPr bwMode="auto">
+          <a:xfrm>
+            <a:off x="285750" y="4495800"/>
+            <a:ext cx="8858250" cy="742950"/>
+          </a:xfrm>
+          <a:prstGeom prst="rect">
+            <a:avLst/>
+          </a:prstGeom>
+          <a:noFill/>
+          <a:ln w="9525">
+            <a:noFill/>
+            <a:miter lim="800000"/>
+            <a:headEnd/>
+            <a:tailEnd/>
+          </a:ln>
+        </p:spPr>
+      </p:pic>
+      <p:sp>
+        <p:nvSpPr>
+          <p:cNvPr id="9" name="Rounded Rectangular Callout 8"/>
+          <p:cNvSpPr/>
+          <p:nvPr/>
+        </p:nvSpPr>
+        <p:spPr>
+          <a:xfrm>
+            <a:off x="1524000" y="4343400"/>
+            <a:ext cx="762000" cy="304800"/>
+          </a:xfrm>
+          <a:prstGeom prst="wedgeRoundRectCallout">
+            <a:avLst>
+              <a:gd name="adj1" fmla="val -72401"/>
+              <a:gd name="adj2" fmla="val 59203"/>
+              <a:gd name="adj3" fmla="val 16667"/>
+            </a:avLst>
+          </a:prstGeom>
+          <a:solidFill>
+            <a:srgbClr val="FFC000"/>
+          </a:solidFill>
+        </p:spPr>
+        <p:style>
+          <a:lnRef idx="2">
+            <a:schemeClr val="accent1">
+              <a:shade val="50000"/>
+            </a:schemeClr>
+          </a:lnRef>
+          <a:fillRef idx="1">
+            <a:schemeClr val="accent1"/>
+          </a:fillRef>
+          <a:effectRef idx="0">
+            <a:schemeClr val="accent1"/>
+          </a:effectRef>
+          <a:fontRef idx="minor">
+            <a:schemeClr val="lt1"/>
+          </a:fontRef>
+        </p:style>
+        <p:txBody>
+          <a:bodyPr rtlCol="0" anchor="ctr"/>
+          <a:lstStyle/>
+          <a:p>
+            <a:pPr algn="ctr"/>
+            <a:r>
+              <a:rPr lang="en-US" sz="1600" dirty="0" smtClean="0">
+                <a:solidFill>
+                  <a:schemeClr val="tx1"/>
+                </a:solidFill>
               </a:rPr>
-              <a:t>http://www.ibm.com/developerworks/rational/library/07/0515_patel/index.html</a:t>
-            </a:r>
-            <a:r>
-              <a:rPr lang="en-US" dirty="0" smtClean="0"/>
-              <a:t>)</a:t>
-            </a:r>
-          </a:p>
-          <a:p>
-            <a:r>
-              <a:rPr lang="en-US" dirty="0" smtClean="0"/>
-              <a:t>Using IBM Rational Performance Tester: Application Monitoring Part 2, Enabling real-time monitoring (</a:t>
-            </a:r>
-            <a:r>
-              <a:rPr lang="en-US" dirty="0" smtClean="0">
-                <a:hlinkClick r:id="rId3"/>
+              <a:t>RPT</a:t>
+            </a:r>
+            <a:endParaRPr lang="en-US" sz="1600" dirty="0">
+              <a:solidFill>
+                <a:schemeClr val="tx1"/>
+              </a:solidFill>
+            </a:endParaRPr>
+          </a:p>
+        </p:txBody>
+      </p:sp>
+      <p:sp>
+        <p:nvSpPr>
+          <p:cNvPr id="10" name="Rounded Rectangular Callout 9"/>
+          <p:cNvSpPr/>
+          <p:nvPr/>
+        </p:nvSpPr>
+        <p:spPr>
+          <a:xfrm>
+            <a:off x="1143000" y="5334000"/>
+            <a:ext cx="762000" cy="304800"/>
+          </a:xfrm>
+          <a:prstGeom prst="wedgeRoundRectCallout">
+            <a:avLst>
+              <a:gd name="adj1" fmla="val -65808"/>
+              <a:gd name="adj2" fmla="val -99039"/>
+              <a:gd name="adj3" fmla="val 16667"/>
+            </a:avLst>
+          </a:prstGeom>
+          <a:solidFill>
+            <a:srgbClr val="FFC000"/>
+          </a:solidFill>
+        </p:spPr>
+        <p:style>
+          <a:lnRef idx="2">
+            <a:schemeClr val="accent1">
+              <a:shade val="50000"/>
+            </a:schemeClr>
+          </a:lnRef>
+          <a:fillRef idx="1">
+            <a:schemeClr val="accent1"/>
+          </a:fillRef>
+          <a:effectRef idx="0">
+            <a:schemeClr val="accent1"/>
+          </a:effectRef>
+          <a:fontRef idx="minor">
+            <a:schemeClr val="lt1"/>
+          </a:fontRef>
+        </p:style>
+        <p:txBody>
+          <a:bodyPr rtlCol="0" anchor="ctr"/>
+          <a:lstStyle/>
+          <a:p>
+            <a:pPr algn="ctr"/>
+            <a:r>
+              <a:rPr lang="en-US" sz="1600" dirty="0" smtClean="0">
+                <a:solidFill>
+                  <a:schemeClr val="tx1"/>
+                </a:solidFill>
               </a:rPr>
-              <a:t>http://www.ibm.com/developerworks/rational/library/07/0515_patel2/index.html</a:t>
-            </a:r>
-            <a:r>
-              <a:rPr lang="en-US" dirty="0" smtClean="0"/>
-              <a:t>)</a:t>
-            </a:r>
-          </a:p>
-          <a:p>
-            <a:r>
-              <a:rPr lang="en-US" dirty="0" smtClean="0"/>
-              <a:t>Using IBM Rational Performance Tester: Application monitoring, Part 3: Importing data from IBM Tivoli database products (</a:t>
-            </a:r>
-            <a:r>
-              <a:rPr lang="en-US" dirty="0" smtClean="0">
-                <a:hlinkClick r:id="rId4"/>
+              <a:t>DCI</a:t>
+            </a:r>
+            <a:endParaRPr lang="en-US" sz="1600" dirty="0">
+              <a:solidFill>
+                <a:schemeClr val="tx1"/>
+              </a:solidFill>
+            </a:endParaRPr>
+          </a:p>
+        </p:txBody>
+      </p:sp>
+      <p:sp>
+        <p:nvSpPr>
+          <p:cNvPr id="11" name="Rounded Rectangular Callout 10"/>
+          <p:cNvSpPr/>
+          <p:nvPr/>
+        </p:nvSpPr>
+        <p:spPr>
+          <a:xfrm>
+            <a:off x="2590800" y="3657600"/>
+            <a:ext cx="1600200" cy="304800"/>
+          </a:xfrm>
+          <a:prstGeom prst="wedgeRoundRectCallout">
+            <a:avLst>
+              <a:gd name="adj1" fmla="val -105494"/>
+              <a:gd name="adj2" fmla="val -148490"/>
+              <a:gd name="adj3" fmla="val 16667"/>
+            </a:avLst>
+          </a:prstGeom>
+          <a:solidFill>
+            <a:srgbClr val="FFC000"/>
+          </a:solidFill>
+        </p:spPr>
+        <p:style>
+          <a:lnRef idx="2">
+            <a:schemeClr val="accent1">
+              <a:shade val="50000"/>
+            </a:schemeClr>
+          </a:lnRef>
+          <a:fillRef idx="1">
+            <a:schemeClr val="accent1"/>
+          </a:fillRef>
+          <a:effectRef idx="0">
+            <a:schemeClr val="accent1"/>
+          </a:effectRef>
+          <a:fontRef idx="minor">
+            <a:schemeClr val="lt1"/>
+          </a:fontRef>
+        </p:style>
+        <p:txBody>
+          <a:bodyPr rtlCol="0" anchor="ctr"/>
+          <a:lstStyle/>
+          <a:p>
+            <a:pPr algn="ctr"/>
+            <a:r>
+              <a:rPr lang="en-US" sz="1600" dirty="0" err="1" smtClean="0">
+                <a:solidFill>
+                  <a:schemeClr val="tx1"/>
+                </a:solidFill>
               </a:rPr>
-              <a:t>http://www.ibm.com/developerworks/rational/library/07/0605_patel/index.html</a:t>
-            </a:r>
-            <a:r>
-              <a:rPr lang="en-US" dirty="0" smtClean="0"/>
-              <a:t>)</a:t>
-            </a:r>
-            <a:endParaRPr lang="en-US" dirty="0"/>
+              <a:t>ACWinService</a:t>
+            </a:r>
+            <a:endParaRPr lang="en-US" sz="1600" dirty="0">
+              <a:solidFill>
+                <a:schemeClr val="tx1"/>
+              </a:solidFill>
+            </a:endParaRPr>
           </a:p>
         </p:txBody>
       </p:sp>
@@ -6178,1242 +6433,7 @@
 </p:sld>
 </file>
 
-<file path=ppt/slides/slide4.xml><?xml version="1.0" encoding="utf-8"?>
-<p:sld xmlns:a="http://schemas.openxmlformats.org/drawingml/2006/main" xmlns:r="http://schemas.openxmlformats.org/officeDocument/2006/relationships" xmlns:p="http://schemas.openxmlformats.org/presentationml/2006/main">
-  <p:cSld>
-    <p:spTree>
-      <p:nvGrpSpPr>
-        <p:cNvPr id="1" name=""/>
-        <p:cNvGrpSpPr/>
-        <p:nvPr/>
-      </p:nvGrpSpPr>
-      <p:grpSpPr>
-        <a:xfrm>
-          <a:off x="0" y="0"/>
-          <a:ext cx="0" cy="0"/>
-          <a:chOff x="0" y="0"/>
-          <a:chExt cx="0" cy="0"/>
-        </a:xfrm>
-      </p:grpSpPr>
-      <p:sp>
-        <p:nvSpPr>
-          <p:cNvPr id="2" name="Title 1"/>
-          <p:cNvSpPr>
-            <a:spLocks noGrp="1"/>
-          </p:cNvSpPr>
-          <p:nvPr>
-            <p:ph type="title"/>
-          </p:nvPr>
-        </p:nvSpPr>
-        <p:spPr/>
-        <p:txBody>
-          <a:bodyPr>
-            <a:normAutofit fontScale="90000"/>
-          </a:bodyPr>
-          <a:lstStyle/>
-          <a:p>
-            <a:r>
-              <a:rPr lang="en-US" dirty="0" smtClean="0"/>
-              <a:t>Environment for ARM Instrumentation</a:t>
-            </a:r>
-            <a:endParaRPr lang="en-US" dirty="0"/>
-          </a:p>
-        </p:txBody>
-      </p:sp>
-      <p:sp>
-        <p:nvSpPr>
-          <p:cNvPr id="3" name="Content Placeholder 2"/>
-          <p:cNvSpPr>
-            <a:spLocks noGrp="1"/>
-          </p:cNvSpPr>
-          <p:nvPr>
-            <p:ph idx="1"/>
-          </p:nvPr>
-        </p:nvSpPr>
-        <p:spPr>
-          <a:xfrm>
-            <a:off x="457200" y="1600200"/>
-            <a:ext cx="8229600" cy="4571999"/>
-          </a:xfrm>
-        </p:spPr>
-        <p:txBody>
-          <a:bodyPr/>
-          <a:lstStyle/>
-          <a:p>
-            <a:endParaRPr lang="en-US" dirty="0"/>
-          </a:p>
-        </p:txBody>
-      </p:sp>
-      <p:pic>
-        <p:nvPicPr>
-          <p:cNvPr id="4" name="Picture 2" descr="C:\Documents and Settings\Yoonki\Local Settings\Temporary Internet Files\Content.IE5\JGH7Q211\j0431616[1].png"/>
-          <p:cNvPicPr>
-            <a:picLocks noChangeAspect="1" noChangeArrowheads="1"/>
-          </p:cNvPicPr>
-          <p:nvPr/>
-        </p:nvPicPr>
-        <p:blipFill>
-          <a:blip r:embed="rId2" cstate="print"/>
-          <a:srcRect/>
-          <a:stretch>
-            <a:fillRect/>
-          </a:stretch>
-        </p:blipFill>
-        <p:spPr bwMode="auto">
-          <a:xfrm>
-            <a:off x="1524000" y="1676400"/>
-            <a:ext cx="1828572" cy="1828572"/>
-          </a:xfrm>
-          <a:prstGeom prst="rect">
-            <a:avLst/>
-          </a:prstGeom>
-          <a:noFill/>
-        </p:spPr>
-      </p:pic>
-      <p:pic>
-        <p:nvPicPr>
-          <p:cNvPr id="5" name="Picture 3" descr="C:\Documents and Settings\Yoonki\Local Settings\Temporary Internet Files\Content.IE5\1UZTH24C\j0431595[1].png"/>
-          <p:cNvPicPr>
-            <a:picLocks noChangeAspect="1" noChangeArrowheads="1"/>
-          </p:cNvPicPr>
-          <p:nvPr/>
-        </p:nvPicPr>
-        <p:blipFill>
-          <a:blip r:embed="rId3" cstate="print"/>
-          <a:srcRect/>
-          <a:stretch>
-            <a:fillRect/>
-          </a:stretch>
-        </p:blipFill>
-        <p:spPr bwMode="auto">
-          <a:xfrm>
-            <a:off x="3048000" y="4800600"/>
-            <a:ext cx="1828572" cy="1828572"/>
-          </a:xfrm>
-          <a:prstGeom prst="rect">
-            <a:avLst/>
-          </a:prstGeom>
-          <a:noFill/>
-        </p:spPr>
-      </p:pic>
-      <p:pic>
-        <p:nvPicPr>
-          <p:cNvPr id="6" name="Picture 4" descr="C:\Documents and Settings\Yoonki\Local Settings\Temporary Internet Files\Content.IE5\79GYPFSZ\j0431637[1].png"/>
-          <p:cNvPicPr>
-            <a:picLocks noChangeAspect="1" noChangeArrowheads="1"/>
-          </p:cNvPicPr>
-          <p:nvPr/>
-        </p:nvPicPr>
-        <p:blipFill>
-          <a:blip r:embed="rId4" cstate="print"/>
-          <a:srcRect/>
-          <a:stretch>
-            <a:fillRect/>
-          </a:stretch>
-        </p:blipFill>
-        <p:spPr bwMode="auto">
-          <a:xfrm>
-            <a:off x="6019800" y="1676400"/>
-            <a:ext cx="1714500" cy="1714500"/>
-          </a:xfrm>
-          <a:prstGeom prst="rect">
-            <a:avLst/>
-          </a:prstGeom>
-          <a:noFill/>
-        </p:spPr>
-      </p:pic>
-      <p:sp>
-        <p:nvSpPr>
-          <p:cNvPr id="8" name="Rounded Rectangle 7"/>
-          <p:cNvSpPr/>
-          <p:nvPr/>
-        </p:nvSpPr>
-        <p:spPr>
-          <a:xfrm>
-            <a:off x="4724400" y="3581400"/>
-            <a:ext cx="3962400" cy="2590800"/>
-          </a:xfrm>
-          <a:prstGeom prst="roundRect">
-            <a:avLst/>
-          </a:prstGeom>
-        </p:spPr>
-        <p:style>
-          <a:lnRef idx="1">
-            <a:schemeClr val="dk1"/>
-          </a:lnRef>
-          <a:fillRef idx="2">
-            <a:schemeClr val="dk1"/>
-          </a:fillRef>
-          <a:effectRef idx="1">
-            <a:schemeClr val="dk1"/>
-          </a:effectRef>
-          <a:fontRef idx="minor">
-            <a:schemeClr val="dk1"/>
-          </a:fontRef>
-        </p:style>
-        <p:txBody>
-          <a:bodyPr rtlCol="0" anchor="t"/>
-          <a:lstStyle/>
-          <a:p>
-            <a:pPr algn="ctr"/>
-            <a:r>
-              <a:rPr lang="en-US" sz="1400" dirty="0" smtClean="0"/>
-              <a:t>Server:</a:t>
-            </a:r>
-          </a:p>
-          <a:p>
-            <a:pPr algn="ctr"/>
-            <a:r>
-              <a:rPr lang="en-US" sz="1400" dirty="0" smtClean="0"/>
-              <a:t>eb2-2241-grd03.csc.ncsu.edu (152.14.90.72)</a:t>
-            </a:r>
-          </a:p>
-          <a:p>
-            <a:pPr algn="ctr"/>
-            <a:endParaRPr lang="en-US" sz="1400" dirty="0" smtClean="0"/>
-          </a:p>
-          <a:p>
-            <a:pPr>
-              <a:buFont typeface="Wingdings" pitchFamily="2" charset="2"/>
-              <a:buChar char="§"/>
-            </a:pPr>
-            <a:r>
-              <a:rPr lang="en-US" sz="1400" dirty="0" smtClean="0"/>
-              <a:t> Java v1.5 (or lower)</a:t>
-            </a:r>
-          </a:p>
-          <a:p>
-            <a:pPr>
-              <a:buFont typeface="Wingdings" pitchFamily="2" charset="2"/>
-              <a:buChar char="§"/>
-            </a:pPr>
-            <a:r>
-              <a:rPr lang="en-US" sz="1400" dirty="0" smtClean="0"/>
-              <a:t> WebSphere Application Server v6.1</a:t>
-            </a:r>
-          </a:p>
-          <a:p>
-            <a:pPr>
-              <a:buFont typeface="Wingdings" pitchFamily="2" charset="2"/>
-              <a:buChar char="§"/>
-            </a:pPr>
-            <a:r>
-              <a:rPr lang="en-US" sz="1400" dirty="0" smtClean="0"/>
-              <a:t> Rational Performance Tester Agent  </a:t>
-            </a:r>
-          </a:p>
-          <a:p>
-            <a:r>
-              <a:rPr lang="en-US" sz="1400" dirty="0" smtClean="0"/>
-              <a:t>   (Data Collection Infrastructure v7.0)</a:t>
-            </a:r>
-          </a:p>
-        </p:txBody>
-      </p:sp>
-      <p:sp>
-        <p:nvSpPr>
-          <p:cNvPr id="9" name="Rounded Rectangle 8"/>
-          <p:cNvSpPr/>
-          <p:nvPr/>
-        </p:nvSpPr>
-        <p:spPr>
-          <a:xfrm>
-            <a:off x="457200" y="3581400"/>
-            <a:ext cx="3962400" cy="2590800"/>
-          </a:xfrm>
-          <a:prstGeom prst="roundRect">
-            <a:avLst/>
-          </a:prstGeom>
-        </p:spPr>
-        <p:style>
-          <a:lnRef idx="1">
-            <a:schemeClr val="dk1"/>
-          </a:lnRef>
-          <a:fillRef idx="2">
-            <a:schemeClr val="dk1"/>
-          </a:fillRef>
-          <a:effectRef idx="1">
-            <a:schemeClr val="dk1"/>
-          </a:effectRef>
-          <a:fontRef idx="minor">
-            <a:schemeClr val="dk1"/>
-          </a:fontRef>
-        </p:style>
-        <p:txBody>
-          <a:bodyPr rtlCol="0" anchor="t"/>
-          <a:lstStyle/>
-          <a:p>
-            <a:pPr algn="ctr"/>
-            <a:r>
-              <a:rPr lang="en-US" sz="1400" dirty="0" smtClean="0"/>
-              <a:t>Client:</a:t>
-            </a:r>
-          </a:p>
-          <a:p>
-            <a:pPr algn="ctr"/>
-            <a:r>
-              <a:rPr lang="en-US" sz="1400" dirty="0" smtClean="0"/>
-              <a:t>My desktop (Dynamic IP)</a:t>
-            </a:r>
-          </a:p>
-          <a:p>
-            <a:pPr algn="ctr"/>
-            <a:endParaRPr lang="en-US" sz="1400" dirty="0" smtClean="0"/>
-          </a:p>
-          <a:p>
-            <a:pPr>
-              <a:buFont typeface="Wingdings" pitchFamily="2" charset="2"/>
-              <a:buChar char="§"/>
-            </a:pPr>
-            <a:r>
-              <a:rPr lang="en-US" sz="1400" dirty="0" smtClean="0"/>
-              <a:t> Java v1.5 (or lower) </a:t>
-            </a:r>
-          </a:p>
-          <a:p>
-            <a:pPr>
-              <a:buFont typeface="Wingdings" pitchFamily="2" charset="2"/>
-              <a:buChar char="§"/>
-            </a:pPr>
-            <a:r>
-              <a:rPr lang="en-US" sz="1400" dirty="0" smtClean="0"/>
-              <a:t> Rational Performance Tester v8.0</a:t>
-            </a:r>
-          </a:p>
-          <a:p>
-            <a:pPr marL="177800" lvl="1">
-              <a:buFont typeface="Wingdings" pitchFamily="2" charset="2"/>
-              <a:buChar char="§"/>
-            </a:pPr>
-            <a:r>
-              <a:rPr lang="en-US" sz="1400" dirty="0" smtClean="0"/>
-              <a:t> with Agent (Data Collection Infrastructure v7.0)</a:t>
-            </a:r>
-          </a:p>
-          <a:p>
-            <a:pPr algn="ctr"/>
-            <a:endParaRPr lang="en-US" sz="1400" dirty="0"/>
-          </a:p>
-        </p:txBody>
-      </p:sp>
-      <p:sp>
-        <p:nvSpPr>
-          <p:cNvPr id="10" name="Left-Right Arrow 9"/>
-          <p:cNvSpPr/>
-          <p:nvPr/>
-        </p:nvSpPr>
-        <p:spPr>
-          <a:xfrm>
-            <a:off x="4038600" y="2133600"/>
-            <a:ext cx="1066800" cy="533400"/>
-          </a:xfrm>
-          <a:prstGeom prst="leftRightArrow">
-            <a:avLst/>
-          </a:prstGeom>
-        </p:spPr>
-        <p:style>
-          <a:lnRef idx="2">
-            <a:schemeClr val="accent1">
-              <a:shade val="50000"/>
-            </a:schemeClr>
-          </a:lnRef>
-          <a:fillRef idx="1">
-            <a:schemeClr val="accent1"/>
-          </a:fillRef>
-          <a:effectRef idx="0">
-            <a:schemeClr val="accent1"/>
-          </a:effectRef>
-          <a:fontRef idx="minor">
-            <a:schemeClr val="lt1"/>
-          </a:fontRef>
-        </p:style>
-        <p:txBody>
-          <a:bodyPr rtlCol="0" anchor="ctr"/>
-          <a:lstStyle/>
-          <a:p>
-            <a:pPr algn="ctr"/>
-            <a:endParaRPr lang="en-US"/>
-          </a:p>
-        </p:txBody>
-      </p:sp>
-    </p:spTree>
-  </p:cSld>
-  <p:clrMapOvr>
-    <a:masterClrMapping/>
-  </p:clrMapOvr>
-  <p:timing>
-    <p:tnLst>
-      <p:par>
-        <p:cTn id="1" dur="indefinite" restart="never" nodeType="tmRoot"/>
-      </p:par>
-    </p:tnLst>
-  </p:timing>
-</p:sld>
-</file>
-
-<file path=ppt/slides/slide5.xml><?xml version="1.0" encoding="utf-8"?>
-<p:sld xmlns:a="http://schemas.openxmlformats.org/drawingml/2006/main" xmlns:r="http://schemas.openxmlformats.org/officeDocument/2006/relationships" xmlns:p="http://schemas.openxmlformats.org/presentationml/2006/main">
-  <p:cSld>
-    <p:spTree>
-      <p:nvGrpSpPr>
-        <p:cNvPr id="1" name=""/>
-        <p:cNvGrpSpPr/>
-        <p:nvPr/>
-      </p:nvGrpSpPr>
-      <p:grpSpPr>
-        <a:xfrm>
-          <a:off x="0" y="0"/>
-          <a:ext cx="0" cy="0"/>
-          <a:chOff x="0" y="0"/>
-          <a:chExt cx="0" cy="0"/>
-        </a:xfrm>
-      </p:grpSpPr>
-      <p:sp>
-        <p:nvSpPr>
-          <p:cNvPr id="9" name="Title 8"/>
-          <p:cNvSpPr>
-            <a:spLocks noGrp="1"/>
-          </p:cNvSpPr>
-          <p:nvPr>
-            <p:ph type="title"/>
-          </p:nvPr>
-        </p:nvSpPr>
-        <p:spPr/>
-        <p:txBody>
-          <a:bodyPr>
-            <a:normAutofit fontScale="90000"/>
-          </a:bodyPr>
-          <a:lstStyle/>
-          <a:p>
-            <a:r>
-              <a:rPr lang="en-US" dirty="0" smtClean="0"/>
-              <a:t>Sequence for Collecting Trace data with Instrumentation (RPT-ARM)</a:t>
-            </a:r>
-            <a:endParaRPr lang="en-US" dirty="0"/>
-          </a:p>
-        </p:txBody>
-      </p:sp>
-      <p:sp>
-        <p:nvSpPr>
-          <p:cNvPr id="10" name="Text Placeholder 9"/>
-          <p:cNvSpPr>
-            <a:spLocks noGrp="1"/>
-          </p:cNvSpPr>
-          <p:nvPr>
-            <p:ph type="body" idx="1"/>
-          </p:nvPr>
-        </p:nvSpPr>
-        <p:spPr/>
-        <p:txBody>
-          <a:bodyPr/>
-          <a:lstStyle/>
-          <a:p>
-            <a:r>
-              <a:rPr lang="en-US" dirty="0" smtClean="0"/>
-              <a:t>Client</a:t>
-            </a:r>
-            <a:endParaRPr lang="en-US" dirty="0"/>
-          </a:p>
-        </p:txBody>
-      </p:sp>
-      <p:sp>
-        <p:nvSpPr>
-          <p:cNvPr id="11" name="Content Placeholder 10"/>
-          <p:cNvSpPr>
-            <a:spLocks noGrp="1"/>
-          </p:cNvSpPr>
-          <p:nvPr>
-            <p:ph sz="half" idx="2"/>
-          </p:nvPr>
-        </p:nvSpPr>
-        <p:spPr>
-          <a:xfrm>
-            <a:off x="457200" y="3657600"/>
-            <a:ext cx="3657600" cy="1142999"/>
-          </a:xfrm>
-        </p:spPr>
-        <p:txBody>
-          <a:bodyPr>
-            <a:normAutofit fontScale="92500" lnSpcReduction="10000"/>
-          </a:bodyPr>
-          <a:lstStyle/>
-          <a:p>
-            <a:pPr>
-              <a:buNone/>
-            </a:pPr>
-            <a:r>
-              <a:rPr lang="en-US" sz="1800" dirty="0" smtClean="0"/>
-              <a:t>4. Start DCI</a:t>
-            </a:r>
-          </a:p>
-          <a:p>
-            <a:pPr>
-              <a:buNone/>
-            </a:pPr>
-            <a:r>
-              <a:rPr lang="en-US" sz="1800" dirty="0" smtClean="0"/>
-              <a:t>5. Start RPTv8.0</a:t>
-            </a:r>
-          </a:p>
-          <a:p>
-            <a:pPr>
-              <a:buNone/>
-            </a:pPr>
-            <a:r>
-              <a:rPr lang="en-US" sz="1800" dirty="0" smtClean="0"/>
-              <a:t>6. Start Recording and Launching Test/Schedule via RPT</a:t>
-            </a:r>
-            <a:endParaRPr lang="en-US" sz="1800" dirty="0"/>
-          </a:p>
-        </p:txBody>
-      </p:sp>
-      <p:sp>
-        <p:nvSpPr>
-          <p:cNvPr id="12" name="Text Placeholder 11"/>
-          <p:cNvSpPr>
-            <a:spLocks noGrp="1"/>
-          </p:cNvSpPr>
-          <p:nvPr>
-            <p:ph type="body" sz="quarter" idx="3"/>
-          </p:nvPr>
-        </p:nvSpPr>
-        <p:spPr>
-          <a:xfrm>
-            <a:off x="4343401" y="1535113"/>
-            <a:ext cx="4343400" cy="639762"/>
-          </a:xfrm>
-        </p:spPr>
-        <p:txBody>
-          <a:bodyPr/>
-          <a:lstStyle/>
-          <a:p>
-            <a:r>
-              <a:rPr lang="en-US" dirty="0" smtClean="0"/>
-              <a:t>Server</a:t>
-            </a:r>
-            <a:endParaRPr lang="en-US" dirty="0"/>
-          </a:p>
-        </p:txBody>
-      </p:sp>
-      <p:sp>
-        <p:nvSpPr>
-          <p:cNvPr id="13" name="Content Placeholder 12"/>
-          <p:cNvSpPr>
-            <a:spLocks noGrp="1"/>
-          </p:cNvSpPr>
-          <p:nvPr>
-            <p:ph sz="quarter" idx="4"/>
-          </p:nvPr>
-        </p:nvSpPr>
-        <p:spPr>
-          <a:xfrm>
-            <a:off x="4267201" y="2286000"/>
-            <a:ext cx="4419600" cy="3840162"/>
-          </a:xfrm>
-        </p:spPr>
-        <p:txBody>
-          <a:bodyPr>
-            <a:normAutofit/>
-          </a:bodyPr>
-          <a:lstStyle/>
-          <a:p>
-            <a:pPr marL="231775" indent="-231775"/>
-            <a:r>
-              <a:rPr lang="en-US" sz="1800" dirty="0" smtClean="0">
-                <a:latin typeface="Courier New" pitchFamily="49" charset="0"/>
-                <a:cs typeface="Courier New" pitchFamily="49" charset="0"/>
-              </a:rPr>
-              <a:t>#/root/</a:t>
-            </a:r>
-            <a:r>
-              <a:rPr lang="en-US" sz="1800" dirty="0" err="1" smtClean="0">
-                <a:latin typeface="Courier New" pitchFamily="49" charset="0"/>
-                <a:cs typeface="Courier New" pitchFamily="49" charset="0"/>
-              </a:rPr>
-              <a:t>perftest/startARM.sh</a:t>
-            </a:r>
-            <a:endParaRPr lang="en-US" sz="1800" dirty="0" smtClean="0">
-              <a:latin typeface="Courier New" pitchFamily="49" charset="0"/>
-              <a:cs typeface="Courier New" pitchFamily="49" charset="0"/>
-            </a:endParaRPr>
-          </a:p>
-          <a:p>
-            <a:pPr marL="466725" lvl="1" indent="-234950">
-              <a:buAutoNum type="arabicPeriod"/>
-            </a:pPr>
-            <a:r>
-              <a:rPr lang="en-US" sz="1400" dirty="0" smtClean="0"/>
-              <a:t>Start Rational Agent Controller (RAC)</a:t>
-            </a:r>
-          </a:p>
-          <a:p>
-            <a:pPr marL="687388" lvl="2" indent="-234950"/>
-            <a:r>
-              <a:rPr lang="en-US" sz="1200" dirty="0" smtClean="0"/>
-              <a:t>Note: RAC should be running prior to DCI</a:t>
-            </a:r>
-          </a:p>
-          <a:p>
-            <a:pPr marL="466725" lvl="1" indent="-234950">
-              <a:buAutoNum type="arabicPeriod"/>
-            </a:pPr>
-            <a:r>
-              <a:rPr lang="en-US" sz="1400" dirty="0" smtClean="0"/>
-              <a:t>Start Data Collection Infrastructure (DCI)</a:t>
-            </a:r>
-          </a:p>
-          <a:p>
-            <a:pPr marL="677863" lvl="2" indent="-234950"/>
-            <a:r>
-              <a:rPr lang="en-US" sz="1200" dirty="0" smtClean="0"/>
-              <a:t>Note: DCI should be running prior to WSAS</a:t>
-            </a:r>
-          </a:p>
-          <a:p>
-            <a:pPr marL="466725" lvl="1" indent="-234950">
-              <a:buFont typeface="Wingdings" pitchFamily="2" charset="2"/>
-              <a:buAutoNum type="arabicPeriod"/>
-            </a:pPr>
-            <a:r>
-              <a:rPr lang="en-US" sz="1400" dirty="0" smtClean="0"/>
-              <a:t>Start WebSphere Application Server (WSAS)</a:t>
-            </a:r>
-          </a:p>
-          <a:p>
-            <a:pPr marL="457200" indent="-457200">
-              <a:buAutoNum type="arabicPeriod"/>
-            </a:pPr>
-            <a:endParaRPr lang="en-US" sz="1800" dirty="0"/>
-          </a:p>
-        </p:txBody>
-      </p:sp>
-      <p:sp>
-        <p:nvSpPr>
-          <p:cNvPr id="16" name="Rounded Rectangular Callout 15"/>
-          <p:cNvSpPr/>
-          <p:nvPr/>
-        </p:nvSpPr>
-        <p:spPr>
-          <a:xfrm>
-            <a:off x="914400" y="5791200"/>
-            <a:ext cx="7315200" cy="457200"/>
-          </a:xfrm>
-          <a:prstGeom prst="wedgeRoundRectCallout">
-            <a:avLst>
-              <a:gd name="adj1" fmla="val -32721"/>
-              <a:gd name="adj2" fmla="val -49935"/>
-              <a:gd name="adj3" fmla="val 16667"/>
-            </a:avLst>
-          </a:prstGeom>
-          <a:solidFill>
-            <a:srgbClr val="FFC000"/>
-          </a:solidFill>
-        </p:spPr>
-        <p:style>
-          <a:lnRef idx="2">
-            <a:schemeClr val="accent1">
-              <a:shade val="50000"/>
-            </a:schemeClr>
-          </a:lnRef>
-          <a:fillRef idx="1">
-            <a:schemeClr val="accent1"/>
-          </a:fillRef>
-          <a:effectRef idx="0">
-            <a:schemeClr val="accent1"/>
-          </a:effectRef>
-          <a:fontRef idx="minor">
-            <a:schemeClr val="lt1"/>
-          </a:fontRef>
-        </p:style>
-        <p:txBody>
-          <a:bodyPr rtlCol="0" anchor="ctr"/>
-          <a:lstStyle/>
-          <a:p>
-            <a:r>
-              <a:rPr lang="en-US" dirty="0" smtClean="0">
-                <a:solidFill>
-                  <a:srgbClr val="FF0000"/>
-                </a:solidFill>
-              </a:rPr>
-              <a:t>Note:  This task should be always done whenever the server/client reboots.</a:t>
-            </a:r>
-            <a:endParaRPr lang="en-US" dirty="0">
-              <a:solidFill>
-                <a:srgbClr val="FF0000"/>
-              </a:solidFill>
-            </a:endParaRPr>
-          </a:p>
-        </p:txBody>
-      </p:sp>
-      <p:pic>
-        <p:nvPicPr>
-          <p:cNvPr id="17" name="Picture 2" descr="C:\Documents and Settings\Yoonki\Local Settings\Temporary Internet Files\Content.IE5\3JR7YVV4\j0432599[1].png"/>
-          <p:cNvPicPr>
-            <a:picLocks noChangeAspect="1" noChangeArrowheads="1"/>
-          </p:cNvPicPr>
-          <p:nvPr/>
-        </p:nvPicPr>
-        <p:blipFill>
-          <a:blip r:embed="rId3" cstate="print"/>
-          <a:srcRect/>
-          <a:stretch>
-            <a:fillRect/>
-          </a:stretch>
-        </p:blipFill>
-        <p:spPr bwMode="auto">
-          <a:xfrm>
-            <a:off x="1752600" y="4876800"/>
-            <a:ext cx="990600" cy="990600"/>
-          </a:xfrm>
-          <a:prstGeom prst="rect">
-            <a:avLst/>
-          </a:prstGeom>
-          <a:noFill/>
-        </p:spPr>
-      </p:pic>
-      <p:sp>
-        <p:nvSpPr>
-          <p:cNvPr id="19" name="Rounded Rectangular Callout 18"/>
-          <p:cNvSpPr/>
-          <p:nvPr/>
-        </p:nvSpPr>
-        <p:spPr>
-          <a:xfrm>
-            <a:off x="2667000" y="5105400"/>
-            <a:ext cx="1676400" cy="457200"/>
-          </a:xfrm>
-          <a:prstGeom prst="wedgeRoundRectCallout">
-            <a:avLst>
-              <a:gd name="adj1" fmla="val -55102"/>
-              <a:gd name="adj2" fmla="val 3436"/>
-              <a:gd name="adj3" fmla="val 16667"/>
-            </a:avLst>
-          </a:prstGeom>
-          <a:solidFill>
-            <a:schemeClr val="bg1"/>
-          </a:solidFill>
-        </p:spPr>
-        <p:style>
-          <a:lnRef idx="2">
-            <a:schemeClr val="accent1">
-              <a:shade val="50000"/>
-            </a:schemeClr>
-          </a:lnRef>
-          <a:fillRef idx="1">
-            <a:schemeClr val="accent1"/>
-          </a:fillRef>
-          <a:effectRef idx="0">
-            <a:schemeClr val="accent1"/>
-          </a:effectRef>
-          <a:fontRef idx="minor">
-            <a:schemeClr val="lt1"/>
-          </a:fontRef>
-        </p:style>
-        <p:txBody>
-          <a:bodyPr rtlCol="0" anchor="ctr"/>
-          <a:lstStyle/>
-          <a:p>
-            <a:pPr algn="ctr"/>
-            <a:r>
-              <a:rPr lang="en-US" dirty="0" smtClean="0">
-                <a:solidFill>
-                  <a:schemeClr val="accent6">
-                    <a:lumMod val="50000"/>
-                  </a:schemeClr>
-                </a:solidFill>
-              </a:rPr>
-              <a:t>Trace data (A)</a:t>
-            </a:r>
-            <a:endParaRPr lang="en-US" dirty="0">
-              <a:solidFill>
-                <a:schemeClr val="accent6">
-                  <a:lumMod val="50000"/>
-                </a:schemeClr>
-              </a:solidFill>
-            </a:endParaRPr>
-          </a:p>
-        </p:txBody>
-      </p:sp>
-    </p:spTree>
-  </p:cSld>
-  <p:clrMapOvr>
-    <a:masterClrMapping/>
-  </p:clrMapOvr>
-  <p:timing>
-    <p:tnLst>
-      <p:par>
-        <p:cTn id="1" dur="indefinite" restart="never" nodeType="tmRoot"/>
-      </p:par>
-    </p:tnLst>
-  </p:timing>
-</p:sld>
-</file>
-
-<file path=ppt/slides/slide6.xml><?xml version="1.0" encoding="utf-8"?>
-<p:sld xmlns:a="http://schemas.openxmlformats.org/drawingml/2006/main" xmlns:r="http://schemas.openxmlformats.org/officeDocument/2006/relationships" xmlns:p="http://schemas.openxmlformats.org/presentationml/2006/main">
-  <p:cSld>
-    <p:spTree>
-      <p:nvGrpSpPr>
-        <p:cNvPr id="1" name=""/>
-        <p:cNvGrpSpPr/>
-        <p:nvPr/>
-      </p:nvGrpSpPr>
-      <p:grpSpPr>
-        <a:xfrm>
-          <a:off x="0" y="0"/>
-          <a:ext cx="0" cy="0"/>
-          <a:chOff x="0" y="0"/>
-          <a:chExt cx="0" cy="0"/>
-        </a:xfrm>
-      </p:grpSpPr>
-      <p:sp>
-        <p:nvSpPr>
-          <p:cNvPr id="4" name="Title 3"/>
-          <p:cNvSpPr>
-            <a:spLocks noGrp="1"/>
-          </p:cNvSpPr>
-          <p:nvPr>
-            <p:ph type="title"/>
-          </p:nvPr>
-        </p:nvSpPr>
-        <p:spPr/>
-        <p:txBody>
-          <a:bodyPr/>
-          <a:lstStyle/>
-          <a:p>
-            <a:r>
-              <a:rPr lang="en-US" dirty="0" smtClean="0"/>
-              <a:t>Instrumentation</a:t>
-            </a:r>
-            <a:endParaRPr lang="en-US" dirty="0"/>
-          </a:p>
-        </p:txBody>
-      </p:sp>
-      <p:sp>
-        <p:nvSpPr>
-          <p:cNvPr id="5" name="Text Placeholder 4"/>
-          <p:cNvSpPr>
-            <a:spLocks noGrp="1"/>
-          </p:cNvSpPr>
-          <p:nvPr>
-            <p:ph type="body" idx="1"/>
-          </p:nvPr>
-        </p:nvSpPr>
-        <p:spPr/>
-        <p:txBody>
-          <a:bodyPr/>
-          <a:lstStyle/>
-          <a:p>
-            <a:endParaRPr lang="en-US"/>
-          </a:p>
-        </p:txBody>
-      </p:sp>
-    </p:spTree>
-  </p:cSld>
-  <p:clrMapOvr>
-    <a:masterClrMapping/>
-  </p:clrMapOvr>
-  <p:timing>
-    <p:tnLst>
-      <p:par>
-        <p:cTn id="1" dur="indefinite" restart="never" nodeType="tmRoot"/>
-      </p:par>
-    </p:tnLst>
-  </p:timing>
-</p:sld>
-</file>
-
-<file path=ppt/slides/slide7.xml><?xml version="1.0" encoding="utf-8"?>
-<p:sld xmlns:a="http://schemas.openxmlformats.org/drawingml/2006/main" xmlns:r="http://schemas.openxmlformats.org/officeDocument/2006/relationships" xmlns:p="http://schemas.openxmlformats.org/presentationml/2006/main">
-  <p:cSld>
-    <p:spTree>
-      <p:nvGrpSpPr>
-        <p:cNvPr id="1" name=""/>
-        <p:cNvGrpSpPr/>
-        <p:nvPr/>
-      </p:nvGrpSpPr>
-      <p:grpSpPr>
-        <a:xfrm>
-          <a:off x="0" y="0"/>
-          <a:ext cx="0" cy="0"/>
-          <a:chOff x="0" y="0"/>
-          <a:chExt cx="0" cy="0"/>
-        </a:xfrm>
-      </p:grpSpPr>
-      <p:sp>
-        <p:nvSpPr>
-          <p:cNvPr id="4" name="Title 3"/>
-          <p:cNvSpPr>
-            <a:spLocks noGrp="1"/>
-          </p:cNvSpPr>
-          <p:nvPr>
-            <p:ph type="title"/>
-          </p:nvPr>
-        </p:nvSpPr>
-        <p:spPr/>
-        <p:txBody>
-          <a:bodyPr>
-            <a:normAutofit fontScale="90000"/>
-          </a:bodyPr>
-          <a:lstStyle/>
-          <a:p>
-            <a:r>
-              <a:rPr lang="en-US" dirty="0" smtClean="0"/>
-              <a:t>Using the Java Profiler with JVM 1.4 (or lower)</a:t>
-            </a:r>
-            <a:endParaRPr lang="en-US" dirty="0"/>
-          </a:p>
-        </p:txBody>
-      </p:sp>
-      <p:sp>
-        <p:nvSpPr>
-          <p:cNvPr id="5" name="Content Placeholder 4"/>
-          <p:cNvSpPr>
-            <a:spLocks noGrp="1"/>
-          </p:cNvSpPr>
-          <p:nvPr>
-            <p:ph idx="1"/>
-          </p:nvPr>
-        </p:nvSpPr>
-        <p:spPr/>
-        <p:txBody>
-          <a:bodyPr/>
-          <a:lstStyle/>
-          <a:p>
-            <a:pPr marL="514350" indent="-514350">
-              <a:buFont typeface="+mj-lt"/>
-              <a:buAutoNum type="arabicPeriod"/>
-            </a:pPr>
-            <a:r>
-              <a:rPr lang="en-US" dirty="0" smtClean="0"/>
-              <a:t>Go to &lt;profile root&gt;/</a:t>
-            </a:r>
-            <a:r>
-              <a:rPr lang="en-US" dirty="0" err="1" smtClean="0"/>
-              <a:t>config</a:t>
-            </a:r>
-            <a:r>
-              <a:rPr lang="en-US" dirty="0" smtClean="0"/>
-              <a:t>/cells/&lt;</a:t>
-            </a:r>
-            <a:r>
-              <a:rPr lang="en-US" dirty="0" err="1" smtClean="0"/>
-              <a:t>nodename</a:t>
-            </a:r>
-            <a:r>
-              <a:rPr lang="en-US" dirty="0" smtClean="0"/>
-              <a:t>&gt;Cell/nodes/&lt;</a:t>
-            </a:r>
-            <a:r>
-              <a:rPr lang="en-US" dirty="0" err="1" smtClean="0"/>
-              <a:t>nodename</a:t>
-            </a:r>
-            <a:r>
-              <a:rPr lang="en-US" dirty="0" smtClean="0"/>
-              <a:t>&gt;/servers/server1</a:t>
-            </a:r>
-          </a:p>
-          <a:p>
-            <a:pPr marL="514350" indent="-514350">
-              <a:buFont typeface="+mj-lt"/>
-              <a:buAutoNum type="arabicPeriod"/>
-            </a:pPr>
-            <a:r>
-              <a:rPr lang="en-US" dirty="0" smtClean="0"/>
-              <a:t>Edit the </a:t>
-            </a:r>
-            <a:r>
-              <a:rPr lang="en-US" dirty="0" err="1" smtClean="0">
-                <a:solidFill>
-                  <a:srgbClr val="00B0F0"/>
-                </a:solidFill>
-              </a:rPr>
-              <a:t>jvmEntries</a:t>
-            </a:r>
-            <a:r>
-              <a:rPr lang="en-US" dirty="0" smtClean="0"/>
-              <a:t> element in the </a:t>
-            </a:r>
-            <a:r>
-              <a:rPr lang="en-US" dirty="0" smtClean="0">
-                <a:solidFill>
-                  <a:schemeClr val="tx2">
-                    <a:lumMod val="60000"/>
-                    <a:lumOff val="40000"/>
-                  </a:schemeClr>
-                </a:solidFill>
-              </a:rPr>
-              <a:t>server.xml</a:t>
-            </a:r>
-            <a:r>
-              <a:rPr lang="en-US" dirty="0" smtClean="0"/>
-              <a:t> Specifically, append </a:t>
-            </a:r>
-            <a:r>
-              <a:rPr lang="en-US" dirty="0" smtClean="0">
-                <a:solidFill>
-                  <a:srgbClr val="00B0F0"/>
-                </a:solidFill>
-              </a:rPr>
-              <a:t>–</a:t>
-            </a:r>
-            <a:r>
-              <a:rPr lang="en-US" dirty="0" err="1" smtClean="0">
-                <a:solidFill>
-                  <a:srgbClr val="00B0F0"/>
-                </a:solidFill>
-              </a:rPr>
-              <a:t>XrunpiAgent:server</a:t>
-            </a:r>
-            <a:r>
-              <a:rPr lang="en-US" dirty="0" smtClean="0">
-                <a:solidFill>
-                  <a:srgbClr val="00B0F0"/>
-                </a:solidFill>
-              </a:rPr>
-              <a:t>=enabled </a:t>
-            </a:r>
-            <a:r>
-              <a:rPr lang="en-US" dirty="0" smtClean="0"/>
-              <a:t>to the </a:t>
-            </a:r>
-            <a:r>
-              <a:rPr lang="en-US" dirty="0" err="1" smtClean="0">
-                <a:solidFill>
-                  <a:srgbClr val="00B0F0"/>
-                </a:solidFill>
-              </a:rPr>
-              <a:t>genericJvmArguments</a:t>
-            </a:r>
-            <a:r>
-              <a:rPr lang="en-US" dirty="0" smtClean="0"/>
-              <a:t> attribute value.</a:t>
-            </a:r>
-          </a:p>
-          <a:p>
-            <a:pPr marL="514350" indent="-514350">
-              <a:buFont typeface="+mj-lt"/>
-              <a:buAutoNum type="arabicPeriod"/>
-            </a:pPr>
-            <a:r>
-              <a:rPr lang="en-US" dirty="0" smtClean="0"/>
-              <a:t>Restart WSAS</a:t>
-            </a:r>
-            <a:endParaRPr lang="en-US" dirty="0"/>
-          </a:p>
-        </p:txBody>
-      </p:sp>
-    </p:spTree>
-  </p:cSld>
-  <p:clrMapOvr>
-    <a:masterClrMapping/>
-  </p:clrMapOvr>
-  <p:timing>
-    <p:tnLst>
-      <p:par>
-        <p:cTn id="1" dur="indefinite" restart="never" nodeType="tmRoot"/>
-      </p:par>
-    </p:tnLst>
-  </p:timing>
-</p:sld>
-</file>
-
-<file path=ppt/slides/slide8.xml><?xml version="1.0" encoding="utf-8"?>
-<p:sld xmlns:a="http://schemas.openxmlformats.org/drawingml/2006/main" xmlns:r="http://schemas.openxmlformats.org/officeDocument/2006/relationships" xmlns:p="http://schemas.openxmlformats.org/presentationml/2006/main">
-  <p:cSld>
-    <p:spTree>
-      <p:nvGrpSpPr>
-        <p:cNvPr id="1" name=""/>
-        <p:cNvGrpSpPr/>
-        <p:nvPr/>
-      </p:nvGrpSpPr>
-      <p:grpSpPr>
-        <a:xfrm>
-          <a:off x="0" y="0"/>
-          <a:ext cx="0" cy="0"/>
-          <a:chOff x="0" y="0"/>
-          <a:chExt cx="0" cy="0"/>
-        </a:xfrm>
-      </p:grpSpPr>
-      <p:sp>
-        <p:nvSpPr>
-          <p:cNvPr id="2" name="Title 1"/>
-          <p:cNvSpPr>
-            <a:spLocks noGrp="1"/>
-          </p:cNvSpPr>
-          <p:nvPr>
-            <p:ph type="title"/>
-          </p:nvPr>
-        </p:nvSpPr>
-        <p:spPr/>
-        <p:txBody>
-          <a:bodyPr/>
-          <a:lstStyle/>
-          <a:p>
-            <a:r>
-              <a:rPr lang="en-US" dirty="0" smtClean="0"/>
-              <a:t>Instrumentation Steps</a:t>
-            </a:r>
-            <a:endParaRPr lang="en-US" dirty="0"/>
-          </a:p>
-        </p:txBody>
-      </p:sp>
-      <p:sp>
-        <p:nvSpPr>
-          <p:cNvPr id="3" name="Content Placeholder 2"/>
-          <p:cNvSpPr>
-            <a:spLocks noGrp="1"/>
-          </p:cNvSpPr>
-          <p:nvPr>
-            <p:ph idx="1"/>
-          </p:nvPr>
-        </p:nvSpPr>
-        <p:spPr/>
-        <p:txBody>
-          <a:bodyPr/>
-          <a:lstStyle/>
-          <a:p>
-            <a:pPr marL="514350" lvl="0" indent="-514350">
-              <a:defRPr/>
-            </a:pPr>
-            <a:r>
-              <a:rPr lang="en-US" dirty="0" smtClean="0">
-                <a:latin typeface="Courier New" pitchFamily="49" charset="0"/>
-                <a:cs typeface="Courier New" pitchFamily="49" charset="0"/>
-              </a:rPr>
-              <a:t># /root/</a:t>
-            </a:r>
-            <a:r>
-              <a:rPr lang="en-US" dirty="0" err="1" smtClean="0">
-                <a:latin typeface="Courier New" pitchFamily="49" charset="0"/>
-                <a:cs typeface="Courier New" pitchFamily="49" charset="0"/>
-              </a:rPr>
-              <a:t>perftest/gotoARM.sh</a:t>
-            </a:r>
-            <a:endParaRPr lang="en-US" dirty="0" smtClean="0">
-              <a:latin typeface="Courier New" pitchFamily="49" charset="0"/>
-              <a:cs typeface="Courier New" pitchFamily="49" charset="0"/>
-            </a:endParaRPr>
-          </a:p>
-          <a:p>
-            <a:pPr marL="914400" lvl="1" indent="-514350">
-              <a:buFont typeface="+mj-lt"/>
-              <a:buAutoNum type="arabicPeriod"/>
-              <a:defRPr/>
-            </a:pPr>
-            <a:r>
-              <a:rPr lang="en-US" dirty="0" smtClean="0"/>
-              <a:t>Start WebSphere Application Server (WSAS)</a:t>
-            </a:r>
-          </a:p>
-          <a:p>
-            <a:pPr marL="1314450" lvl="2" indent="-514350">
-              <a:defRPr/>
-            </a:pPr>
-            <a:r>
-              <a:rPr lang="en-US" dirty="0" smtClean="0"/>
-              <a:t>Note: WSAS should be running before applications are instrumented.</a:t>
-            </a:r>
-          </a:p>
-          <a:p>
-            <a:pPr marL="914400" lvl="1" indent="-514350">
-              <a:buFont typeface="+mj-lt"/>
-              <a:buAutoNum type="arabicPeriod"/>
-              <a:defRPr/>
-            </a:pPr>
-            <a:r>
-              <a:rPr lang="en-US" dirty="0" smtClean="0"/>
-              <a:t>Start Instrumentation</a:t>
-            </a:r>
-          </a:p>
-          <a:p>
-            <a:pPr marL="914400" lvl="1" indent="-514350">
-              <a:buFont typeface="+mj-lt"/>
-              <a:buAutoNum type="arabicPeriod"/>
-              <a:defRPr/>
-            </a:pPr>
-            <a:r>
-              <a:rPr lang="en-US" dirty="0" smtClean="0"/>
-              <a:t>Restart the server</a:t>
-            </a:r>
-            <a:endParaRPr lang="en-US" dirty="0"/>
-          </a:p>
-        </p:txBody>
-      </p:sp>
-      <p:sp>
-        <p:nvSpPr>
-          <p:cNvPr id="4" name="Rounded Rectangular Callout 3"/>
-          <p:cNvSpPr/>
-          <p:nvPr/>
-        </p:nvSpPr>
-        <p:spPr>
-          <a:xfrm>
-            <a:off x="914400" y="5791200"/>
-            <a:ext cx="7315200" cy="457200"/>
-          </a:xfrm>
-          <a:prstGeom prst="wedgeRoundRectCallout">
-            <a:avLst>
-              <a:gd name="adj1" fmla="val -32721"/>
-              <a:gd name="adj2" fmla="val -49935"/>
-              <a:gd name="adj3" fmla="val 16667"/>
-            </a:avLst>
-          </a:prstGeom>
-          <a:solidFill>
-            <a:srgbClr val="FFC000"/>
-          </a:solidFill>
-        </p:spPr>
-        <p:style>
-          <a:lnRef idx="2">
-            <a:schemeClr val="accent1">
-              <a:shade val="50000"/>
-            </a:schemeClr>
-          </a:lnRef>
-          <a:fillRef idx="1">
-            <a:schemeClr val="accent1"/>
-          </a:fillRef>
-          <a:effectRef idx="0">
-            <a:schemeClr val="accent1"/>
-          </a:effectRef>
-          <a:fontRef idx="minor">
-            <a:schemeClr val="lt1"/>
-          </a:fontRef>
-        </p:style>
-        <p:txBody>
-          <a:bodyPr rtlCol="0" anchor="ctr"/>
-          <a:lstStyle/>
-          <a:p>
-            <a:r>
-              <a:rPr lang="en-US" dirty="0" smtClean="0">
-                <a:solidFill>
-                  <a:srgbClr val="FF0000"/>
-                </a:solidFill>
-              </a:rPr>
-              <a:t>Note:  This task should be done only once.</a:t>
-            </a:r>
-            <a:endParaRPr lang="en-US" dirty="0">
-              <a:solidFill>
-                <a:srgbClr val="FF0000"/>
-              </a:solidFill>
-            </a:endParaRPr>
-          </a:p>
-        </p:txBody>
-      </p:sp>
-    </p:spTree>
-  </p:cSld>
-  <p:clrMapOvr>
-    <a:masterClrMapping/>
-  </p:clrMapOvr>
-  <p:timing>
-    <p:tnLst>
-      <p:par>
-        <p:cTn id="1" dur="indefinite" restart="never" nodeType="tmRoot"/>
-      </p:par>
-    </p:tnLst>
-  </p:timing>
-</p:sld>
-</file>
-
-<file path=ppt/slides/slide9.xml><?xml version="1.0" encoding="utf-8"?>
+<file path=ppt/slides/slide30.xml><?xml version="1.0" encoding="utf-8"?>
 <p:sld xmlns:a="http://schemas.openxmlformats.org/drawingml/2006/main" xmlns:r="http://schemas.openxmlformats.org/officeDocument/2006/relationships" xmlns:p="http://schemas.openxmlformats.org/presentationml/2006/main">
   <p:cSld>
     <p:spTree>
@@ -7901,6 +6921,3480 @@
           </a:graphicData>
         </a:graphic>
       </p:graphicFrame>
+    </p:spTree>
+  </p:cSld>
+  <p:clrMapOvr>
+    <a:masterClrMapping/>
+  </p:clrMapOvr>
+</p:sld>
+</file>
+
+<file path=ppt/slides/slide31.xml><?xml version="1.0" encoding="utf-8"?>
+<p:sld xmlns:a="http://schemas.openxmlformats.org/drawingml/2006/main" xmlns:r="http://schemas.openxmlformats.org/officeDocument/2006/relationships" xmlns:p="http://schemas.openxmlformats.org/presentationml/2006/main">
+  <p:cSld>
+    <p:spTree>
+      <p:nvGrpSpPr>
+        <p:cNvPr id="1" name=""/>
+        <p:cNvGrpSpPr/>
+        <p:nvPr/>
+      </p:nvGrpSpPr>
+      <p:grpSpPr>
+        <a:xfrm>
+          <a:off x="0" y="0"/>
+          <a:ext cx="0" cy="0"/>
+          <a:chOff x="0" y="0"/>
+          <a:chExt cx="0" cy="0"/>
+        </a:xfrm>
+      </p:grpSpPr>
+      <p:sp>
+        <p:nvSpPr>
+          <p:cNvPr id="2" name="Title 1"/>
+          <p:cNvSpPr>
+            <a:spLocks noGrp="1"/>
+          </p:cNvSpPr>
+          <p:nvPr>
+            <p:ph type="title"/>
+          </p:nvPr>
+        </p:nvSpPr>
+        <p:spPr/>
+        <p:txBody>
+          <a:bodyPr/>
+          <a:lstStyle/>
+          <a:p>
+            <a:endParaRPr lang="en-US"/>
+          </a:p>
+        </p:txBody>
+      </p:sp>
+      <p:sp>
+        <p:nvSpPr>
+          <p:cNvPr id="3" name="Content Placeholder 2"/>
+          <p:cNvSpPr>
+            <a:spLocks noGrp="1"/>
+          </p:cNvSpPr>
+          <p:nvPr>
+            <p:ph idx="1"/>
+          </p:nvPr>
+        </p:nvSpPr>
+        <p:spPr/>
+        <p:txBody>
+          <a:bodyPr/>
+          <a:lstStyle/>
+          <a:p>
+            <a:endParaRPr lang="en-US"/>
+          </a:p>
+        </p:txBody>
+      </p:sp>
+    </p:spTree>
+  </p:cSld>
+  <p:clrMapOvr>
+    <a:masterClrMapping/>
+  </p:clrMapOvr>
+</p:sld>
+</file>
+
+<file path=ppt/slides/slide32.xml><?xml version="1.0" encoding="utf-8"?>
+<p:sld xmlns:a="http://schemas.openxmlformats.org/drawingml/2006/main" xmlns:r="http://schemas.openxmlformats.org/officeDocument/2006/relationships" xmlns:p="http://schemas.openxmlformats.org/presentationml/2006/main">
+  <p:cSld>
+    <p:spTree>
+      <p:nvGrpSpPr>
+        <p:cNvPr id="1" name=""/>
+        <p:cNvGrpSpPr/>
+        <p:nvPr/>
+      </p:nvGrpSpPr>
+      <p:grpSpPr>
+        <a:xfrm>
+          <a:off x="0" y="0"/>
+          <a:ext cx="0" cy="0"/>
+          <a:chOff x="0" y="0"/>
+          <a:chExt cx="0" cy="0"/>
+        </a:xfrm>
+      </p:grpSpPr>
+      <p:sp>
+        <p:nvSpPr>
+          <p:cNvPr id="2" name="Title 1"/>
+          <p:cNvSpPr>
+            <a:spLocks noGrp="1"/>
+          </p:cNvSpPr>
+          <p:nvPr>
+            <p:ph type="title"/>
+          </p:nvPr>
+        </p:nvSpPr>
+        <p:spPr/>
+        <p:txBody>
+          <a:bodyPr/>
+          <a:lstStyle/>
+          <a:p>
+            <a:r>
+              <a:rPr lang="en-US" dirty="0" smtClean="0"/>
+              <a:t>TestProj4</a:t>
+            </a:r>
+            <a:endParaRPr lang="en-US" dirty="0"/>
+          </a:p>
+        </p:txBody>
+      </p:sp>
+      <p:sp>
+        <p:nvSpPr>
+          <p:cNvPr id="3" name="Content Placeholder 2"/>
+          <p:cNvSpPr>
+            <a:spLocks noGrp="1"/>
+          </p:cNvSpPr>
+          <p:nvPr>
+            <p:ph idx="1"/>
+          </p:nvPr>
+        </p:nvSpPr>
+        <p:spPr/>
+        <p:txBody>
+          <a:bodyPr>
+            <a:normAutofit/>
+          </a:bodyPr>
+          <a:lstStyle/>
+          <a:p>
+            <a:r>
+              <a:rPr lang="en-US" dirty="0" smtClean="0"/>
+              <a:t>One performance test (test4)</a:t>
+            </a:r>
+          </a:p>
+          <a:p>
+            <a:r>
+              <a:rPr lang="en-US" dirty="0" smtClean="0"/>
+              <a:t>No test results</a:t>
+            </a:r>
+          </a:p>
+          <a:p>
+            <a:r>
+              <a:rPr lang="en-US" dirty="0" smtClean="0"/>
+              <a:t>D:\Dev\WorkspaceRPT\TestProj4</a:t>
+            </a:r>
+          </a:p>
+          <a:p>
+            <a:pPr lvl="1"/>
+            <a:r>
+              <a:rPr lang="en-US" dirty="0" smtClean="0"/>
+              <a:t>Tests\test4.rec</a:t>
+            </a:r>
+          </a:p>
+          <a:p>
+            <a:pPr lvl="1"/>
+            <a:r>
+              <a:rPr lang="en-US" dirty="0" smtClean="0"/>
+              <a:t>Tests\test4.recmodel</a:t>
+            </a:r>
+          </a:p>
+          <a:p>
+            <a:pPr lvl="1"/>
+            <a:r>
+              <a:rPr lang="en-US" dirty="0" smtClean="0"/>
+              <a:t>Tests\test4.testsuite</a:t>
+            </a:r>
+          </a:p>
+          <a:p>
+            <a:endParaRPr lang="en-US" dirty="0" smtClean="0"/>
+          </a:p>
+          <a:p>
+            <a:pPr lvl="1"/>
+            <a:endParaRPr lang="en-US" dirty="0"/>
+          </a:p>
+        </p:txBody>
+      </p:sp>
+    </p:spTree>
+  </p:cSld>
+  <p:clrMapOvr>
+    <a:masterClrMapping/>
+  </p:clrMapOvr>
+</p:sld>
+</file>
+
+<file path=ppt/slides/slide33.xml><?xml version="1.0" encoding="utf-8"?>
+<p:sld xmlns:a="http://schemas.openxmlformats.org/drawingml/2006/main" xmlns:r="http://schemas.openxmlformats.org/officeDocument/2006/relationships" xmlns:p="http://schemas.openxmlformats.org/presentationml/2006/main">
+  <p:cSld>
+    <p:spTree>
+      <p:nvGrpSpPr>
+        <p:cNvPr id="1" name=""/>
+        <p:cNvGrpSpPr/>
+        <p:nvPr/>
+      </p:nvGrpSpPr>
+      <p:grpSpPr>
+        <a:xfrm>
+          <a:off x="0" y="0"/>
+          <a:ext cx="0" cy="0"/>
+          <a:chOff x="0" y="0"/>
+          <a:chExt cx="0" cy="0"/>
+        </a:xfrm>
+      </p:grpSpPr>
+      <p:sp>
+        <p:nvSpPr>
+          <p:cNvPr id="2" name="Title 1"/>
+          <p:cNvSpPr>
+            <a:spLocks noGrp="1"/>
+          </p:cNvSpPr>
+          <p:nvPr>
+            <p:ph type="title"/>
+          </p:nvPr>
+        </p:nvSpPr>
+        <p:spPr/>
+        <p:txBody>
+          <a:bodyPr/>
+          <a:lstStyle/>
+          <a:p>
+            <a:r>
+              <a:rPr lang="en-US" dirty="0" smtClean="0"/>
+              <a:t>TestProj4</a:t>
+            </a:r>
+            <a:endParaRPr lang="en-US" dirty="0"/>
+          </a:p>
+        </p:txBody>
+      </p:sp>
+      <p:sp>
+        <p:nvSpPr>
+          <p:cNvPr id="3" name="Content Placeholder 2"/>
+          <p:cNvSpPr>
+            <a:spLocks noGrp="1"/>
+          </p:cNvSpPr>
+          <p:nvPr>
+            <p:ph idx="1"/>
+          </p:nvPr>
+        </p:nvSpPr>
+        <p:spPr/>
+        <p:txBody>
+          <a:bodyPr>
+            <a:normAutofit fontScale="85000" lnSpcReduction="20000"/>
+          </a:bodyPr>
+          <a:lstStyle/>
+          <a:p>
+            <a:r>
+              <a:rPr lang="en-US" dirty="0" smtClean="0"/>
+              <a:t>No “Response time breakdown” option</a:t>
+            </a:r>
+          </a:p>
+          <a:p>
+            <a:pPr marL="971550" lvl="1" indent="-514350">
+              <a:buFont typeface="+mj-lt"/>
+              <a:buAutoNum type="arabicPeriod"/>
+            </a:pPr>
+            <a:r>
+              <a:rPr lang="en-US" dirty="0" smtClean="0"/>
+              <a:t>test4.executiondlr</a:t>
+            </a:r>
+          </a:p>
+          <a:p>
+            <a:pPr marL="971550" lvl="1" indent="-514350">
+              <a:buFont typeface="+mj-lt"/>
+              <a:buAutoNum type="arabicPeriod"/>
+            </a:pPr>
+            <a:r>
+              <a:rPr lang="en-US" dirty="0" smtClean="0"/>
+              <a:t>test4_1254968674765.trcmxmi</a:t>
+            </a:r>
+          </a:p>
+          <a:p>
+            <a:pPr marL="971550" lvl="1" indent="-514350">
+              <a:buFont typeface="+mj-lt"/>
+              <a:buAutoNum type="arabicPeriod"/>
+            </a:pPr>
+            <a:r>
+              <a:rPr lang="en-US" dirty="0" smtClean="0"/>
+              <a:t>test4_1254968674765_All_Hosts.trcnxmi</a:t>
+            </a:r>
+          </a:p>
+          <a:p>
+            <a:pPr marL="971550" lvl="1" indent="-514350">
+              <a:buFont typeface="+mj-lt"/>
+              <a:buAutoNum type="arabicPeriod"/>
+            </a:pPr>
+            <a:r>
+              <a:rPr lang="en-US" dirty="0" smtClean="0"/>
+              <a:t>test4_1254968674765_All_Hosts_XMLStatisticalDataProcessor.trcadlr</a:t>
+            </a:r>
+          </a:p>
+          <a:p>
+            <a:pPr marL="971550" lvl="1" indent="-514350">
+              <a:buFont typeface="+mj-lt"/>
+              <a:buAutoNum type="arabicPeriod"/>
+            </a:pPr>
+            <a:r>
+              <a:rPr lang="en-US" dirty="0" smtClean="0"/>
+              <a:t>test4_1254968674765_All_Hosts_XMLStatisticalDataProcessor.trcpxmi</a:t>
+            </a:r>
+          </a:p>
+          <a:p>
+            <a:pPr marL="971550" lvl="1" indent="-514350">
+              <a:buFont typeface="+mj-lt"/>
+              <a:buAutoNum type="arabicPeriod"/>
+            </a:pPr>
+            <a:r>
+              <a:rPr lang="en-US" dirty="0" smtClean="0"/>
+              <a:t>test4_1254968674765_turing.trcnxmi</a:t>
+            </a:r>
+          </a:p>
+          <a:p>
+            <a:pPr marL="971550" lvl="1" indent="-514350">
+              <a:buFont typeface="+mj-lt"/>
+              <a:buAutoNum type="arabicPeriod"/>
+            </a:pPr>
+            <a:r>
+              <a:rPr lang="en-US" dirty="0" smtClean="0"/>
+              <a:t>test4_1254968674765_turing_XMLStatisticalDataProcessor.trcadlr</a:t>
+            </a:r>
+          </a:p>
+          <a:p>
+            <a:pPr marL="971550" lvl="1" indent="-514350">
+              <a:buFont typeface="+mj-lt"/>
+              <a:buAutoNum type="arabicPeriod"/>
+            </a:pPr>
+            <a:r>
+              <a:rPr lang="en-US" dirty="0" smtClean="0"/>
+              <a:t>test4_1254968674765_turing_XMLStatisticalDataProcessor.trcpxmi</a:t>
+            </a:r>
+            <a:endParaRPr lang="en-US" dirty="0"/>
+          </a:p>
+        </p:txBody>
+      </p:sp>
+    </p:spTree>
+  </p:cSld>
+  <p:clrMapOvr>
+    <a:masterClrMapping/>
+  </p:clrMapOvr>
+</p:sld>
+</file>
+
+<file path=ppt/slides/slide34.xml><?xml version="1.0" encoding="utf-8"?>
+<p:sld xmlns:a="http://schemas.openxmlformats.org/drawingml/2006/main" xmlns:r="http://schemas.openxmlformats.org/officeDocument/2006/relationships" xmlns:p="http://schemas.openxmlformats.org/presentationml/2006/main">
+  <p:cSld>
+    <p:spTree>
+      <p:nvGrpSpPr>
+        <p:cNvPr id="1" name=""/>
+        <p:cNvGrpSpPr/>
+        <p:nvPr/>
+      </p:nvGrpSpPr>
+      <p:grpSpPr>
+        <a:xfrm>
+          <a:off x="0" y="0"/>
+          <a:ext cx="0" cy="0"/>
+          <a:chOff x="0" y="0"/>
+          <a:chExt cx="0" cy="0"/>
+        </a:xfrm>
+      </p:grpSpPr>
+      <p:sp>
+        <p:nvSpPr>
+          <p:cNvPr id="2" name="Title 1"/>
+          <p:cNvSpPr>
+            <a:spLocks noGrp="1"/>
+          </p:cNvSpPr>
+          <p:nvPr>
+            <p:ph type="title"/>
+          </p:nvPr>
+        </p:nvSpPr>
+        <p:spPr/>
+        <p:txBody>
+          <a:bodyPr/>
+          <a:lstStyle/>
+          <a:p>
+            <a:r>
+              <a:rPr lang="en-US" dirty="0" smtClean="0"/>
+              <a:t>TestProj4-2</a:t>
+            </a:r>
+            <a:endParaRPr lang="en-US" dirty="0"/>
+          </a:p>
+        </p:txBody>
+      </p:sp>
+      <p:sp>
+        <p:nvSpPr>
+          <p:cNvPr id="3" name="Content Placeholder 2"/>
+          <p:cNvSpPr>
+            <a:spLocks noGrp="1"/>
+          </p:cNvSpPr>
+          <p:nvPr>
+            <p:ph idx="1"/>
+          </p:nvPr>
+        </p:nvSpPr>
+        <p:spPr/>
+        <p:txBody>
+          <a:bodyPr/>
+          <a:lstStyle/>
+          <a:p>
+            <a:endParaRPr lang="en-US" dirty="0"/>
+          </a:p>
+        </p:txBody>
+      </p:sp>
+      <p:pic>
+        <p:nvPicPr>
+          <p:cNvPr id="2050" name="Picture 2"/>
+          <p:cNvPicPr>
+            <a:picLocks noChangeAspect="1" noChangeArrowheads="1"/>
+          </p:cNvPicPr>
+          <p:nvPr/>
+        </p:nvPicPr>
+        <p:blipFill>
+          <a:blip r:embed="rId2" cstate="print"/>
+          <a:srcRect/>
+          <a:stretch>
+            <a:fillRect/>
+          </a:stretch>
+        </p:blipFill>
+        <p:spPr bwMode="auto">
+          <a:xfrm>
+            <a:off x="457200" y="2209800"/>
+            <a:ext cx="3181350" cy="3876675"/>
+          </a:xfrm>
+          <a:prstGeom prst="rect">
+            <a:avLst/>
+          </a:prstGeom>
+          <a:noFill/>
+          <a:ln w="9525">
+            <a:noFill/>
+            <a:miter lim="800000"/>
+            <a:headEnd/>
+            <a:tailEnd/>
+          </a:ln>
+        </p:spPr>
+      </p:pic>
+      <p:pic>
+        <p:nvPicPr>
+          <p:cNvPr id="2052" name="Picture 4"/>
+          <p:cNvPicPr>
+            <a:picLocks noChangeAspect="1" noChangeArrowheads="1"/>
+          </p:cNvPicPr>
+          <p:nvPr/>
+        </p:nvPicPr>
+        <p:blipFill>
+          <a:blip r:embed="rId3" cstate="print"/>
+          <a:srcRect/>
+          <a:stretch>
+            <a:fillRect/>
+          </a:stretch>
+        </p:blipFill>
+        <p:spPr bwMode="auto">
+          <a:xfrm>
+            <a:off x="3886200" y="2133600"/>
+            <a:ext cx="4781550" cy="3324225"/>
+          </a:xfrm>
+          <a:prstGeom prst="rect">
+            <a:avLst/>
+          </a:prstGeom>
+          <a:noFill/>
+          <a:ln w="9525">
+            <a:noFill/>
+            <a:miter lim="800000"/>
+            <a:headEnd/>
+            <a:tailEnd/>
+          </a:ln>
+        </p:spPr>
+      </p:pic>
+      <p:sp>
+        <p:nvSpPr>
+          <p:cNvPr id="7" name="Rounded Rectangle 6"/>
+          <p:cNvSpPr/>
+          <p:nvPr/>
+        </p:nvSpPr>
+        <p:spPr>
+          <a:xfrm>
+            <a:off x="685800" y="3505200"/>
+            <a:ext cx="1905000" cy="304800"/>
+          </a:xfrm>
+          <a:prstGeom prst="roundRect">
+            <a:avLst>
+              <a:gd name="adj" fmla="val 21467"/>
+            </a:avLst>
+          </a:prstGeom>
+          <a:noFill/>
+          <a:ln w="38100">
+            <a:solidFill>
+              <a:srgbClr val="FF0000"/>
+            </a:solidFill>
+          </a:ln>
+        </p:spPr>
+        <p:style>
+          <a:lnRef idx="2">
+            <a:schemeClr val="accent1">
+              <a:shade val="50000"/>
+            </a:schemeClr>
+          </a:lnRef>
+          <a:fillRef idx="1">
+            <a:schemeClr val="accent1"/>
+          </a:fillRef>
+          <a:effectRef idx="0">
+            <a:schemeClr val="accent1"/>
+          </a:effectRef>
+          <a:fontRef idx="minor">
+            <a:schemeClr val="lt1"/>
+          </a:fontRef>
+        </p:style>
+        <p:txBody>
+          <a:bodyPr rtlCol="0" anchor="ctr"/>
+          <a:lstStyle/>
+          <a:p>
+            <a:pPr algn="ctr"/>
+            <a:endParaRPr lang="en-US"/>
+          </a:p>
+        </p:txBody>
+      </p:sp>
+      <p:sp>
+        <p:nvSpPr>
+          <p:cNvPr id="8" name="Rounded Rectangle 7"/>
+          <p:cNvSpPr/>
+          <p:nvPr/>
+        </p:nvSpPr>
+        <p:spPr>
+          <a:xfrm>
+            <a:off x="4114800" y="4953000"/>
+            <a:ext cx="4114800" cy="457200"/>
+          </a:xfrm>
+          <a:prstGeom prst="roundRect">
+            <a:avLst>
+              <a:gd name="adj" fmla="val 21467"/>
+            </a:avLst>
+          </a:prstGeom>
+          <a:noFill/>
+          <a:ln w="38100">
+            <a:solidFill>
+              <a:srgbClr val="FF0000"/>
+            </a:solidFill>
+          </a:ln>
+        </p:spPr>
+        <p:style>
+          <a:lnRef idx="2">
+            <a:schemeClr val="accent1">
+              <a:shade val="50000"/>
+            </a:schemeClr>
+          </a:lnRef>
+          <a:fillRef idx="1">
+            <a:schemeClr val="accent1"/>
+          </a:fillRef>
+          <a:effectRef idx="0">
+            <a:schemeClr val="accent1"/>
+          </a:effectRef>
+          <a:fontRef idx="minor">
+            <a:schemeClr val="lt1"/>
+          </a:fontRef>
+        </p:style>
+        <p:txBody>
+          <a:bodyPr rtlCol="0" anchor="ctr"/>
+          <a:lstStyle/>
+          <a:p>
+            <a:pPr algn="ctr"/>
+            <a:endParaRPr lang="en-US"/>
+          </a:p>
+        </p:txBody>
+      </p:sp>
+    </p:spTree>
+  </p:cSld>
+  <p:clrMapOvr>
+    <a:masterClrMapping/>
+  </p:clrMapOvr>
+</p:sld>
+</file>
+
+<file path=ppt/slides/slide35.xml><?xml version="1.0" encoding="utf-8"?>
+<p:sld xmlns:a="http://schemas.openxmlformats.org/drawingml/2006/main" xmlns:r="http://schemas.openxmlformats.org/officeDocument/2006/relationships" xmlns:p="http://schemas.openxmlformats.org/presentationml/2006/main">
+  <p:cSld>
+    <p:spTree>
+      <p:nvGrpSpPr>
+        <p:cNvPr id="1" name=""/>
+        <p:cNvGrpSpPr/>
+        <p:nvPr/>
+      </p:nvGrpSpPr>
+      <p:grpSpPr>
+        <a:xfrm>
+          <a:off x="0" y="0"/>
+          <a:ext cx="0" cy="0"/>
+          <a:chOff x="0" y="0"/>
+          <a:chExt cx="0" cy="0"/>
+        </a:xfrm>
+      </p:grpSpPr>
+      <p:sp>
+        <p:nvSpPr>
+          <p:cNvPr id="2" name="Title 1"/>
+          <p:cNvSpPr>
+            <a:spLocks noGrp="1"/>
+          </p:cNvSpPr>
+          <p:nvPr>
+            <p:ph type="title"/>
+          </p:nvPr>
+        </p:nvSpPr>
+        <p:spPr/>
+        <p:txBody>
+          <a:bodyPr/>
+          <a:lstStyle/>
+          <a:p>
+            <a:r>
+              <a:rPr lang="en-US" dirty="0" smtClean="0"/>
+              <a:t>TestProj4-2</a:t>
+            </a:r>
+            <a:endParaRPr lang="en-US" dirty="0"/>
+          </a:p>
+        </p:txBody>
+      </p:sp>
+      <p:sp>
+        <p:nvSpPr>
+          <p:cNvPr id="3" name="Content Placeholder 2"/>
+          <p:cNvSpPr>
+            <a:spLocks noGrp="1"/>
+          </p:cNvSpPr>
+          <p:nvPr>
+            <p:ph idx="1"/>
+          </p:nvPr>
+        </p:nvSpPr>
+        <p:spPr/>
+        <p:txBody>
+          <a:bodyPr>
+            <a:normAutofit/>
+          </a:bodyPr>
+          <a:lstStyle/>
+          <a:p>
+            <a:r>
+              <a:rPr lang="en-US" dirty="0" smtClean="0"/>
+              <a:t>One performance test (test4-2)</a:t>
+            </a:r>
+          </a:p>
+          <a:p>
+            <a:r>
+              <a:rPr lang="en-US" dirty="0" smtClean="0">
+                <a:solidFill>
+                  <a:schemeClr val="tx2">
+                    <a:lumMod val="60000"/>
+                    <a:lumOff val="40000"/>
+                  </a:schemeClr>
+                </a:solidFill>
+              </a:rPr>
+              <a:t>One test results with test4-2 (</a:t>
+            </a:r>
+            <a:r>
+              <a:rPr lang="en-US" dirty="0" smtClean="0">
+                <a:solidFill>
+                  <a:srgbClr val="FFC000"/>
+                </a:solidFill>
+              </a:rPr>
+              <a:t>automated</a:t>
+            </a:r>
+            <a:r>
+              <a:rPr lang="en-US" dirty="0" smtClean="0">
+                <a:solidFill>
+                  <a:schemeClr val="tx2">
+                    <a:lumMod val="60000"/>
+                    <a:lumOff val="40000"/>
+                  </a:schemeClr>
+                </a:solidFill>
+              </a:rPr>
+              <a:t>)</a:t>
+            </a:r>
+          </a:p>
+          <a:p>
+            <a:r>
+              <a:rPr lang="en-US" dirty="0" smtClean="0"/>
+              <a:t>D:\Dev\WorkspaceRPT\TestProj4-2</a:t>
+            </a:r>
+          </a:p>
+          <a:p>
+            <a:pPr lvl="1"/>
+            <a:r>
+              <a:rPr lang="en-US" dirty="0" smtClean="0"/>
+              <a:t>Tests\test4-2.rec</a:t>
+            </a:r>
+          </a:p>
+          <a:p>
+            <a:pPr lvl="1"/>
+            <a:r>
+              <a:rPr lang="en-US" dirty="0" smtClean="0"/>
+              <a:t>Tests\test4-2.recmodel</a:t>
+            </a:r>
+          </a:p>
+          <a:p>
+            <a:pPr lvl="1"/>
+            <a:r>
+              <a:rPr lang="en-US" dirty="0" smtClean="0"/>
+              <a:t>Tests\test4-2.testsuite</a:t>
+            </a:r>
+          </a:p>
+          <a:p>
+            <a:endParaRPr lang="en-US" dirty="0" smtClean="0"/>
+          </a:p>
+          <a:p>
+            <a:pPr lvl="1"/>
+            <a:endParaRPr lang="en-US" dirty="0"/>
+          </a:p>
+        </p:txBody>
+      </p:sp>
+    </p:spTree>
+  </p:cSld>
+  <p:clrMapOvr>
+    <a:masterClrMapping/>
+  </p:clrMapOvr>
+</p:sld>
+</file>
+
+<file path=ppt/slides/slide36.xml><?xml version="1.0" encoding="utf-8"?>
+<p:sld xmlns:a="http://schemas.openxmlformats.org/drawingml/2006/main" xmlns:r="http://schemas.openxmlformats.org/officeDocument/2006/relationships" xmlns:p="http://schemas.openxmlformats.org/presentationml/2006/main">
+  <p:cSld>
+    <p:spTree>
+      <p:nvGrpSpPr>
+        <p:cNvPr id="1" name=""/>
+        <p:cNvGrpSpPr/>
+        <p:nvPr/>
+      </p:nvGrpSpPr>
+      <p:grpSpPr>
+        <a:xfrm>
+          <a:off x="0" y="0"/>
+          <a:ext cx="0" cy="0"/>
+          <a:chOff x="0" y="0"/>
+          <a:chExt cx="0" cy="0"/>
+        </a:xfrm>
+      </p:grpSpPr>
+      <p:sp>
+        <p:nvSpPr>
+          <p:cNvPr id="2" name="Title 1"/>
+          <p:cNvSpPr>
+            <a:spLocks noGrp="1"/>
+          </p:cNvSpPr>
+          <p:nvPr>
+            <p:ph type="title"/>
+          </p:nvPr>
+        </p:nvSpPr>
+        <p:spPr/>
+        <p:txBody>
+          <a:bodyPr/>
+          <a:lstStyle/>
+          <a:p>
+            <a:r>
+              <a:rPr lang="en-US" dirty="0" smtClean="0"/>
+              <a:t>TestProj4-2</a:t>
+            </a:r>
+            <a:endParaRPr lang="en-US" dirty="0"/>
+          </a:p>
+        </p:txBody>
+      </p:sp>
+      <p:sp>
+        <p:nvSpPr>
+          <p:cNvPr id="3" name="Content Placeholder 2"/>
+          <p:cNvSpPr>
+            <a:spLocks noGrp="1"/>
+          </p:cNvSpPr>
+          <p:nvPr>
+            <p:ph idx="1"/>
+          </p:nvPr>
+        </p:nvSpPr>
+        <p:spPr/>
+        <p:txBody>
+          <a:bodyPr>
+            <a:normAutofit fontScale="47500" lnSpcReduction="20000"/>
+          </a:bodyPr>
+          <a:lstStyle/>
+          <a:p>
+            <a:r>
+              <a:rPr lang="en-US" dirty="0" smtClean="0"/>
+              <a:t>“Response time breakdown” option</a:t>
+            </a:r>
+          </a:p>
+          <a:p>
+            <a:pPr marL="685800" lvl="1" indent="-228600">
+              <a:buFont typeface="+mj-lt"/>
+              <a:buAutoNum type="arabicPeriod"/>
+            </a:pPr>
+            <a:r>
+              <a:rPr lang="en-US" dirty="0" smtClean="0"/>
+              <a:t>test4-2.executiondlr</a:t>
+            </a:r>
+          </a:p>
+          <a:p>
+            <a:pPr marL="685800" lvl="1" indent="-228600">
+              <a:buFont typeface="+mj-lt"/>
+              <a:buAutoNum type="arabicPeriod"/>
+            </a:pPr>
+            <a:r>
+              <a:rPr lang="en-US" dirty="0" smtClean="0"/>
+              <a:t>test4-2_1254978011234.trcmxmi</a:t>
+            </a:r>
+          </a:p>
+          <a:p>
+            <a:pPr marL="685800" lvl="1" indent="-228600">
+              <a:buFont typeface="+mj-lt"/>
+              <a:buAutoNum type="arabicPeriod"/>
+            </a:pPr>
+            <a:r>
+              <a:rPr lang="en-US" dirty="0" smtClean="0"/>
+              <a:t>test4-2_1254978011234_All_Hosts.trcnxmi</a:t>
+            </a:r>
+          </a:p>
+          <a:p>
+            <a:pPr marL="685800" lvl="1" indent="-228600">
+              <a:buFont typeface="+mj-lt"/>
+              <a:buAutoNum type="arabicPeriod"/>
+            </a:pPr>
+            <a:r>
+              <a:rPr lang="en-US" dirty="0" smtClean="0"/>
+              <a:t>test4-2_1254978011234_All_Hosts_XMLStatisticalDataProcessor.trcadlr</a:t>
+            </a:r>
+          </a:p>
+          <a:p>
+            <a:pPr marL="685800" lvl="1" indent="-228600">
+              <a:buFont typeface="+mj-lt"/>
+              <a:buAutoNum type="arabicPeriod"/>
+            </a:pPr>
+            <a:r>
+              <a:rPr lang="en-US" dirty="0" smtClean="0"/>
+              <a:t>test4-2_1254978011234_All_Hosts_XMLStatisticalDataProcessor.trcpxmi</a:t>
+            </a:r>
+          </a:p>
+          <a:p>
+            <a:pPr marL="685800" lvl="1" indent="-228600">
+              <a:buFont typeface="+mj-lt"/>
+              <a:buAutoNum type="arabicPeriod"/>
+            </a:pPr>
+            <a:r>
+              <a:rPr lang="en-US" dirty="0" smtClean="0">
+                <a:solidFill>
+                  <a:srgbClr val="00B0F0"/>
+                </a:solidFill>
+              </a:rPr>
+              <a:t>test4-2_1254978011234_eb2-2241-grd03.csc.ncsu.edu.trcnxmi</a:t>
+            </a:r>
+          </a:p>
+          <a:p>
+            <a:pPr marL="685800" lvl="1" indent="-228600">
+              <a:buFont typeface="+mj-lt"/>
+              <a:buAutoNum type="arabicPeriod"/>
+            </a:pPr>
+            <a:r>
+              <a:rPr lang="en-US" dirty="0" smtClean="0">
+                <a:solidFill>
+                  <a:srgbClr val="00B0F0"/>
+                </a:solidFill>
+              </a:rPr>
+              <a:t>test4-2_1254978011234_eb2-2241-grd03.csc.ncsu.edu_3363_ThuOct08010021EDT2009.trcpxmi</a:t>
+            </a:r>
+          </a:p>
+          <a:p>
+            <a:pPr marL="685800" lvl="1" indent="-228600">
+              <a:buFont typeface="+mj-lt"/>
+              <a:buAutoNum type="arabicPeriod"/>
+            </a:pPr>
+            <a:r>
+              <a:rPr lang="en-US" dirty="0" smtClean="0">
+                <a:solidFill>
+                  <a:srgbClr val="00B0F0"/>
+                </a:solidFill>
+              </a:rPr>
+              <a:t>test4-2_1254978011234_eb2-2241-grd03.csc.ncsu.edu_3363_Thursday,October8,200910021AMET_1254978021265_ARM Data Collection </a:t>
+            </a:r>
+            <a:r>
+              <a:rPr lang="en-US" dirty="0" err="1" smtClean="0">
+                <a:solidFill>
+                  <a:srgbClr val="00B0F0"/>
+                </a:solidFill>
+              </a:rPr>
+              <a:t>Agent.trcaxmi</a:t>
+            </a:r>
+            <a:endParaRPr lang="en-US" dirty="0" smtClean="0">
+              <a:solidFill>
+                <a:srgbClr val="00B0F0"/>
+              </a:solidFill>
+            </a:endParaRPr>
+          </a:p>
+          <a:p>
+            <a:pPr marL="685800" lvl="1" indent="-228600">
+              <a:buFont typeface="+mj-lt"/>
+              <a:buAutoNum type="arabicPeriod"/>
+            </a:pPr>
+            <a:r>
+              <a:rPr lang="en-US" dirty="0" smtClean="0">
+                <a:solidFill>
+                  <a:srgbClr val="00B0F0"/>
+                </a:solidFill>
+              </a:rPr>
+              <a:t>test4-2_1254978011234_eb2-2241-grd03.csc.ncsu.edu_3363_Thursday,October8,200910021AMET_1254978021265_ARM Data Collection </a:t>
+            </a:r>
+            <a:r>
+              <a:rPr lang="en-US" dirty="0" err="1" smtClean="0">
+                <a:solidFill>
+                  <a:srgbClr val="00B0F0"/>
+                </a:solidFill>
+              </a:rPr>
+              <a:t>Agent.trciovxmi</a:t>
+            </a:r>
+            <a:endParaRPr lang="en-US" dirty="0" smtClean="0">
+              <a:solidFill>
+                <a:srgbClr val="00B0F0"/>
+              </a:solidFill>
+            </a:endParaRPr>
+          </a:p>
+          <a:p>
+            <a:pPr marL="685800" lvl="1" indent="-228600">
+              <a:buFont typeface="+mj-lt"/>
+              <a:buAutoNum type="arabicPeriod"/>
+            </a:pPr>
+            <a:r>
+              <a:rPr lang="en-US" dirty="0" smtClean="0"/>
+              <a:t>test4-2_1254978011234_turing.trcnxmi</a:t>
+            </a:r>
+          </a:p>
+          <a:p>
+            <a:pPr marL="685800" lvl="1" indent="-228600">
+              <a:buFont typeface="+mj-lt"/>
+              <a:buAutoNum type="arabicPeriod"/>
+            </a:pPr>
+            <a:r>
+              <a:rPr lang="en-US" dirty="0" smtClean="0">
+                <a:solidFill>
+                  <a:srgbClr val="00B0F0"/>
+                </a:solidFill>
+              </a:rPr>
+              <a:t>test4-2_1254978011234_turing_2964_ThuOct08010013EDT2009.trcpxmi</a:t>
+            </a:r>
+          </a:p>
+          <a:p>
+            <a:pPr marL="685800" lvl="1" indent="-228600">
+              <a:buFont typeface="+mj-lt"/>
+              <a:buAutoNum type="arabicPeriod"/>
+            </a:pPr>
+            <a:r>
+              <a:rPr lang="en-US" dirty="0" smtClean="0">
+                <a:solidFill>
+                  <a:srgbClr val="00B0F0"/>
+                </a:solidFill>
+              </a:rPr>
+              <a:t>test4-2_1254978011234_turing_2964_Thursday,October8,200910013AMET_1254978013828_ARM Data Collection </a:t>
+            </a:r>
+            <a:r>
+              <a:rPr lang="en-US" dirty="0" err="1" smtClean="0">
+                <a:solidFill>
+                  <a:srgbClr val="00B0F0"/>
+                </a:solidFill>
+              </a:rPr>
+              <a:t>Agent.trcaxmi</a:t>
+            </a:r>
+            <a:endParaRPr lang="en-US" dirty="0" smtClean="0">
+              <a:solidFill>
+                <a:srgbClr val="00B0F0"/>
+              </a:solidFill>
+            </a:endParaRPr>
+          </a:p>
+          <a:p>
+            <a:pPr marL="685800" lvl="1" indent="-228600">
+              <a:buFont typeface="+mj-lt"/>
+              <a:buAutoNum type="arabicPeriod"/>
+            </a:pPr>
+            <a:r>
+              <a:rPr lang="en-US" dirty="0" smtClean="0">
+                <a:solidFill>
+                  <a:srgbClr val="00B0F0"/>
+                </a:solidFill>
+              </a:rPr>
+              <a:t>test4-2_1254978011234_turing_2964_Thursday,October8,200910013AMET_1254978013828_ARM Data Collection </a:t>
+            </a:r>
+            <a:r>
+              <a:rPr lang="en-US" dirty="0" err="1" smtClean="0">
+                <a:solidFill>
+                  <a:srgbClr val="00B0F0"/>
+                </a:solidFill>
+              </a:rPr>
+              <a:t>Agent.trciovxmi</a:t>
+            </a:r>
+            <a:endParaRPr lang="en-US" dirty="0" smtClean="0">
+              <a:solidFill>
+                <a:srgbClr val="00B0F0"/>
+              </a:solidFill>
+            </a:endParaRPr>
+          </a:p>
+          <a:p>
+            <a:pPr marL="685800" lvl="1" indent="-228600">
+              <a:buFont typeface="+mj-lt"/>
+              <a:buAutoNum type="arabicPeriod"/>
+            </a:pPr>
+            <a:r>
+              <a:rPr lang="en-US" dirty="0" smtClean="0"/>
+              <a:t>test4-2_1254978011234_turing_XMLStatisticalDataProcessor.trcadlr</a:t>
+            </a:r>
+          </a:p>
+          <a:p>
+            <a:pPr marL="685800" lvl="1" indent="-228600">
+              <a:buFont typeface="+mj-lt"/>
+              <a:buAutoNum type="arabicPeriod"/>
+            </a:pPr>
+            <a:r>
+              <a:rPr lang="en-US" dirty="0" smtClean="0"/>
+              <a:t>test4-2_1254978011234_turing_XMLStatisticalDataProcessor.trcpxmi</a:t>
+            </a:r>
+            <a:endParaRPr lang="en-US" dirty="0"/>
+          </a:p>
+        </p:txBody>
+      </p:sp>
+      <p:sp>
+        <p:nvSpPr>
+          <p:cNvPr id="4" name="Rounded Rectangular Callout 3"/>
+          <p:cNvSpPr/>
+          <p:nvPr/>
+        </p:nvSpPr>
+        <p:spPr>
+          <a:xfrm>
+            <a:off x="3733800" y="5867400"/>
+            <a:ext cx="1143000" cy="304800"/>
+          </a:xfrm>
+          <a:prstGeom prst="wedgeRoundRectCallout">
+            <a:avLst>
+              <a:gd name="adj1" fmla="val -60533"/>
+              <a:gd name="adj2" fmla="val -273764"/>
+              <a:gd name="adj3" fmla="val 16667"/>
+            </a:avLst>
+          </a:prstGeom>
+          <a:solidFill>
+            <a:srgbClr val="FFC000"/>
+          </a:solidFill>
+        </p:spPr>
+        <p:style>
+          <a:lnRef idx="2">
+            <a:schemeClr val="accent1">
+              <a:shade val="50000"/>
+            </a:schemeClr>
+          </a:lnRef>
+          <a:fillRef idx="1">
+            <a:schemeClr val="accent1"/>
+          </a:fillRef>
+          <a:effectRef idx="0">
+            <a:schemeClr val="accent1"/>
+          </a:effectRef>
+          <a:fontRef idx="minor">
+            <a:schemeClr val="lt1"/>
+          </a:fontRef>
+        </p:style>
+        <p:txBody>
+          <a:bodyPr rtlCol="0" anchor="ctr"/>
+          <a:lstStyle/>
+          <a:p>
+            <a:pPr algn="ctr"/>
+            <a:r>
+              <a:rPr lang="en-US" sz="1600" dirty="0" smtClean="0">
+                <a:solidFill>
+                  <a:schemeClr val="tx1"/>
+                </a:solidFill>
+              </a:rPr>
+              <a:t>PID of DCI</a:t>
+            </a:r>
+            <a:endParaRPr lang="en-US" sz="1600" dirty="0">
+              <a:solidFill>
+                <a:schemeClr val="tx1"/>
+              </a:solidFill>
+            </a:endParaRPr>
+          </a:p>
+        </p:txBody>
+      </p:sp>
+    </p:spTree>
+  </p:cSld>
+  <p:clrMapOvr>
+    <a:masterClrMapping/>
+  </p:clrMapOvr>
+</p:sld>
+</file>
+
+<file path=ppt/slides/slide37.xml><?xml version="1.0" encoding="utf-8"?>
+<p:sld xmlns:a="http://schemas.openxmlformats.org/drawingml/2006/main" xmlns:r="http://schemas.openxmlformats.org/officeDocument/2006/relationships" xmlns:p="http://schemas.openxmlformats.org/presentationml/2006/main">
+  <p:cSld>
+    <p:spTree>
+      <p:nvGrpSpPr>
+        <p:cNvPr id="1" name=""/>
+        <p:cNvGrpSpPr/>
+        <p:nvPr/>
+      </p:nvGrpSpPr>
+      <p:grpSpPr>
+        <a:xfrm>
+          <a:off x="0" y="0"/>
+          <a:ext cx="0" cy="0"/>
+          <a:chOff x="0" y="0"/>
+          <a:chExt cx="0" cy="0"/>
+        </a:xfrm>
+      </p:grpSpPr>
+      <p:sp>
+        <p:nvSpPr>
+          <p:cNvPr id="2" name="Title 1"/>
+          <p:cNvSpPr>
+            <a:spLocks noGrp="1"/>
+          </p:cNvSpPr>
+          <p:nvPr>
+            <p:ph type="title"/>
+          </p:nvPr>
+        </p:nvSpPr>
+        <p:spPr/>
+        <p:txBody>
+          <a:bodyPr/>
+          <a:lstStyle/>
+          <a:p>
+            <a:r>
+              <a:rPr lang="en-US" dirty="0" smtClean="0"/>
+              <a:t>TestProj4-3</a:t>
+            </a:r>
+            <a:endParaRPr lang="en-US" dirty="0"/>
+          </a:p>
+        </p:txBody>
+      </p:sp>
+      <p:sp>
+        <p:nvSpPr>
+          <p:cNvPr id="3" name="Content Placeholder 2"/>
+          <p:cNvSpPr>
+            <a:spLocks noGrp="1"/>
+          </p:cNvSpPr>
+          <p:nvPr>
+            <p:ph idx="1"/>
+          </p:nvPr>
+        </p:nvSpPr>
+        <p:spPr/>
+        <p:txBody>
+          <a:bodyPr>
+            <a:normAutofit/>
+          </a:bodyPr>
+          <a:lstStyle/>
+          <a:p>
+            <a:r>
+              <a:rPr lang="en-US" dirty="0" smtClean="0"/>
+              <a:t>One performance test (test4-3)</a:t>
+            </a:r>
+          </a:p>
+          <a:p>
+            <a:r>
+              <a:rPr lang="en-US" dirty="0" smtClean="0">
+                <a:solidFill>
+                  <a:schemeClr val="tx2">
+                    <a:lumMod val="60000"/>
+                    <a:lumOff val="40000"/>
+                  </a:schemeClr>
+                </a:solidFill>
+              </a:rPr>
+              <a:t>One test results with test4-3 (</a:t>
+            </a:r>
+            <a:r>
+              <a:rPr lang="en-US" dirty="0" smtClean="0">
+                <a:solidFill>
+                  <a:srgbClr val="FFC000"/>
+                </a:solidFill>
+              </a:rPr>
+              <a:t>manual</a:t>
+            </a:r>
+            <a:r>
+              <a:rPr lang="en-US" dirty="0" smtClean="0">
+                <a:solidFill>
+                  <a:schemeClr val="tx2">
+                    <a:lumMod val="60000"/>
+                    <a:lumOff val="40000"/>
+                  </a:schemeClr>
+                </a:solidFill>
+              </a:rPr>
+              <a:t>) </a:t>
+            </a:r>
+          </a:p>
+          <a:p>
+            <a:r>
+              <a:rPr lang="en-US" dirty="0" smtClean="0"/>
+              <a:t>D:\Dev\WorkspaceRPT\TestProj4-3</a:t>
+            </a:r>
+          </a:p>
+          <a:p>
+            <a:pPr lvl="1"/>
+            <a:r>
+              <a:rPr lang="en-US" dirty="0" smtClean="0"/>
+              <a:t>Tests\test4-3.rec</a:t>
+            </a:r>
+          </a:p>
+          <a:p>
+            <a:pPr lvl="1"/>
+            <a:r>
+              <a:rPr lang="en-US" dirty="0" smtClean="0"/>
+              <a:t>Tests\test4-3.recmodel</a:t>
+            </a:r>
+          </a:p>
+          <a:p>
+            <a:pPr lvl="1"/>
+            <a:r>
+              <a:rPr lang="en-US" dirty="0" smtClean="0"/>
+              <a:t>Tests\test4-3.testsuite</a:t>
+            </a:r>
+          </a:p>
+          <a:p>
+            <a:endParaRPr lang="en-US" dirty="0" smtClean="0"/>
+          </a:p>
+          <a:p>
+            <a:pPr lvl="1"/>
+            <a:endParaRPr lang="en-US" dirty="0"/>
+          </a:p>
+        </p:txBody>
+      </p:sp>
+    </p:spTree>
+  </p:cSld>
+  <p:clrMapOvr>
+    <a:masterClrMapping/>
+  </p:clrMapOvr>
+</p:sld>
+</file>
+
+<file path=ppt/slides/slide38.xml><?xml version="1.0" encoding="utf-8"?>
+<p:sld xmlns:a="http://schemas.openxmlformats.org/drawingml/2006/main" xmlns:r="http://schemas.openxmlformats.org/officeDocument/2006/relationships" xmlns:p="http://schemas.openxmlformats.org/presentationml/2006/main">
+  <p:cSld>
+    <p:spTree>
+      <p:nvGrpSpPr>
+        <p:cNvPr id="1" name=""/>
+        <p:cNvGrpSpPr/>
+        <p:nvPr/>
+      </p:nvGrpSpPr>
+      <p:grpSpPr>
+        <a:xfrm>
+          <a:off x="0" y="0"/>
+          <a:ext cx="0" cy="0"/>
+          <a:chOff x="0" y="0"/>
+          <a:chExt cx="0" cy="0"/>
+        </a:xfrm>
+      </p:grpSpPr>
+      <p:sp>
+        <p:nvSpPr>
+          <p:cNvPr id="2" name="Title 1"/>
+          <p:cNvSpPr>
+            <a:spLocks noGrp="1"/>
+          </p:cNvSpPr>
+          <p:nvPr>
+            <p:ph type="title"/>
+          </p:nvPr>
+        </p:nvSpPr>
+        <p:spPr/>
+        <p:txBody>
+          <a:bodyPr/>
+          <a:lstStyle/>
+          <a:p>
+            <a:r>
+              <a:rPr lang="en-US" dirty="0" smtClean="0"/>
+              <a:t>TestProj4-3</a:t>
+            </a:r>
+            <a:endParaRPr lang="en-US" dirty="0"/>
+          </a:p>
+        </p:txBody>
+      </p:sp>
+      <p:sp>
+        <p:nvSpPr>
+          <p:cNvPr id="3" name="Content Placeholder 2"/>
+          <p:cNvSpPr>
+            <a:spLocks noGrp="1"/>
+          </p:cNvSpPr>
+          <p:nvPr>
+            <p:ph idx="1"/>
+          </p:nvPr>
+        </p:nvSpPr>
+        <p:spPr/>
+        <p:txBody>
+          <a:bodyPr/>
+          <a:lstStyle/>
+          <a:p>
+            <a:r>
+              <a:rPr lang="en-US" dirty="0" smtClean="0"/>
+              <a:t>Profile via ARM Instrumented Application</a:t>
+            </a:r>
+            <a:endParaRPr lang="en-US" dirty="0"/>
+          </a:p>
+        </p:txBody>
+      </p:sp>
+      <p:pic>
+        <p:nvPicPr>
+          <p:cNvPr id="4098" name="Picture 2"/>
+          <p:cNvPicPr>
+            <a:picLocks noChangeAspect="1" noChangeArrowheads="1"/>
+          </p:cNvPicPr>
+          <p:nvPr/>
+        </p:nvPicPr>
+        <p:blipFill>
+          <a:blip r:embed="rId2" cstate="print"/>
+          <a:srcRect/>
+          <a:stretch>
+            <a:fillRect/>
+          </a:stretch>
+        </p:blipFill>
+        <p:spPr bwMode="auto">
+          <a:xfrm>
+            <a:off x="914400" y="2133600"/>
+            <a:ext cx="6477000" cy="4387646"/>
+          </a:xfrm>
+          <a:prstGeom prst="rect">
+            <a:avLst/>
+          </a:prstGeom>
+          <a:noFill/>
+          <a:ln w="9525">
+            <a:noFill/>
+            <a:miter lim="800000"/>
+            <a:headEnd/>
+            <a:tailEnd/>
+          </a:ln>
+        </p:spPr>
+      </p:pic>
+      <p:sp>
+        <p:nvSpPr>
+          <p:cNvPr id="5" name="Rounded Rectangular Callout 4"/>
+          <p:cNvSpPr/>
+          <p:nvPr/>
+        </p:nvSpPr>
+        <p:spPr>
+          <a:xfrm>
+            <a:off x="2362200" y="2667000"/>
+            <a:ext cx="1143000" cy="304800"/>
+          </a:xfrm>
+          <a:prstGeom prst="wedgeRoundRectCallout">
+            <a:avLst>
+              <a:gd name="adj1" fmla="val -29763"/>
+              <a:gd name="adj2" fmla="val 253709"/>
+              <a:gd name="adj3" fmla="val 16667"/>
+            </a:avLst>
+          </a:prstGeom>
+          <a:solidFill>
+            <a:srgbClr val="92D050"/>
+          </a:solidFill>
+        </p:spPr>
+        <p:style>
+          <a:lnRef idx="2">
+            <a:schemeClr val="accent1">
+              <a:shade val="50000"/>
+            </a:schemeClr>
+          </a:lnRef>
+          <a:fillRef idx="1">
+            <a:schemeClr val="accent1"/>
+          </a:fillRef>
+          <a:effectRef idx="0">
+            <a:schemeClr val="accent1"/>
+          </a:effectRef>
+          <a:fontRef idx="minor">
+            <a:schemeClr val="lt1"/>
+          </a:fontRef>
+        </p:style>
+        <p:txBody>
+          <a:bodyPr rtlCol="0" anchor="ctr"/>
+          <a:lstStyle/>
+          <a:p>
+            <a:pPr algn="ctr"/>
+            <a:r>
+              <a:rPr lang="en-US" sz="1600" dirty="0" smtClean="0">
+                <a:solidFill>
+                  <a:schemeClr val="tx1"/>
+                </a:solidFill>
+              </a:rPr>
+              <a:t>Preferred!</a:t>
+            </a:r>
+            <a:endParaRPr lang="en-US" sz="1600" dirty="0">
+              <a:solidFill>
+                <a:schemeClr val="tx1"/>
+              </a:solidFill>
+            </a:endParaRPr>
+          </a:p>
+        </p:txBody>
+      </p:sp>
+      <p:sp>
+        <p:nvSpPr>
+          <p:cNvPr id="7" name="Rounded Rectangular Callout 6"/>
+          <p:cNvSpPr/>
+          <p:nvPr/>
+        </p:nvSpPr>
+        <p:spPr>
+          <a:xfrm>
+            <a:off x="2819400" y="5410200"/>
+            <a:ext cx="1143000" cy="304800"/>
+          </a:xfrm>
+          <a:prstGeom prst="wedgeRoundRectCallout">
+            <a:avLst>
+              <a:gd name="adj1" fmla="val -86906"/>
+              <a:gd name="adj2" fmla="val -286951"/>
+              <a:gd name="adj3" fmla="val 16667"/>
+            </a:avLst>
+          </a:prstGeom>
+          <a:solidFill>
+            <a:srgbClr val="92D050"/>
+          </a:solidFill>
+        </p:spPr>
+        <p:style>
+          <a:lnRef idx="2">
+            <a:schemeClr val="accent1">
+              <a:shade val="50000"/>
+            </a:schemeClr>
+          </a:lnRef>
+          <a:fillRef idx="1">
+            <a:schemeClr val="accent1"/>
+          </a:fillRef>
+          <a:effectRef idx="0">
+            <a:schemeClr val="accent1"/>
+          </a:effectRef>
+          <a:fontRef idx="minor">
+            <a:schemeClr val="lt1"/>
+          </a:fontRef>
+        </p:style>
+        <p:txBody>
+          <a:bodyPr rtlCol="0" anchor="ctr"/>
+          <a:lstStyle/>
+          <a:p>
+            <a:pPr algn="ctr"/>
+            <a:r>
+              <a:rPr lang="en-US" sz="1600" dirty="0" smtClean="0">
+                <a:solidFill>
+                  <a:schemeClr val="tx1"/>
+                </a:solidFill>
+              </a:rPr>
+              <a:t>Preferred!</a:t>
+            </a:r>
+            <a:endParaRPr lang="en-US" sz="1600" dirty="0">
+              <a:solidFill>
+                <a:schemeClr val="tx1"/>
+              </a:solidFill>
+            </a:endParaRPr>
+          </a:p>
+        </p:txBody>
+      </p:sp>
+      <p:sp>
+        <p:nvSpPr>
+          <p:cNvPr id="8" name="Rounded Rectangular Callout 7"/>
+          <p:cNvSpPr/>
+          <p:nvPr/>
+        </p:nvSpPr>
+        <p:spPr>
+          <a:xfrm>
+            <a:off x="2819400" y="4419600"/>
+            <a:ext cx="1600200" cy="304800"/>
+          </a:xfrm>
+          <a:prstGeom prst="wedgeRoundRectCallout">
+            <a:avLst>
+              <a:gd name="adj1" fmla="val -102353"/>
+              <a:gd name="adj2" fmla="val -174862"/>
+              <a:gd name="adj3" fmla="val 16667"/>
+            </a:avLst>
+          </a:prstGeom>
+          <a:solidFill>
+            <a:srgbClr val="FFC000"/>
+          </a:solidFill>
+        </p:spPr>
+        <p:style>
+          <a:lnRef idx="2">
+            <a:schemeClr val="accent1">
+              <a:shade val="50000"/>
+            </a:schemeClr>
+          </a:lnRef>
+          <a:fillRef idx="1">
+            <a:schemeClr val="accent1"/>
+          </a:fillRef>
+          <a:effectRef idx="0">
+            <a:schemeClr val="accent1"/>
+          </a:effectRef>
+          <a:fontRef idx="minor">
+            <a:schemeClr val="lt1"/>
+          </a:fontRef>
+        </p:style>
+        <p:txBody>
+          <a:bodyPr rtlCol="0" anchor="ctr"/>
+          <a:lstStyle/>
+          <a:p>
+            <a:pPr algn="ctr"/>
+            <a:r>
+              <a:rPr lang="en-US" sz="1600" dirty="0" smtClean="0">
+                <a:solidFill>
+                  <a:schemeClr val="tx1"/>
+                </a:solidFill>
+              </a:rPr>
+              <a:t>Not Preferred!</a:t>
+            </a:r>
+            <a:endParaRPr lang="en-US" sz="1600" dirty="0">
+              <a:solidFill>
+                <a:schemeClr val="tx1"/>
+              </a:solidFill>
+            </a:endParaRPr>
+          </a:p>
+        </p:txBody>
+      </p:sp>
+    </p:spTree>
+  </p:cSld>
+  <p:clrMapOvr>
+    <a:masterClrMapping/>
+  </p:clrMapOvr>
+</p:sld>
+</file>
+
+<file path=ppt/slides/slide39.xml><?xml version="1.0" encoding="utf-8"?>
+<p:sld xmlns:a="http://schemas.openxmlformats.org/drawingml/2006/main" xmlns:r="http://schemas.openxmlformats.org/officeDocument/2006/relationships" xmlns:p="http://schemas.openxmlformats.org/presentationml/2006/main">
+  <p:cSld>
+    <p:spTree>
+      <p:nvGrpSpPr>
+        <p:cNvPr id="1" name=""/>
+        <p:cNvGrpSpPr/>
+        <p:nvPr/>
+      </p:nvGrpSpPr>
+      <p:grpSpPr>
+        <a:xfrm>
+          <a:off x="0" y="0"/>
+          <a:ext cx="0" cy="0"/>
+          <a:chOff x="0" y="0"/>
+          <a:chExt cx="0" cy="0"/>
+        </a:xfrm>
+      </p:grpSpPr>
+      <p:sp>
+        <p:nvSpPr>
+          <p:cNvPr id="2" name="Title 1"/>
+          <p:cNvSpPr>
+            <a:spLocks noGrp="1"/>
+          </p:cNvSpPr>
+          <p:nvPr>
+            <p:ph type="title"/>
+          </p:nvPr>
+        </p:nvSpPr>
+        <p:spPr/>
+        <p:txBody>
+          <a:bodyPr/>
+          <a:lstStyle/>
+          <a:p>
+            <a:r>
+              <a:rPr lang="en-US" dirty="0" smtClean="0"/>
+              <a:t>TestProj4-3</a:t>
+            </a:r>
+            <a:endParaRPr lang="en-US" dirty="0"/>
+          </a:p>
+        </p:txBody>
+      </p:sp>
+      <p:sp>
+        <p:nvSpPr>
+          <p:cNvPr id="3" name="Content Placeholder 2"/>
+          <p:cNvSpPr>
+            <a:spLocks noGrp="1"/>
+          </p:cNvSpPr>
+          <p:nvPr>
+            <p:ph idx="1"/>
+          </p:nvPr>
+        </p:nvSpPr>
+        <p:spPr/>
+        <p:txBody>
+          <a:bodyPr/>
+          <a:lstStyle/>
+          <a:p>
+            <a:r>
+              <a:rPr lang="en-US" dirty="0" smtClean="0"/>
+              <a:t>Profile via ARM Instrumented Application</a:t>
+            </a:r>
+            <a:endParaRPr lang="en-US" dirty="0"/>
+          </a:p>
+        </p:txBody>
+      </p:sp>
+      <p:pic>
+        <p:nvPicPr>
+          <p:cNvPr id="5122" name="Picture 2"/>
+          <p:cNvPicPr>
+            <a:picLocks noChangeAspect="1" noChangeArrowheads="1"/>
+          </p:cNvPicPr>
+          <p:nvPr/>
+        </p:nvPicPr>
+        <p:blipFill>
+          <a:blip r:embed="rId2" cstate="print"/>
+          <a:srcRect/>
+          <a:stretch>
+            <a:fillRect/>
+          </a:stretch>
+        </p:blipFill>
+        <p:spPr bwMode="auto">
+          <a:xfrm>
+            <a:off x="914400" y="2133600"/>
+            <a:ext cx="6411686" cy="4343400"/>
+          </a:xfrm>
+          <a:prstGeom prst="rect">
+            <a:avLst/>
+          </a:prstGeom>
+          <a:noFill/>
+          <a:ln w="9525">
+            <a:noFill/>
+            <a:miter lim="800000"/>
+            <a:headEnd/>
+            <a:tailEnd/>
+          </a:ln>
+        </p:spPr>
+      </p:pic>
+    </p:spTree>
+  </p:cSld>
+  <p:clrMapOvr>
+    <a:masterClrMapping/>
+  </p:clrMapOvr>
+</p:sld>
+</file>
+
+<file path=ppt/slides/slide4.xml><?xml version="1.0" encoding="utf-8"?>
+<p:sld xmlns:a="http://schemas.openxmlformats.org/drawingml/2006/main" xmlns:r="http://schemas.openxmlformats.org/officeDocument/2006/relationships" xmlns:p="http://schemas.openxmlformats.org/presentationml/2006/main">
+  <p:cSld>
+    <p:spTree>
+      <p:nvGrpSpPr>
+        <p:cNvPr id="1" name=""/>
+        <p:cNvGrpSpPr/>
+        <p:nvPr/>
+      </p:nvGrpSpPr>
+      <p:grpSpPr>
+        <a:xfrm>
+          <a:off x="0" y="0"/>
+          <a:ext cx="0" cy="0"/>
+          <a:chOff x="0" y="0"/>
+          <a:chExt cx="0" cy="0"/>
+        </a:xfrm>
+      </p:grpSpPr>
+      <p:sp>
+        <p:nvSpPr>
+          <p:cNvPr id="2" name="Title 1"/>
+          <p:cNvSpPr>
+            <a:spLocks noGrp="1"/>
+          </p:cNvSpPr>
+          <p:nvPr>
+            <p:ph type="title"/>
+          </p:nvPr>
+        </p:nvSpPr>
+        <p:spPr/>
+        <p:txBody>
+          <a:bodyPr>
+            <a:normAutofit fontScale="90000"/>
+          </a:bodyPr>
+          <a:lstStyle/>
+          <a:p>
+            <a:r>
+              <a:rPr lang="en-US" dirty="0" smtClean="0"/>
+              <a:t>Environment for ARM Instrumentation</a:t>
+            </a:r>
+            <a:endParaRPr lang="en-US" dirty="0"/>
+          </a:p>
+        </p:txBody>
+      </p:sp>
+      <p:sp>
+        <p:nvSpPr>
+          <p:cNvPr id="3" name="Content Placeholder 2"/>
+          <p:cNvSpPr>
+            <a:spLocks noGrp="1"/>
+          </p:cNvSpPr>
+          <p:nvPr>
+            <p:ph idx="1"/>
+          </p:nvPr>
+        </p:nvSpPr>
+        <p:spPr>
+          <a:xfrm>
+            <a:off x="457200" y="1600200"/>
+            <a:ext cx="8229600" cy="4571999"/>
+          </a:xfrm>
+        </p:spPr>
+        <p:txBody>
+          <a:bodyPr/>
+          <a:lstStyle/>
+          <a:p>
+            <a:endParaRPr lang="en-US" dirty="0"/>
+          </a:p>
+        </p:txBody>
+      </p:sp>
+      <p:pic>
+        <p:nvPicPr>
+          <p:cNvPr id="4" name="Picture 2" descr="C:\Documents and Settings\Yoonki\Local Settings\Temporary Internet Files\Content.IE5\JGH7Q211\j0431616[1].png"/>
+          <p:cNvPicPr>
+            <a:picLocks noChangeAspect="1" noChangeArrowheads="1"/>
+          </p:cNvPicPr>
+          <p:nvPr/>
+        </p:nvPicPr>
+        <p:blipFill>
+          <a:blip r:embed="rId2" cstate="print"/>
+          <a:srcRect/>
+          <a:stretch>
+            <a:fillRect/>
+          </a:stretch>
+        </p:blipFill>
+        <p:spPr bwMode="auto">
+          <a:xfrm>
+            <a:off x="1524000" y="1676400"/>
+            <a:ext cx="1828572" cy="1828572"/>
+          </a:xfrm>
+          <a:prstGeom prst="rect">
+            <a:avLst/>
+          </a:prstGeom>
+          <a:noFill/>
+        </p:spPr>
+      </p:pic>
+      <p:pic>
+        <p:nvPicPr>
+          <p:cNvPr id="5" name="Picture 3" descr="C:\Documents and Settings\Yoonki\Local Settings\Temporary Internet Files\Content.IE5\1UZTH24C\j0431595[1].png"/>
+          <p:cNvPicPr>
+            <a:picLocks noChangeAspect="1" noChangeArrowheads="1"/>
+          </p:cNvPicPr>
+          <p:nvPr/>
+        </p:nvPicPr>
+        <p:blipFill>
+          <a:blip r:embed="rId3" cstate="print"/>
+          <a:srcRect/>
+          <a:stretch>
+            <a:fillRect/>
+          </a:stretch>
+        </p:blipFill>
+        <p:spPr bwMode="auto">
+          <a:xfrm>
+            <a:off x="3048000" y="4800600"/>
+            <a:ext cx="1828572" cy="1828572"/>
+          </a:xfrm>
+          <a:prstGeom prst="rect">
+            <a:avLst/>
+          </a:prstGeom>
+          <a:noFill/>
+        </p:spPr>
+      </p:pic>
+      <p:pic>
+        <p:nvPicPr>
+          <p:cNvPr id="6" name="Picture 4" descr="C:\Documents and Settings\Yoonki\Local Settings\Temporary Internet Files\Content.IE5\79GYPFSZ\j0431637[1].png"/>
+          <p:cNvPicPr>
+            <a:picLocks noChangeAspect="1" noChangeArrowheads="1"/>
+          </p:cNvPicPr>
+          <p:nvPr/>
+        </p:nvPicPr>
+        <p:blipFill>
+          <a:blip r:embed="rId4" cstate="print"/>
+          <a:srcRect/>
+          <a:stretch>
+            <a:fillRect/>
+          </a:stretch>
+        </p:blipFill>
+        <p:spPr bwMode="auto">
+          <a:xfrm>
+            <a:off x="6019800" y="1676400"/>
+            <a:ext cx="1714500" cy="1714500"/>
+          </a:xfrm>
+          <a:prstGeom prst="rect">
+            <a:avLst/>
+          </a:prstGeom>
+          <a:noFill/>
+        </p:spPr>
+      </p:pic>
+      <p:sp>
+        <p:nvSpPr>
+          <p:cNvPr id="8" name="Rounded Rectangle 7"/>
+          <p:cNvSpPr/>
+          <p:nvPr/>
+        </p:nvSpPr>
+        <p:spPr>
+          <a:xfrm>
+            <a:off x="4724400" y="3581400"/>
+            <a:ext cx="3962400" cy="2590800"/>
+          </a:xfrm>
+          <a:prstGeom prst="roundRect">
+            <a:avLst/>
+          </a:prstGeom>
+        </p:spPr>
+        <p:style>
+          <a:lnRef idx="1">
+            <a:schemeClr val="dk1"/>
+          </a:lnRef>
+          <a:fillRef idx="2">
+            <a:schemeClr val="dk1"/>
+          </a:fillRef>
+          <a:effectRef idx="1">
+            <a:schemeClr val="dk1"/>
+          </a:effectRef>
+          <a:fontRef idx="minor">
+            <a:schemeClr val="dk1"/>
+          </a:fontRef>
+        </p:style>
+        <p:txBody>
+          <a:bodyPr rtlCol="0" anchor="t"/>
+          <a:lstStyle/>
+          <a:p>
+            <a:pPr algn="ctr"/>
+            <a:r>
+              <a:rPr lang="en-US" sz="1400" dirty="0" smtClean="0"/>
+              <a:t>Server:</a:t>
+            </a:r>
+          </a:p>
+          <a:p>
+            <a:pPr algn="ctr"/>
+            <a:r>
+              <a:rPr lang="en-US" sz="1400" dirty="0" smtClean="0"/>
+              <a:t>eb2-2241-grd03.csc.ncsu.edu (152.14.90.72)</a:t>
+            </a:r>
+          </a:p>
+          <a:p>
+            <a:pPr algn="ctr"/>
+            <a:endParaRPr lang="en-US" sz="1400" dirty="0" smtClean="0"/>
+          </a:p>
+          <a:p>
+            <a:pPr>
+              <a:buFont typeface="Wingdings" pitchFamily="2" charset="2"/>
+              <a:buChar char="§"/>
+            </a:pPr>
+            <a:r>
+              <a:rPr lang="en-US" sz="1400" dirty="0" smtClean="0"/>
+              <a:t> Java v1.5 (or lower)</a:t>
+            </a:r>
+          </a:p>
+          <a:p>
+            <a:pPr>
+              <a:buFont typeface="Wingdings" pitchFamily="2" charset="2"/>
+              <a:buChar char="§"/>
+            </a:pPr>
+            <a:r>
+              <a:rPr lang="en-US" sz="1400" dirty="0" smtClean="0"/>
+              <a:t> WebSphere Application Server v6.1</a:t>
+            </a:r>
+          </a:p>
+          <a:p>
+            <a:pPr>
+              <a:buFont typeface="Wingdings" pitchFamily="2" charset="2"/>
+              <a:buChar char="§"/>
+            </a:pPr>
+            <a:r>
+              <a:rPr lang="en-US" sz="1400" dirty="0" smtClean="0"/>
+              <a:t> Rational Performance Tester Agent  </a:t>
+            </a:r>
+          </a:p>
+          <a:p>
+            <a:r>
+              <a:rPr lang="en-US" sz="1400" dirty="0" smtClean="0"/>
+              <a:t>   (Data Collection Infrastructure v7.0)</a:t>
+            </a:r>
+          </a:p>
+        </p:txBody>
+      </p:sp>
+      <p:sp>
+        <p:nvSpPr>
+          <p:cNvPr id="9" name="Rounded Rectangle 8"/>
+          <p:cNvSpPr/>
+          <p:nvPr/>
+        </p:nvSpPr>
+        <p:spPr>
+          <a:xfrm>
+            <a:off x="457200" y="3581400"/>
+            <a:ext cx="3962400" cy="2590800"/>
+          </a:xfrm>
+          <a:prstGeom prst="roundRect">
+            <a:avLst/>
+          </a:prstGeom>
+        </p:spPr>
+        <p:style>
+          <a:lnRef idx="1">
+            <a:schemeClr val="dk1"/>
+          </a:lnRef>
+          <a:fillRef idx="2">
+            <a:schemeClr val="dk1"/>
+          </a:fillRef>
+          <a:effectRef idx="1">
+            <a:schemeClr val="dk1"/>
+          </a:effectRef>
+          <a:fontRef idx="minor">
+            <a:schemeClr val="dk1"/>
+          </a:fontRef>
+        </p:style>
+        <p:txBody>
+          <a:bodyPr rtlCol="0" anchor="t"/>
+          <a:lstStyle/>
+          <a:p>
+            <a:pPr algn="ctr"/>
+            <a:r>
+              <a:rPr lang="en-US" sz="1400" dirty="0" smtClean="0"/>
+              <a:t>Client:</a:t>
+            </a:r>
+          </a:p>
+          <a:p>
+            <a:pPr algn="ctr"/>
+            <a:r>
+              <a:rPr lang="en-US" sz="1400" dirty="0" smtClean="0"/>
+              <a:t>My desktop (Dynamic IP)</a:t>
+            </a:r>
+          </a:p>
+          <a:p>
+            <a:pPr algn="ctr"/>
+            <a:endParaRPr lang="en-US" sz="1400" dirty="0" smtClean="0"/>
+          </a:p>
+          <a:p>
+            <a:pPr>
+              <a:buFont typeface="Wingdings" pitchFamily="2" charset="2"/>
+              <a:buChar char="§"/>
+            </a:pPr>
+            <a:r>
+              <a:rPr lang="en-US" sz="1400" dirty="0" smtClean="0"/>
+              <a:t> Java v1.5 (or lower) </a:t>
+            </a:r>
+          </a:p>
+          <a:p>
+            <a:pPr>
+              <a:buFont typeface="Wingdings" pitchFamily="2" charset="2"/>
+              <a:buChar char="§"/>
+            </a:pPr>
+            <a:r>
+              <a:rPr lang="en-US" sz="1400" dirty="0" smtClean="0"/>
+              <a:t> Rational Performance Tester v8.0</a:t>
+            </a:r>
+          </a:p>
+          <a:p>
+            <a:pPr marL="177800" lvl="1">
+              <a:buFont typeface="Wingdings" pitchFamily="2" charset="2"/>
+              <a:buChar char="§"/>
+            </a:pPr>
+            <a:r>
+              <a:rPr lang="en-US" sz="1400" dirty="0" smtClean="0"/>
+              <a:t> with Agent (Data Collection Infrastructure v7.0)</a:t>
+            </a:r>
+          </a:p>
+          <a:p>
+            <a:pPr algn="ctr"/>
+            <a:endParaRPr lang="en-US" sz="1400" dirty="0"/>
+          </a:p>
+        </p:txBody>
+      </p:sp>
+      <p:sp>
+        <p:nvSpPr>
+          <p:cNvPr id="10" name="Left-Right Arrow 9"/>
+          <p:cNvSpPr/>
+          <p:nvPr/>
+        </p:nvSpPr>
+        <p:spPr>
+          <a:xfrm>
+            <a:off x="4038600" y="2133600"/>
+            <a:ext cx="1066800" cy="533400"/>
+          </a:xfrm>
+          <a:prstGeom prst="leftRightArrow">
+            <a:avLst/>
+          </a:prstGeom>
+        </p:spPr>
+        <p:style>
+          <a:lnRef idx="2">
+            <a:schemeClr val="accent1">
+              <a:shade val="50000"/>
+            </a:schemeClr>
+          </a:lnRef>
+          <a:fillRef idx="1">
+            <a:schemeClr val="accent1"/>
+          </a:fillRef>
+          <a:effectRef idx="0">
+            <a:schemeClr val="accent1"/>
+          </a:effectRef>
+          <a:fontRef idx="minor">
+            <a:schemeClr val="lt1"/>
+          </a:fontRef>
+        </p:style>
+        <p:txBody>
+          <a:bodyPr rtlCol="0" anchor="ctr"/>
+          <a:lstStyle/>
+          <a:p>
+            <a:pPr algn="ctr"/>
+            <a:endParaRPr lang="en-US"/>
+          </a:p>
+        </p:txBody>
+      </p:sp>
+    </p:spTree>
+  </p:cSld>
+  <p:clrMapOvr>
+    <a:masterClrMapping/>
+  </p:clrMapOvr>
+  <p:timing>
+    <p:tnLst>
+      <p:par>
+        <p:cTn id="1" dur="indefinite" restart="never" nodeType="tmRoot"/>
+      </p:par>
+    </p:tnLst>
+  </p:timing>
+</p:sld>
+</file>
+
+<file path=ppt/slides/slide40.xml><?xml version="1.0" encoding="utf-8"?>
+<p:sld xmlns:a="http://schemas.openxmlformats.org/drawingml/2006/main" xmlns:r="http://schemas.openxmlformats.org/officeDocument/2006/relationships" xmlns:p="http://schemas.openxmlformats.org/presentationml/2006/main">
+  <p:cSld>
+    <p:spTree>
+      <p:nvGrpSpPr>
+        <p:cNvPr id="1" name=""/>
+        <p:cNvGrpSpPr/>
+        <p:nvPr/>
+      </p:nvGrpSpPr>
+      <p:grpSpPr>
+        <a:xfrm>
+          <a:off x="0" y="0"/>
+          <a:ext cx="0" cy="0"/>
+          <a:chOff x="0" y="0"/>
+          <a:chExt cx="0" cy="0"/>
+        </a:xfrm>
+      </p:grpSpPr>
+      <p:sp>
+        <p:nvSpPr>
+          <p:cNvPr id="2" name="Title 1"/>
+          <p:cNvSpPr>
+            <a:spLocks noGrp="1"/>
+          </p:cNvSpPr>
+          <p:nvPr>
+            <p:ph type="title"/>
+          </p:nvPr>
+        </p:nvSpPr>
+        <p:spPr/>
+        <p:txBody>
+          <a:bodyPr/>
+          <a:lstStyle/>
+          <a:p>
+            <a:r>
+              <a:rPr lang="en-US" dirty="0" smtClean="0"/>
+              <a:t>TestProj4-3</a:t>
+            </a:r>
+            <a:endParaRPr lang="en-US" dirty="0"/>
+          </a:p>
+        </p:txBody>
+      </p:sp>
+      <p:sp>
+        <p:nvSpPr>
+          <p:cNvPr id="3" name="Content Placeholder 2"/>
+          <p:cNvSpPr>
+            <a:spLocks noGrp="1"/>
+          </p:cNvSpPr>
+          <p:nvPr>
+            <p:ph idx="1"/>
+          </p:nvPr>
+        </p:nvSpPr>
+        <p:spPr/>
+        <p:txBody>
+          <a:bodyPr/>
+          <a:lstStyle/>
+          <a:p>
+            <a:r>
+              <a:rPr lang="en-US" dirty="0" smtClean="0"/>
+              <a:t>Profile via ARM Instrumented Application</a:t>
+            </a:r>
+            <a:endParaRPr lang="en-US" dirty="0"/>
+          </a:p>
+        </p:txBody>
+      </p:sp>
+      <p:pic>
+        <p:nvPicPr>
+          <p:cNvPr id="6146" name="Picture 2"/>
+          <p:cNvPicPr>
+            <a:picLocks noChangeAspect="1" noChangeArrowheads="1"/>
+          </p:cNvPicPr>
+          <p:nvPr/>
+        </p:nvPicPr>
+        <p:blipFill>
+          <a:blip r:embed="rId2" cstate="print"/>
+          <a:srcRect/>
+          <a:stretch>
+            <a:fillRect/>
+          </a:stretch>
+        </p:blipFill>
+        <p:spPr bwMode="auto">
+          <a:xfrm>
+            <a:off x="914400" y="2133600"/>
+            <a:ext cx="6172200" cy="4181168"/>
+          </a:xfrm>
+          <a:prstGeom prst="rect">
+            <a:avLst/>
+          </a:prstGeom>
+          <a:noFill/>
+          <a:ln w="9525">
+            <a:noFill/>
+            <a:miter lim="800000"/>
+            <a:headEnd/>
+            <a:tailEnd/>
+          </a:ln>
+        </p:spPr>
+      </p:pic>
+    </p:spTree>
+  </p:cSld>
+  <p:clrMapOvr>
+    <a:masterClrMapping/>
+  </p:clrMapOvr>
+</p:sld>
+</file>
+
+<file path=ppt/slides/slide41.xml><?xml version="1.0" encoding="utf-8"?>
+<p:sld xmlns:a="http://schemas.openxmlformats.org/drawingml/2006/main" xmlns:r="http://schemas.openxmlformats.org/officeDocument/2006/relationships" xmlns:p="http://schemas.openxmlformats.org/presentationml/2006/main">
+  <p:cSld>
+    <p:spTree>
+      <p:nvGrpSpPr>
+        <p:cNvPr id="1" name=""/>
+        <p:cNvGrpSpPr/>
+        <p:nvPr/>
+      </p:nvGrpSpPr>
+      <p:grpSpPr>
+        <a:xfrm>
+          <a:off x="0" y="0"/>
+          <a:ext cx="0" cy="0"/>
+          <a:chOff x="0" y="0"/>
+          <a:chExt cx="0" cy="0"/>
+        </a:xfrm>
+      </p:grpSpPr>
+      <p:sp>
+        <p:nvSpPr>
+          <p:cNvPr id="2" name="Title 1"/>
+          <p:cNvSpPr>
+            <a:spLocks noGrp="1"/>
+          </p:cNvSpPr>
+          <p:nvPr>
+            <p:ph type="title"/>
+          </p:nvPr>
+        </p:nvSpPr>
+        <p:spPr/>
+        <p:txBody>
+          <a:bodyPr/>
+          <a:lstStyle/>
+          <a:p>
+            <a:endParaRPr lang="en-US"/>
+          </a:p>
+        </p:txBody>
+      </p:sp>
+      <p:sp>
+        <p:nvSpPr>
+          <p:cNvPr id="3" name="Content Placeholder 2"/>
+          <p:cNvSpPr>
+            <a:spLocks noGrp="1"/>
+          </p:cNvSpPr>
+          <p:nvPr>
+            <p:ph idx="1"/>
+          </p:nvPr>
+        </p:nvSpPr>
+        <p:spPr/>
+        <p:txBody>
+          <a:bodyPr/>
+          <a:lstStyle/>
+          <a:p>
+            <a:endParaRPr lang="en-US"/>
+          </a:p>
+        </p:txBody>
+      </p:sp>
+      <p:pic>
+        <p:nvPicPr>
+          <p:cNvPr id="3074" name="Picture 2"/>
+          <p:cNvPicPr>
+            <a:picLocks noChangeAspect="1" noChangeArrowheads="1"/>
+          </p:cNvPicPr>
+          <p:nvPr/>
+        </p:nvPicPr>
+        <p:blipFill>
+          <a:blip r:embed="rId2" cstate="print"/>
+          <a:srcRect/>
+          <a:stretch>
+            <a:fillRect/>
+          </a:stretch>
+        </p:blipFill>
+        <p:spPr bwMode="auto">
+          <a:xfrm>
+            <a:off x="2062163" y="2671763"/>
+            <a:ext cx="5019675" cy="1514475"/>
+          </a:xfrm>
+          <a:prstGeom prst="rect">
+            <a:avLst/>
+          </a:prstGeom>
+          <a:noFill/>
+          <a:ln w="9525">
+            <a:noFill/>
+            <a:miter lim="800000"/>
+            <a:headEnd/>
+            <a:tailEnd/>
+          </a:ln>
+        </p:spPr>
+      </p:pic>
+    </p:spTree>
+  </p:cSld>
+  <p:clrMapOvr>
+    <a:masterClrMapping/>
+  </p:clrMapOvr>
+</p:sld>
+</file>
+
+<file path=ppt/slides/slide42.xml><?xml version="1.0" encoding="utf-8"?>
+<p:sld xmlns:a="http://schemas.openxmlformats.org/drawingml/2006/main" xmlns:r="http://schemas.openxmlformats.org/officeDocument/2006/relationships" xmlns:p="http://schemas.openxmlformats.org/presentationml/2006/main">
+  <p:cSld>
+    <p:spTree>
+      <p:nvGrpSpPr>
+        <p:cNvPr id="1" name=""/>
+        <p:cNvGrpSpPr/>
+        <p:nvPr/>
+      </p:nvGrpSpPr>
+      <p:grpSpPr>
+        <a:xfrm>
+          <a:off x="0" y="0"/>
+          <a:ext cx="0" cy="0"/>
+          <a:chOff x="0" y="0"/>
+          <a:chExt cx="0" cy="0"/>
+        </a:xfrm>
+      </p:grpSpPr>
+      <p:sp>
+        <p:nvSpPr>
+          <p:cNvPr id="2" name="Title 1"/>
+          <p:cNvSpPr>
+            <a:spLocks noGrp="1"/>
+          </p:cNvSpPr>
+          <p:nvPr>
+            <p:ph type="title"/>
+          </p:nvPr>
+        </p:nvSpPr>
+        <p:spPr/>
+        <p:txBody>
+          <a:bodyPr/>
+          <a:lstStyle/>
+          <a:p>
+            <a:r>
+              <a:rPr lang="en-US" dirty="0" smtClean="0"/>
+              <a:t>TestProj4-3</a:t>
+            </a:r>
+            <a:endParaRPr lang="en-US" dirty="0"/>
+          </a:p>
+        </p:txBody>
+      </p:sp>
+      <p:sp>
+        <p:nvSpPr>
+          <p:cNvPr id="3" name="Content Placeholder 2"/>
+          <p:cNvSpPr>
+            <a:spLocks noGrp="1"/>
+          </p:cNvSpPr>
+          <p:nvPr>
+            <p:ph idx="1"/>
+          </p:nvPr>
+        </p:nvSpPr>
+        <p:spPr/>
+        <p:txBody>
+          <a:bodyPr>
+            <a:normAutofit fontScale="47500" lnSpcReduction="20000"/>
+          </a:bodyPr>
+          <a:lstStyle/>
+          <a:p>
+            <a:r>
+              <a:rPr lang="en-US" dirty="0" smtClean="0"/>
+              <a:t>“</a:t>
+            </a:r>
+            <a:r>
+              <a:rPr lang="en-US" dirty="0" smtClean="0"/>
+              <a:t>Response time breakdown” option</a:t>
+            </a:r>
+          </a:p>
+          <a:p>
+            <a:pPr marL="685800" lvl="1" indent="-228600">
+              <a:buFont typeface="+mj-lt"/>
+              <a:buAutoNum type="arabicPeriod"/>
+            </a:pPr>
+            <a:r>
+              <a:rPr lang="en-US" dirty="0" smtClean="0"/>
+              <a:t>test4-3.executiondlr</a:t>
+            </a:r>
+            <a:endParaRPr lang="en-US" dirty="0" smtClean="0"/>
+          </a:p>
+          <a:p>
+            <a:pPr marL="685800" lvl="1" indent="-228600">
+              <a:buFont typeface="+mj-lt"/>
+              <a:buAutoNum type="arabicPeriod"/>
+            </a:pPr>
+            <a:r>
+              <a:rPr lang="en-US" dirty="0" smtClean="0"/>
+              <a:t>test4-3_1254979701359.trcmxmi</a:t>
+            </a:r>
+          </a:p>
+          <a:p>
+            <a:pPr marL="685800" lvl="1" indent="-228600">
+              <a:buFont typeface="+mj-lt"/>
+              <a:buAutoNum type="arabicPeriod"/>
+            </a:pPr>
+            <a:r>
+              <a:rPr lang="en-US" dirty="0" smtClean="0"/>
+              <a:t>test4-3_1254979701359_All_Hosts.trcnxmi</a:t>
+            </a:r>
+          </a:p>
+          <a:p>
+            <a:pPr marL="685800" lvl="1" indent="-228600">
+              <a:buFont typeface="+mj-lt"/>
+              <a:buAutoNum type="arabicPeriod"/>
+            </a:pPr>
+            <a:r>
+              <a:rPr lang="en-US" dirty="0" smtClean="0"/>
+              <a:t>test4-3_1254979701359_All_Hosts_XMLStatisticalDataProcessor.trcadlr</a:t>
+            </a:r>
+          </a:p>
+          <a:p>
+            <a:pPr marL="685800" lvl="1" indent="-228600">
+              <a:buFont typeface="+mj-lt"/>
+              <a:buAutoNum type="arabicPeriod"/>
+            </a:pPr>
+            <a:r>
+              <a:rPr lang="en-US" dirty="0" smtClean="0"/>
+              <a:t>test4-3_1254979701359_All_Hosts_XMLStatisticalDataProcessor.trcpxmi</a:t>
+            </a:r>
+          </a:p>
+          <a:p>
+            <a:pPr marL="685800" lvl="1" indent="-228600">
+              <a:buFont typeface="+mj-lt"/>
+              <a:buAutoNum type="arabicPeriod"/>
+            </a:pPr>
+            <a:r>
+              <a:rPr lang="en-US" dirty="0" smtClean="0">
+                <a:solidFill>
+                  <a:srgbClr val="00B0F0"/>
+                </a:solidFill>
+              </a:rPr>
+              <a:t>test4-3_1254979701359_eb2-2241-grd03.csc.ncsu.edu.trcnxmi</a:t>
+            </a:r>
+          </a:p>
+          <a:p>
+            <a:pPr marL="685800" lvl="1" indent="-228600">
+              <a:buFont typeface="+mj-lt"/>
+              <a:buAutoNum type="arabicPeriod"/>
+            </a:pPr>
+            <a:r>
+              <a:rPr lang="en-US" dirty="0" smtClean="0">
+                <a:solidFill>
+                  <a:srgbClr val="00B0F0"/>
+                </a:solidFill>
+              </a:rPr>
+              <a:t>test4-3_1254979701359_eb2-2241-grd03.csc.ncsu.edu_3363_ThuOct08010021EDT2009.trcpxmi</a:t>
+            </a:r>
+          </a:p>
+          <a:p>
+            <a:pPr marL="685800" lvl="1" indent="-228600">
+              <a:buFont typeface="+mj-lt"/>
+              <a:buAutoNum type="arabicPeriod"/>
+            </a:pPr>
+            <a:r>
+              <a:rPr lang="en-US" dirty="0" smtClean="0">
+                <a:solidFill>
+                  <a:srgbClr val="00B0F0"/>
+                </a:solidFill>
+              </a:rPr>
+              <a:t>test4-3_1254979701359_eb2-2241-grd03.csc.ncsu.edu_3363_Thursday,October8,200910021AMET_1254978021265_ARM Data Collection </a:t>
+            </a:r>
+            <a:r>
+              <a:rPr lang="en-US" dirty="0" err="1" smtClean="0">
+                <a:solidFill>
+                  <a:srgbClr val="00B0F0"/>
+                </a:solidFill>
+              </a:rPr>
+              <a:t>Agent.trcaxmi</a:t>
+            </a:r>
+            <a:endParaRPr lang="en-US" dirty="0" smtClean="0">
+              <a:solidFill>
+                <a:srgbClr val="00B0F0"/>
+              </a:solidFill>
+            </a:endParaRPr>
+          </a:p>
+          <a:p>
+            <a:pPr marL="685800" lvl="1" indent="-228600">
+              <a:buFont typeface="+mj-lt"/>
+              <a:buAutoNum type="arabicPeriod"/>
+            </a:pPr>
+            <a:r>
+              <a:rPr lang="en-US" dirty="0" smtClean="0">
+                <a:solidFill>
+                  <a:srgbClr val="00B0F0"/>
+                </a:solidFill>
+              </a:rPr>
+              <a:t>test4-3_1254979701359_eb2-2241-grd03.csc.ncsu.edu_3363_Thursday,October8,200910021AMET_1254978021265_ARM Data Collection </a:t>
+            </a:r>
+            <a:r>
+              <a:rPr lang="en-US" dirty="0" err="1" smtClean="0">
+                <a:solidFill>
+                  <a:srgbClr val="00B0F0"/>
+                </a:solidFill>
+              </a:rPr>
+              <a:t>Agent.trciovxmi</a:t>
+            </a:r>
+            <a:endParaRPr lang="en-US" dirty="0" smtClean="0">
+              <a:solidFill>
+                <a:srgbClr val="00B0F0"/>
+              </a:solidFill>
+            </a:endParaRPr>
+          </a:p>
+          <a:p>
+            <a:pPr marL="685800" lvl="1" indent="-228600">
+              <a:buFont typeface="+mj-lt"/>
+              <a:buAutoNum type="arabicPeriod"/>
+            </a:pPr>
+            <a:r>
+              <a:rPr lang="en-US" dirty="0" smtClean="0"/>
+              <a:t>test4-3_1254979701359_turing.trcnxmi</a:t>
+            </a:r>
+          </a:p>
+          <a:p>
+            <a:pPr marL="685800" lvl="1" indent="-228600">
+              <a:buFont typeface="+mj-lt"/>
+              <a:buAutoNum type="arabicPeriod"/>
+            </a:pPr>
+            <a:r>
+              <a:rPr lang="en-US" dirty="0" smtClean="0">
+                <a:solidFill>
+                  <a:srgbClr val="00B0F0"/>
+                </a:solidFill>
+              </a:rPr>
+              <a:t>test4-3_1254979701359_turing_2964_ThuOct08010013EDT2009.trcpxmi</a:t>
+            </a:r>
+          </a:p>
+          <a:p>
+            <a:pPr marL="685800" lvl="1" indent="-228600">
+              <a:buFont typeface="+mj-lt"/>
+              <a:buAutoNum type="arabicPeriod"/>
+            </a:pPr>
+            <a:r>
+              <a:rPr lang="en-US" dirty="0" smtClean="0">
+                <a:solidFill>
+                  <a:srgbClr val="00B0F0"/>
+                </a:solidFill>
+              </a:rPr>
+              <a:t>test4-3_1254979701359_turing_2964_Thursday,October8,200910013AMET_1254978013828_ARM Data Collection </a:t>
+            </a:r>
+            <a:r>
+              <a:rPr lang="en-US" dirty="0" err="1" smtClean="0">
+                <a:solidFill>
+                  <a:srgbClr val="00B0F0"/>
+                </a:solidFill>
+              </a:rPr>
+              <a:t>Agent.trcaxmi</a:t>
+            </a:r>
+            <a:endParaRPr lang="en-US" dirty="0" smtClean="0">
+              <a:solidFill>
+                <a:srgbClr val="00B0F0"/>
+              </a:solidFill>
+            </a:endParaRPr>
+          </a:p>
+          <a:p>
+            <a:pPr marL="685800" lvl="1" indent="-228600">
+              <a:buFont typeface="+mj-lt"/>
+              <a:buAutoNum type="arabicPeriod"/>
+            </a:pPr>
+            <a:r>
+              <a:rPr lang="en-US" dirty="0" smtClean="0">
+                <a:solidFill>
+                  <a:srgbClr val="00B0F0"/>
+                </a:solidFill>
+              </a:rPr>
+              <a:t>test4-3_1254979701359_turing_2964_Thursday,October8,200910013AMET_1254978013828_ARM Data Collection </a:t>
+            </a:r>
+            <a:r>
+              <a:rPr lang="en-US" dirty="0" err="1" smtClean="0">
+                <a:solidFill>
+                  <a:srgbClr val="00B0F0"/>
+                </a:solidFill>
+              </a:rPr>
+              <a:t>Agent.trciovxmi</a:t>
+            </a:r>
+            <a:endParaRPr lang="en-US" dirty="0" smtClean="0">
+              <a:solidFill>
+                <a:srgbClr val="00B0F0"/>
+              </a:solidFill>
+            </a:endParaRPr>
+          </a:p>
+          <a:p>
+            <a:pPr marL="685800" lvl="1" indent="-228600">
+              <a:buFont typeface="+mj-lt"/>
+              <a:buAutoNum type="arabicPeriod"/>
+            </a:pPr>
+            <a:r>
+              <a:rPr lang="en-US" dirty="0" smtClean="0"/>
+              <a:t>test4-3_1254979701359_turing_XMLStatisticalDataProcessor.trcadlr</a:t>
+            </a:r>
+          </a:p>
+          <a:p>
+            <a:pPr marL="685800" lvl="1" indent="-228600">
+              <a:buFont typeface="+mj-lt"/>
+              <a:buAutoNum type="arabicPeriod"/>
+            </a:pPr>
+            <a:r>
+              <a:rPr lang="en-US" dirty="0" smtClean="0"/>
+              <a:t>test4-3_1254979701359_turing_XMLStatisticalDataProcessor.trcpxmi</a:t>
+            </a:r>
+            <a:endParaRPr lang="en-US" dirty="0"/>
+          </a:p>
+        </p:txBody>
+      </p:sp>
+    </p:spTree>
+  </p:cSld>
+  <p:clrMapOvr>
+    <a:masterClrMapping/>
+  </p:clrMapOvr>
+</p:sld>
+</file>
+
+<file path=ppt/slides/slide5.xml><?xml version="1.0" encoding="utf-8"?>
+<p:sld xmlns:a="http://schemas.openxmlformats.org/drawingml/2006/main" xmlns:r="http://schemas.openxmlformats.org/officeDocument/2006/relationships" xmlns:p="http://schemas.openxmlformats.org/presentationml/2006/main">
+  <p:cSld>
+    <p:spTree>
+      <p:nvGrpSpPr>
+        <p:cNvPr id="1" name=""/>
+        <p:cNvGrpSpPr/>
+        <p:nvPr/>
+      </p:nvGrpSpPr>
+      <p:grpSpPr>
+        <a:xfrm>
+          <a:off x="0" y="0"/>
+          <a:ext cx="0" cy="0"/>
+          <a:chOff x="0" y="0"/>
+          <a:chExt cx="0" cy="0"/>
+        </a:xfrm>
+      </p:grpSpPr>
+      <p:sp>
+        <p:nvSpPr>
+          <p:cNvPr id="9" name="Title 8"/>
+          <p:cNvSpPr>
+            <a:spLocks noGrp="1"/>
+          </p:cNvSpPr>
+          <p:nvPr>
+            <p:ph type="title"/>
+          </p:nvPr>
+        </p:nvSpPr>
+        <p:spPr/>
+        <p:txBody>
+          <a:bodyPr>
+            <a:normAutofit fontScale="90000"/>
+          </a:bodyPr>
+          <a:lstStyle/>
+          <a:p>
+            <a:r>
+              <a:rPr lang="en-US" dirty="0" smtClean="0"/>
+              <a:t>Sequence for Collecting Trace data with Instrumentation (RPT-ARM)</a:t>
+            </a:r>
+            <a:endParaRPr lang="en-US" dirty="0"/>
+          </a:p>
+        </p:txBody>
+      </p:sp>
+      <p:sp>
+        <p:nvSpPr>
+          <p:cNvPr id="10" name="Text Placeholder 9"/>
+          <p:cNvSpPr>
+            <a:spLocks noGrp="1"/>
+          </p:cNvSpPr>
+          <p:nvPr>
+            <p:ph type="body" idx="1"/>
+          </p:nvPr>
+        </p:nvSpPr>
+        <p:spPr/>
+        <p:txBody>
+          <a:bodyPr/>
+          <a:lstStyle/>
+          <a:p>
+            <a:r>
+              <a:rPr lang="en-US" dirty="0" smtClean="0"/>
+              <a:t>Client</a:t>
+            </a:r>
+            <a:endParaRPr lang="en-US" dirty="0"/>
+          </a:p>
+        </p:txBody>
+      </p:sp>
+      <p:sp>
+        <p:nvSpPr>
+          <p:cNvPr id="11" name="Content Placeholder 10"/>
+          <p:cNvSpPr>
+            <a:spLocks noGrp="1"/>
+          </p:cNvSpPr>
+          <p:nvPr>
+            <p:ph sz="half" idx="2"/>
+          </p:nvPr>
+        </p:nvSpPr>
+        <p:spPr>
+          <a:xfrm>
+            <a:off x="457200" y="3657600"/>
+            <a:ext cx="3657600" cy="1142999"/>
+          </a:xfrm>
+        </p:spPr>
+        <p:txBody>
+          <a:bodyPr>
+            <a:normAutofit fontScale="92500" lnSpcReduction="10000"/>
+          </a:bodyPr>
+          <a:lstStyle/>
+          <a:p>
+            <a:pPr>
+              <a:buNone/>
+            </a:pPr>
+            <a:r>
+              <a:rPr lang="en-US" sz="1800" dirty="0" smtClean="0"/>
+              <a:t>4. Start DCI</a:t>
+            </a:r>
+          </a:p>
+          <a:p>
+            <a:pPr>
+              <a:buNone/>
+            </a:pPr>
+            <a:r>
+              <a:rPr lang="en-US" sz="1800" dirty="0" smtClean="0"/>
+              <a:t>5. Start RPTv8.0</a:t>
+            </a:r>
+          </a:p>
+          <a:p>
+            <a:pPr>
+              <a:buNone/>
+            </a:pPr>
+            <a:r>
+              <a:rPr lang="en-US" sz="1800" dirty="0" smtClean="0"/>
+              <a:t>6. Start Recording and Launching Test/Schedule via RPT</a:t>
+            </a:r>
+            <a:endParaRPr lang="en-US" sz="1800" dirty="0"/>
+          </a:p>
+        </p:txBody>
+      </p:sp>
+      <p:sp>
+        <p:nvSpPr>
+          <p:cNvPr id="12" name="Text Placeholder 11"/>
+          <p:cNvSpPr>
+            <a:spLocks noGrp="1"/>
+          </p:cNvSpPr>
+          <p:nvPr>
+            <p:ph type="body" sz="quarter" idx="3"/>
+          </p:nvPr>
+        </p:nvSpPr>
+        <p:spPr>
+          <a:xfrm>
+            <a:off x="4343401" y="1535113"/>
+            <a:ext cx="4343400" cy="639762"/>
+          </a:xfrm>
+        </p:spPr>
+        <p:txBody>
+          <a:bodyPr/>
+          <a:lstStyle/>
+          <a:p>
+            <a:r>
+              <a:rPr lang="en-US" dirty="0" smtClean="0"/>
+              <a:t>Server</a:t>
+            </a:r>
+            <a:endParaRPr lang="en-US" dirty="0"/>
+          </a:p>
+        </p:txBody>
+      </p:sp>
+      <p:sp>
+        <p:nvSpPr>
+          <p:cNvPr id="13" name="Content Placeholder 12"/>
+          <p:cNvSpPr>
+            <a:spLocks noGrp="1"/>
+          </p:cNvSpPr>
+          <p:nvPr>
+            <p:ph sz="quarter" idx="4"/>
+          </p:nvPr>
+        </p:nvSpPr>
+        <p:spPr>
+          <a:xfrm>
+            <a:off x="4267201" y="2286000"/>
+            <a:ext cx="4419600" cy="3840162"/>
+          </a:xfrm>
+        </p:spPr>
+        <p:txBody>
+          <a:bodyPr>
+            <a:normAutofit/>
+          </a:bodyPr>
+          <a:lstStyle/>
+          <a:p>
+            <a:pPr marL="231775" indent="-231775"/>
+            <a:r>
+              <a:rPr lang="en-US" sz="1800" dirty="0" smtClean="0">
+                <a:latin typeface="Courier New" pitchFamily="49" charset="0"/>
+                <a:cs typeface="Courier New" pitchFamily="49" charset="0"/>
+              </a:rPr>
+              <a:t>#/root/</a:t>
+            </a:r>
+            <a:r>
+              <a:rPr lang="en-US" sz="1800" dirty="0" err="1" smtClean="0">
+                <a:latin typeface="Courier New" pitchFamily="49" charset="0"/>
+                <a:cs typeface="Courier New" pitchFamily="49" charset="0"/>
+              </a:rPr>
+              <a:t>perftest/startARM.sh</a:t>
+            </a:r>
+            <a:endParaRPr lang="en-US" sz="1800" dirty="0" smtClean="0">
+              <a:latin typeface="Courier New" pitchFamily="49" charset="0"/>
+              <a:cs typeface="Courier New" pitchFamily="49" charset="0"/>
+            </a:endParaRPr>
+          </a:p>
+          <a:p>
+            <a:pPr marL="466725" lvl="1" indent="-234950">
+              <a:buAutoNum type="arabicPeriod"/>
+            </a:pPr>
+            <a:r>
+              <a:rPr lang="en-US" sz="1400" dirty="0" smtClean="0"/>
+              <a:t>Start Rational Agent Controller (RAC)</a:t>
+            </a:r>
+          </a:p>
+          <a:p>
+            <a:pPr marL="687388" lvl="2" indent="-234950"/>
+            <a:r>
+              <a:rPr lang="en-US" sz="1200" dirty="0" smtClean="0"/>
+              <a:t>Note: RAC should be running prior to DCI</a:t>
+            </a:r>
+          </a:p>
+          <a:p>
+            <a:pPr marL="466725" lvl="1" indent="-234950">
+              <a:buAutoNum type="arabicPeriod"/>
+            </a:pPr>
+            <a:r>
+              <a:rPr lang="en-US" sz="1400" dirty="0" smtClean="0"/>
+              <a:t>Start Data Collection Infrastructure (DCI)</a:t>
+            </a:r>
+          </a:p>
+          <a:p>
+            <a:pPr marL="677863" lvl="2" indent="-234950"/>
+            <a:r>
+              <a:rPr lang="en-US" sz="1200" dirty="0" smtClean="0"/>
+              <a:t>Note: DCI should be running prior to WSAS</a:t>
+            </a:r>
+          </a:p>
+          <a:p>
+            <a:pPr marL="466725" lvl="1" indent="-234950">
+              <a:buFont typeface="Wingdings" pitchFamily="2" charset="2"/>
+              <a:buAutoNum type="arabicPeriod"/>
+            </a:pPr>
+            <a:r>
+              <a:rPr lang="en-US" sz="1400" dirty="0" smtClean="0"/>
+              <a:t>Start WebSphere Application Server (WSAS)</a:t>
+            </a:r>
+          </a:p>
+          <a:p>
+            <a:pPr marL="457200" indent="-457200">
+              <a:buAutoNum type="arabicPeriod"/>
+            </a:pPr>
+            <a:endParaRPr lang="en-US" sz="1800" dirty="0"/>
+          </a:p>
+        </p:txBody>
+      </p:sp>
+      <p:sp>
+        <p:nvSpPr>
+          <p:cNvPr id="16" name="Rounded Rectangular Callout 15"/>
+          <p:cNvSpPr/>
+          <p:nvPr/>
+        </p:nvSpPr>
+        <p:spPr>
+          <a:xfrm>
+            <a:off x="914400" y="5791200"/>
+            <a:ext cx="7315200" cy="457200"/>
+          </a:xfrm>
+          <a:prstGeom prst="wedgeRoundRectCallout">
+            <a:avLst>
+              <a:gd name="adj1" fmla="val -32721"/>
+              <a:gd name="adj2" fmla="val -49935"/>
+              <a:gd name="adj3" fmla="val 16667"/>
+            </a:avLst>
+          </a:prstGeom>
+          <a:solidFill>
+            <a:srgbClr val="FFC000"/>
+          </a:solidFill>
+        </p:spPr>
+        <p:style>
+          <a:lnRef idx="2">
+            <a:schemeClr val="accent1">
+              <a:shade val="50000"/>
+            </a:schemeClr>
+          </a:lnRef>
+          <a:fillRef idx="1">
+            <a:schemeClr val="accent1"/>
+          </a:fillRef>
+          <a:effectRef idx="0">
+            <a:schemeClr val="accent1"/>
+          </a:effectRef>
+          <a:fontRef idx="minor">
+            <a:schemeClr val="lt1"/>
+          </a:fontRef>
+        </p:style>
+        <p:txBody>
+          <a:bodyPr rtlCol="0" anchor="ctr"/>
+          <a:lstStyle/>
+          <a:p>
+            <a:r>
+              <a:rPr lang="en-US" dirty="0" smtClean="0">
+                <a:solidFill>
+                  <a:srgbClr val="FF0000"/>
+                </a:solidFill>
+              </a:rPr>
+              <a:t>Note:  This task should be always done whenever the server/client reboots.</a:t>
+            </a:r>
+            <a:endParaRPr lang="en-US" dirty="0">
+              <a:solidFill>
+                <a:srgbClr val="FF0000"/>
+              </a:solidFill>
+            </a:endParaRPr>
+          </a:p>
+        </p:txBody>
+      </p:sp>
+      <p:pic>
+        <p:nvPicPr>
+          <p:cNvPr id="17" name="Picture 2" descr="C:\Documents and Settings\Yoonki\Local Settings\Temporary Internet Files\Content.IE5\3JR7YVV4\j0432599[1].png"/>
+          <p:cNvPicPr>
+            <a:picLocks noChangeAspect="1" noChangeArrowheads="1"/>
+          </p:cNvPicPr>
+          <p:nvPr/>
+        </p:nvPicPr>
+        <p:blipFill>
+          <a:blip r:embed="rId3" cstate="print"/>
+          <a:srcRect/>
+          <a:stretch>
+            <a:fillRect/>
+          </a:stretch>
+        </p:blipFill>
+        <p:spPr bwMode="auto">
+          <a:xfrm>
+            <a:off x="1752600" y="4876800"/>
+            <a:ext cx="990600" cy="990600"/>
+          </a:xfrm>
+          <a:prstGeom prst="rect">
+            <a:avLst/>
+          </a:prstGeom>
+          <a:noFill/>
+        </p:spPr>
+      </p:pic>
+      <p:sp>
+        <p:nvSpPr>
+          <p:cNvPr id="19" name="Rounded Rectangular Callout 18"/>
+          <p:cNvSpPr/>
+          <p:nvPr/>
+        </p:nvSpPr>
+        <p:spPr>
+          <a:xfrm>
+            <a:off x="2667000" y="5105400"/>
+            <a:ext cx="1676400" cy="457200"/>
+          </a:xfrm>
+          <a:prstGeom prst="wedgeRoundRectCallout">
+            <a:avLst>
+              <a:gd name="adj1" fmla="val -55102"/>
+              <a:gd name="adj2" fmla="val 3436"/>
+              <a:gd name="adj3" fmla="val 16667"/>
+            </a:avLst>
+          </a:prstGeom>
+          <a:solidFill>
+            <a:schemeClr val="bg1"/>
+          </a:solidFill>
+        </p:spPr>
+        <p:style>
+          <a:lnRef idx="2">
+            <a:schemeClr val="accent1">
+              <a:shade val="50000"/>
+            </a:schemeClr>
+          </a:lnRef>
+          <a:fillRef idx="1">
+            <a:schemeClr val="accent1"/>
+          </a:fillRef>
+          <a:effectRef idx="0">
+            <a:schemeClr val="accent1"/>
+          </a:effectRef>
+          <a:fontRef idx="minor">
+            <a:schemeClr val="lt1"/>
+          </a:fontRef>
+        </p:style>
+        <p:txBody>
+          <a:bodyPr rtlCol="0" anchor="ctr"/>
+          <a:lstStyle/>
+          <a:p>
+            <a:pPr algn="ctr"/>
+            <a:r>
+              <a:rPr lang="en-US" dirty="0" smtClean="0">
+                <a:solidFill>
+                  <a:schemeClr val="accent6">
+                    <a:lumMod val="50000"/>
+                  </a:schemeClr>
+                </a:solidFill>
+              </a:rPr>
+              <a:t>Trace data (A)</a:t>
+            </a:r>
+            <a:endParaRPr lang="en-US" dirty="0">
+              <a:solidFill>
+                <a:schemeClr val="accent6">
+                  <a:lumMod val="50000"/>
+                </a:schemeClr>
+              </a:solidFill>
+            </a:endParaRPr>
+          </a:p>
+        </p:txBody>
+      </p:sp>
+    </p:spTree>
+  </p:cSld>
+  <p:clrMapOvr>
+    <a:masterClrMapping/>
+  </p:clrMapOvr>
+  <p:timing>
+    <p:tnLst>
+      <p:par>
+        <p:cTn id="1" dur="indefinite" restart="never" nodeType="tmRoot"/>
+      </p:par>
+    </p:tnLst>
+  </p:timing>
+</p:sld>
+</file>
+
+<file path=ppt/slides/slide6.xml><?xml version="1.0" encoding="utf-8"?>
+<p:sld xmlns:a="http://schemas.openxmlformats.org/drawingml/2006/main" xmlns:r="http://schemas.openxmlformats.org/officeDocument/2006/relationships" xmlns:p="http://schemas.openxmlformats.org/presentationml/2006/main">
+  <p:cSld>
+    <p:spTree>
+      <p:nvGrpSpPr>
+        <p:cNvPr id="1" name=""/>
+        <p:cNvGrpSpPr/>
+        <p:nvPr/>
+      </p:nvGrpSpPr>
+      <p:grpSpPr>
+        <a:xfrm>
+          <a:off x="0" y="0"/>
+          <a:ext cx="0" cy="0"/>
+          <a:chOff x="0" y="0"/>
+          <a:chExt cx="0" cy="0"/>
+        </a:xfrm>
+      </p:grpSpPr>
+      <p:sp>
+        <p:nvSpPr>
+          <p:cNvPr id="4" name="Title 3"/>
+          <p:cNvSpPr>
+            <a:spLocks noGrp="1"/>
+          </p:cNvSpPr>
+          <p:nvPr>
+            <p:ph type="title"/>
+          </p:nvPr>
+        </p:nvSpPr>
+        <p:spPr/>
+        <p:txBody>
+          <a:bodyPr/>
+          <a:lstStyle/>
+          <a:p>
+            <a:r>
+              <a:rPr lang="en-US" dirty="0" smtClean="0"/>
+              <a:t>Instrumentation</a:t>
+            </a:r>
+            <a:endParaRPr lang="en-US" dirty="0"/>
+          </a:p>
+        </p:txBody>
+      </p:sp>
+      <p:sp>
+        <p:nvSpPr>
+          <p:cNvPr id="5" name="Text Placeholder 4"/>
+          <p:cNvSpPr>
+            <a:spLocks noGrp="1"/>
+          </p:cNvSpPr>
+          <p:nvPr>
+            <p:ph type="body" idx="1"/>
+          </p:nvPr>
+        </p:nvSpPr>
+        <p:spPr/>
+        <p:txBody>
+          <a:bodyPr/>
+          <a:lstStyle/>
+          <a:p>
+            <a:endParaRPr lang="en-US"/>
+          </a:p>
+        </p:txBody>
+      </p:sp>
+    </p:spTree>
+  </p:cSld>
+  <p:clrMapOvr>
+    <a:masterClrMapping/>
+  </p:clrMapOvr>
+  <p:timing>
+    <p:tnLst>
+      <p:par>
+        <p:cTn id="1" dur="indefinite" restart="never" nodeType="tmRoot"/>
+      </p:par>
+    </p:tnLst>
+  </p:timing>
+</p:sld>
+</file>
+
+<file path=ppt/slides/slide7.xml><?xml version="1.0" encoding="utf-8"?>
+<p:sld xmlns:a="http://schemas.openxmlformats.org/drawingml/2006/main" xmlns:r="http://schemas.openxmlformats.org/officeDocument/2006/relationships" xmlns:p="http://schemas.openxmlformats.org/presentationml/2006/main">
+  <p:cSld>
+    <p:spTree>
+      <p:nvGrpSpPr>
+        <p:cNvPr id="1" name=""/>
+        <p:cNvGrpSpPr/>
+        <p:nvPr/>
+      </p:nvGrpSpPr>
+      <p:grpSpPr>
+        <a:xfrm>
+          <a:off x="0" y="0"/>
+          <a:ext cx="0" cy="0"/>
+          <a:chOff x="0" y="0"/>
+          <a:chExt cx="0" cy="0"/>
+        </a:xfrm>
+      </p:grpSpPr>
+      <p:sp>
+        <p:nvSpPr>
+          <p:cNvPr id="4" name="Title 3"/>
+          <p:cNvSpPr>
+            <a:spLocks noGrp="1"/>
+          </p:cNvSpPr>
+          <p:nvPr>
+            <p:ph type="title"/>
+          </p:nvPr>
+        </p:nvSpPr>
+        <p:spPr/>
+        <p:txBody>
+          <a:bodyPr>
+            <a:normAutofit fontScale="90000"/>
+          </a:bodyPr>
+          <a:lstStyle/>
+          <a:p>
+            <a:r>
+              <a:rPr lang="en-US" dirty="0" smtClean="0"/>
+              <a:t>Using the Java Profiler with JVM 1.4 (or lower)</a:t>
+            </a:r>
+            <a:endParaRPr lang="en-US" dirty="0"/>
+          </a:p>
+        </p:txBody>
+      </p:sp>
+      <p:sp>
+        <p:nvSpPr>
+          <p:cNvPr id="5" name="Content Placeholder 4"/>
+          <p:cNvSpPr>
+            <a:spLocks noGrp="1"/>
+          </p:cNvSpPr>
+          <p:nvPr>
+            <p:ph idx="1"/>
+          </p:nvPr>
+        </p:nvSpPr>
+        <p:spPr/>
+        <p:txBody>
+          <a:bodyPr/>
+          <a:lstStyle/>
+          <a:p>
+            <a:pPr marL="514350" indent="-514350">
+              <a:buFont typeface="+mj-lt"/>
+              <a:buAutoNum type="arabicPeriod"/>
+            </a:pPr>
+            <a:r>
+              <a:rPr lang="en-US" dirty="0" smtClean="0"/>
+              <a:t>Go to &lt;profile root&gt;/</a:t>
+            </a:r>
+            <a:r>
+              <a:rPr lang="en-US" dirty="0" err="1" smtClean="0"/>
+              <a:t>config</a:t>
+            </a:r>
+            <a:r>
+              <a:rPr lang="en-US" dirty="0" smtClean="0"/>
+              <a:t>/cells/&lt;</a:t>
+            </a:r>
+            <a:r>
+              <a:rPr lang="en-US" dirty="0" err="1" smtClean="0"/>
+              <a:t>nodename</a:t>
+            </a:r>
+            <a:r>
+              <a:rPr lang="en-US" dirty="0" smtClean="0"/>
+              <a:t>&gt;Cell/nodes/&lt;</a:t>
+            </a:r>
+            <a:r>
+              <a:rPr lang="en-US" dirty="0" err="1" smtClean="0"/>
+              <a:t>nodename</a:t>
+            </a:r>
+            <a:r>
+              <a:rPr lang="en-US" dirty="0" smtClean="0"/>
+              <a:t>&gt;/servers/server1</a:t>
+            </a:r>
+          </a:p>
+          <a:p>
+            <a:pPr marL="514350" indent="-514350">
+              <a:buFont typeface="+mj-lt"/>
+              <a:buAutoNum type="arabicPeriod"/>
+            </a:pPr>
+            <a:r>
+              <a:rPr lang="en-US" dirty="0" smtClean="0"/>
+              <a:t>Edit the </a:t>
+            </a:r>
+            <a:r>
+              <a:rPr lang="en-US" dirty="0" err="1" smtClean="0">
+                <a:solidFill>
+                  <a:srgbClr val="00B0F0"/>
+                </a:solidFill>
+              </a:rPr>
+              <a:t>jvmEntries</a:t>
+            </a:r>
+            <a:r>
+              <a:rPr lang="en-US" dirty="0" smtClean="0"/>
+              <a:t> element in the </a:t>
+            </a:r>
+            <a:r>
+              <a:rPr lang="en-US" dirty="0" smtClean="0">
+                <a:solidFill>
+                  <a:schemeClr val="tx2">
+                    <a:lumMod val="60000"/>
+                    <a:lumOff val="40000"/>
+                  </a:schemeClr>
+                </a:solidFill>
+              </a:rPr>
+              <a:t>server.xml</a:t>
+            </a:r>
+            <a:r>
+              <a:rPr lang="en-US" dirty="0" smtClean="0"/>
+              <a:t> Specifically, append </a:t>
+            </a:r>
+            <a:r>
+              <a:rPr lang="en-US" dirty="0" smtClean="0">
+                <a:solidFill>
+                  <a:srgbClr val="00B0F0"/>
+                </a:solidFill>
+              </a:rPr>
+              <a:t>–</a:t>
+            </a:r>
+            <a:r>
+              <a:rPr lang="en-US" dirty="0" err="1" smtClean="0">
+                <a:solidFill>
+                  <a:srgbClr val="00B0F0"/>
+                </a:solidFill>
+              </a:rPr>
+              <a:t>XrunpiAgent:server</a:t>
+            </a:r>
+            <a:r>
+              <a:rPr lang="en-US" dirty="0" smtClean="0">
+                <a:solidFill>
+                  <a:srgbClr val="00B0F0"/>
+                </a:solidFill>
+              </a:rPr>
+              <a:t>=enabled </a:t>
+            </a:r>
+            <a:r>
+              <a:rPr lang="en-US" dirty="0" smtClean="0"/>
+              <a:t>to the </a:t>
+            </a:r>
+            <a:r>
+              <a:rPr lang="en-US" dirty="0" err="1" smtClean="0">
+                <a:solidFill>
+                  <a:srgbClr val="00B0F0"/>
+                </a:solidFill>
+              </a:rPr>
+              <a:t>genericJvmArguments</a:t>
+            </a:r>
+            <a:r>
+              <a:rPr lang="en-US" dirty="0" smtClean="0"/>
+              <a:t> attribute value.</a:t>
+            </a:r>
+          </a:p>
+          <a:p>
+            <a:pPr marL="514350" indent="-514350">
+              <a:buFont typeface="+mj-lt"/>
+              <a:buAutoNum type="arabicPeriod"/>
+            </a:pPr>
+            <a:r>
+              <a:rPr lang="en-US" dirty="0" smtClean="0"/>
+              <a:t>Restart WSAS</a:t>
+            </a:r>
+            <a:endParaRPr lang="en-US" dirty="0"/>
+          </a:p>
+        </p:txBody>
+      </p:sp>
+    </p:spTree>
+  </p:cSld>
+  <p:clrMapOvr>
+    <a:masterClrMapping/>
+  </p:clrMapOvr>
+  <p:timing>
+    <p:tnLst>
+      <p:par>
+        <p:cTn id="1" dur="indefinite" restart="never" nodeType="tmRoot"/>
+      </p:par>
+    </p:tnLst>
+  </p:timing>
+</p:sld>
+</file>
+
+<file path=ppt/slides/slide8.xml><?xml version="1.0" encoding="utf-8"?>
+<p:sld xmlns:a="http://schemas.openxmlformats.org/drawingml/2006/main" xmlns:r="http://schemas.openxmlformats.org/officeDocument/2006/relationships" xmlns:p="http://schemas.openxmlformats.org/presentationml/2006/main">
+  <p:cSld>
+    <p:spTree>
+      <p:nvGrpSpPr>
+        <p:cNvPr id="1" name=""/>
+        <p:cNvGrpSpPr/>
+        <p:nvPr/>
+      </p:nvGrpSpPr>
+      <p:grpSpPr>
+        <a:xfrm>
+          <a:off x="0" y="0"/>
+          <a:ext cx="0" cy="0"/>
+          <a:chOff x="0" y="0"/>
+          <a:chExt cx="0" cy="0"/>
+        </a:xfrm>
+      </p:grpSpPr>
+      <p:sp>
+        <p:nvSpPr>
+          <p:cNvPr id="2" name="Title 1"/>
+          <p:cNvSpPr>
+            <a:spLocks noGrp="1"/>
+          </p:cNvSpPr>
+          <p:nvPr>
+            <p:ph type="title"/>
+          </p:nvPr>
+        </p:nvSpPr>
+        <p:spPr/>
+        <p:txBody>
+          <a:bodyPr/>
+          <a:lstStyle/>
+          <a:p>
+            <a:r>
+              <a:rPr lang="en-US" dirty="0" smtClean="0"/>
+              <a:t>Instrumentation Steps</a:t>
+            </a:r>
+            <a:endParaRPr lang="en-US" dirty="0"/>
+          </a:p>
+        </p:txBody>
+      </p:sp>
+      <p:sp>
+        <p:nvSpPr>
+          <p:cNvPr id="3" name="Content Placeholder 2"/>
+          <p:cNvSpPr>
+            <a:spLocks noGrp="1"/>
+          </p:cNvSpPr>
+          <p:nvPr>
+            <p:ph idx="1"/>
+          </p:nvPr>
+        </p:nvSpPr>
+        <p:spPr/>
+        <p:txBody>
+          <a:bodyPr/>
+          <a:lstStyle/>
+          <a:p>
+            <a:pPr marL="514350" lvl="0" indent="-514350">
+              <a:defRPr/>
+            </a:pPr>
+            <a:r>
+              <a:rPr lang="en-US" dirty="0" smtClean="0">
+                <a:latin typeface="Courier New" pitchFamily="49" charset="0"/>
+                <a:cs typeface="Courier New" pitchFamily="49" charset="0"/>
+              </a:rPr>
+              <a:t># /root/</a:t>
+            </a:r>
+            <a:r>
+              <a:rPr lang="en-US" dirty="0" err="1" smtClean="0">
+                <a:latin typeface="Courier New" pitchFamily="49" charset="0"/>
+                <a:cs typeface="Courier New" pitchFamily="49" charset="0"/>
+              </a:rPr>
+              <a:t>perftest/gotoARM.sh</a:t>
+            </a:r>
+            <a:endParaRPr lang="en-US" dirty="0" smtClean="0">
+              <a:latin typeface="Courier New" pitchFamily="49" charset="0"/>
+              <a:cs typeface="Courier New" pitchFamily="49" charset="0"/>
+            </a:endParaRPr>
+          </a:p>
+          <a:p>
+            <a:pPr marL="914400" lvl="1" indent="-514350">
+              <a:buFont typeface="+mj-lt"/>
+              <a:buAutoNum type="arabicPeriod"/>
+              <a:defRPr/>
+            </a:pPr>
+            <a:r>
+              <a:rPr lang="en-US" dirty="0" smtClean="0"/>
+              <a:t>Start WebSphere Application Server (WSAS)</a:t>
+            </a:r>
+          </a:p>
+          <a:p>
+            <a:pPr marL="1314450" lvl="2" indent="-514350">
+              <a:defRPr/>
+            </a:pPr>
+            <a:r>
+              <a:rPr lang="en-US" dirty="0" smtClean="0"/>
+              <a:t>Note: WSAS should be running before applications are instrumented.</a:t>
+            </a:r>
+          </a:p>
+          <a:p>
+            <a:pPr marL="914400" lvl="1" indent="-514350">
+              <a:buFont typeface="+mj-lt"/>
+              <a:buAutoNum type="arabicPeriod"/>
+              <a:defRPr/>
+            </a:pPr>
+            <a:r>
+              <a:rPr lang="en-US" dirty="0" smtClean="0"/>
+              <a:t>Start Instrumentation</a:t>
+            </a:r>
+          </a:p>
+          <a:p>
+            <a:pPr marL="914400" lvl="1" indent="-514350">
+              <a:buFont typeface="+mj-lt"/>
+              <a:buAutoNum type="arabicPeriod"/>
+              <a:defRPr/>
+            </a:pPr>
+            <a:r>
+              <a:rPr lang="en-US" dirty="0" smtClean="0"/>
+              <a:t>Restart the server</a:t>
+            </a:r>
+            <a:endParaRPr lang="en-US" dirty="0"/>
+          </a:p>
+        </p:txBody>
+      </p:sp>
+      <p:sp>
+        <p:nvSpPr>
+          <p:cNvPr id="4" name="Rounded Rectangular Callout 3"/>
+          <p:cNvSpPr/>
+          <p:nvPr/>
+        </p:nvSpPr>
+        <p:spPr>
+          <a:xfrm>
+            <a:off x="914400" y="5791200"/>
+            <a:ext cx="7315200" cy="457200"/>
+          </a:xfrm>
+          <a:prstGeom prst="wedgeRoundRectCallout">
+            <a:avLst>
+              <a:gd name="adj1" fmla="val -32721"/>
+              <a:gd name="adj2" fmla="val -49935"/>
+              <a:gd name="adj3" fmla="val 16667"/>
+            </a:avLst>
+          </a:prstGeom>
+          <a:solidFill>
+            <a:srgbClr val="FFC000"/>
+          </a:solidFill>
+        </p:spPr>
+        <p:style>
+          <a:lnRef idx="2">
+            <a:schemeClr val="accent1">
+              <a:shade val="50000"/>
+            </a:schemeClr>
+          </a:lnRef>
+          <a:fillRef idx="1">
+            <a:schemeClr val="accent1"/>
+          </a:fillRef>
+          <a:effectRef idx="0">
+            <a:schemeClr val="accent1"/>
+          </a:effectRef>
+          <a:fontRef idx="minor">
+            <a:schemeClr val="lt1"/>
+          </a:fontRef>
+        </p:style>
+        <p:txBody>
+          <a:bodyPr rtlCol="0" anchor="ctr"/>
+          <a:lstStyle/>
+          <a:p>
+            <a:r>
+              <a:rPr lang="en-US" dirty="0" smtClean="0">
+                <a:solidFill>
+                  <a:srgbClr val="FF0000"/>
+                </a:solidFill>
+              </a:rPr>
+              <a:t>Note:  This task should be done only once.</a:t>
+            </a:r>
+            <a:endParaRPr lang="en-US" dirty="0">
+              <a:solidFill>
+                <a:srgbClr val="FF0000"/>
+              </a:solidFill>
+            </a:endParaRPr>
+          </a:p>
+        </p:txBody>
+      </p:sp>
+    </p:spTree>
+  </p:cSld>
+  <p:clrMapOvr>
+    <a:masterClrMapping/>
+  </p:clrMapOvr>
+  <p:timing>
+    <p:tnLst>
+      <p:par>
+        <p:cTn id="1" dur="indefinite" restart="never" nodeType="tmRoot"/>
+      </p:par>
+    </p:tnLst>
+  </p:timing>
+</p:sld>
+</file>
+
+<file path=ppt/slides/slide9.xml><?xml version="1.0" encoding="utf-8"?>
+<p:sld xmlns:a="http://schemas.openxmlformats.org/drawingml/2006/main" xmlns:r="http://schemas.openxmlformats.org/officeDocument/2006/relationships" xmlns:p="http://schemas.openxmlformats.org/presentationml/2006/main">
+  <p:cSld>
+    <p:spTree>
+      <p:nvGrpSpPr>
+        <p:cNvPr id="1" name=""/>
+        <p:cNvGrpSpPr/>
+        <p:nvPr/>
+      </p:nvGrpSpPr>
+      <p:grpSpPr>
+        <a:xfrm>
+          <a:off x="0" y="0"/>
+          <a:ext cx="0" cy="0"/>
+          <a:chOff x="0" y="0"/>
+          <a:chExt cx="0" cy="0"/>
+        </a:xfrm>
+      </p:grpSpPr>
+      <p:sp>
+        <p:nvSpPr>
+          <p:cNvPr id="2" name="Title 1"/>
+          <p:cNvSpPr>
+            <a:spLocks noGrp="1"/>
+          </p:cNvSpPr>
+          <p:nvPr>
+            <p:ph type="title"/>
+          </p:nvPr>
+        </p:nvSpPr>
+        <p:spPr/>
+        <p:txBody>
+          <a:bodyPr>
+            <a:normAutofit fontScale="90000"/>
+          </a:bodyPr>
+          <a:lstStyle/>
+          <a:p>
+            <a:r>
+              <a:rPr lang="en-US" dirty="0" smtClean="0"/>
+              <a:t>Application Server </a:t>
+            </a:r>
+            <a:r>
+              <a:rPr lang="en-US" dirty="0" err="1" smtClean="0"/>
+              <a:t>Instrumenter</a:t>
+            </a:r>
+            <a:r>
+              <a:rPr lang="en-US" dirty="0" smtClean="0"/>
+              <a:t> (ASI)</a:t>
+            </a:r>
+            <a:endParaRPr lang="en-US" dirty="0"/>
+          </a:p>
+        </p:txBody>
+      </p:sp>
+      <p:sp>
+        <p:nvSpPr>
+          <p:cNvPr id="3" name="Content Placeholder 2"/>
+          <p:cNvSpPr>
+            <a:spLocks noGrp="1"/>
+          </p:cNvSpPr>
+          <p:nvPr>
+            <p:ph idx="1"/>
+          </p:nvPr>
+        </p:nvSpPr>
+        <p:spPr/>
+        <p:txBody>
+          <a:bodyPr/>
+          <a:lstStyle/>
+          <a:p>
+            <a:endParaRPr lang="en-US"/>
+          </a:p>
+        </p:txBody>
+      </p:sp>
+      <p:pic>
+        <p:nvPicPr>
+          <p:cNvPr id="4098" name="Picture 2"/>
+          <p:cNvPicPr>
+            <a:picLocks noChangeAspect="1" noChangeArrowheads="1"/>
+          </p:cNvPicPr>
+          <p:nvPr/>
+        </p:nvPicPr>
+        <p:blipFill>
+          <a:blip r:embed="rId2" cstate="print"/>
+          <a:srcRect/>
+          <a:stretch>
+            <a:fillRect/>
+          </a:stretch>
+        </p:blipFill>
+        <p:spPr bwMode="auto">
+          <a:xfrm>
+            <a:off x="1143000" y="1676400"/>
+            <a:ext cx="5715000" cy="3810000"/>
+          </a:xfrm>
+          <a:prstGeom prst="rect">
+            <a:avLst/>
+          </a:prstGeom>
+          <a:noFill/>
+          <a:ln w="9525">
+            <a:noFill/>
+            <a:miter lim="800000"/>
+            <a:headEnd/>
+            <a:tailEnd/>
+          </a:ln>
+        </p:spPr>
+      </p:pic>
+      <p:sp>
+        <p:nvSpPr>
+          <p:cNvPr id="5" name="Rounded Rectangle 4"/>
+          <p:cNvSpPr/>
+          <p:nvPr/>
+        </p:nvSpPr>
+        <p:spPr>
+          <a:xfrm>
+            <a:off x="5791200" y="2514600"/>
+            <a:ext cx="914400" cy="228600"/>
+          </a:xfrm>
+          <a:prstGeom prst="roundRect">
+            <a:avLst>
+              <a:gd name="adj" fmla="val 21467"/>
+            </a:avLst>
+          </a:prstGeom>
+          <a:noFill/>
+          <a:ln w="38100">
+            <a:solidFill>
+              <a:srgbClr val="FF0000"/>
+            </a:solidFill>
+          </a:ln>
+        </p:spPr>
+        <p:style>
+          <a:lnRef idx="2">
+            <a:schemeClr val="accent1">
+              <a:shade val="50000"/>
+            </a:schemeClr>
+          </a:lnRef>
+          <a:fillRef idx="1">
+            <a:schemeClr val="accent1"/>
+          </a:fillRef>
+          <a:effectRef idx="0">
+            <a:schemeClr val="accent1"/>
+          </a:effectRef>
+          <a:fontRef idx="minor">
+            <a:schemeClr val="lt1"/>
+          </a:fontRef>
+        </p:style>
+        <p:txBody>
+          <a:bodyPr rtlCol="0" anchor="ctr"/>
+          <a:lstStyle/>
+          <a:p>
+            <a:pPr algn="ctr"/>
+            <a:endParaRPr lang="en-US"/>
+          </a:p>
+        </p:txBody>
+      </p:sp>
     </p:spTree>
   </p:cSld>
   <p:clrMapOvr>
